--- a/Project/DataMining/ARIMAX_Project/아이스크림 판매량 예측/아이스크림을 왜 먹을까.pptx
+++ b/Project/DataMining/ARIMAX_Project/아이스크림 판매량 예측/아이스크림을 왜 먹을까.pptx
@@ -3494,12 +3494,8 @@
           <a:lstStyle/>
           <a:p>
             <a:r>
-              <a:rPr lang="en-US" altLang="ko-KR" dirty="0"/>
-              <a:t>ARIMA </a:t>
-            </a:r>
-            <a:r>
-              <a:rPr lang="ko-KR" altLang="en-US" dirty="0"/>
-              <a:t>모형 적합</a:t>
+              <a:rPr lang="ko-KR" altLang="en-US" dirty="0"/>
+              <a:t>사전 백색화</a:t>
             </a:r>
           </a:p>
         </p:txBody>
@@ -3525,7 +3521,36 @@
           <a:bodyPr/>
           <a:lstStyle/>
           <a:p>
-            <a:endParaRPr lang="ko-KR" altLang="en-US"/>
+            <a:pPr marL="285750" indent="-285750"/>
+            <a:r>
+              <a:rPr lang="en-US" altLang="ko-KR" sz="2500" dirty="0"/>
+              <a:t>ARIMA </a:t>
+            </a:r>
+            <a:r>
+              <a:rPr lang="ko-KR" altLang="en-US" sz="2500" dirty="0"/>
+              <a:t>모형 적합</a:t>
+            </a:r>
+            <a:endParaRPr lang="en-US" altLang="ko-KR" sz="2500" dirty="0"/>
+          </a:p>
+          <a:p>
+            <a:pPr marL="0" indent="0">
+              <a:buNone/>
+            </a:pPr>
+            <a:r>
+              <a:rPr lang="en-US" altLang="ko-KR" sz="2500" dirty="0"/>
+              <a:t>- </a:t>
+            </a:r>
+            <a:r>
+              <a:rPr lang="ko-KR" altLang="en-US" sz="2500" dirty="0"/>
+              <a:t>소비량</a:t>
+            </a:r>
+            <a:r>
+              <a:rPr lang="en-US" altLang="ko-KR" sz="2500" dirty="0"/>
+              <a:t>(cons)</a:t>
+            </a:r>
+          </a:p>
+          <a:p>
+            <a:endParaRPr lang="ko-KR" altLang="en-US" dirty="0"/>
           </a:p>
         </p:txBody>
       </p:sp>
@@ -3551,7 +3576,7 @@
         </p:blipFill>
         <p:spPr>
           <a:xfrm>
-            <a:off x="1070844" y="2625169"/>
+            <a:off x="1382159" y="2658269"/>
             <a:ext cx="4023280" cy="2585006"/>
           </a:xfrm>
           <a:prstGeom prst="rect">
@@ -3739,12 +3764,8 @@
           <a:lstStyle/>
           <a:p>
             <a:r>
-              <a:rPr lang="en-US" altLang="ko-KR" dirty="0"/>
-              <a:t>ARIMA </a:t>
-            </a:r>
-            <a:r>
-              <a:rPr lang="ko-KR" altLang="en-US" dirty="0"/>
-              <a:t>모형 적합</a:t>
+              <a:rPr lang="ko-KR" altLang="en-US" dirty="0"/>
+              <a:t>사전 백색화</a:t>
             </a:r>
           </a:p>
         </p:txBody>
@@ -3768,34 +3789,80 @@
         <p:spPr/>
         <p:txBody>
           <a:bodyPr>
-            <a:normAutofit lnSpcReduction="10000"/>
+            <a:normAutofit fontScale="92500" lnSpcReduction="20000"/>
           </a:bodyPr>
           <a:lstStyle/>
           <a:p>
+            <a:pPr marL="285750" indent="-285750"/>
+            <a:r>
+              <a:rPr lang="en-US" altLang="ko-KR" dirty="0"/>
+              <a:t>ARIMA </a:t>
+            </a:r>
+            <a:r>
+              <a:rPr lang="ko-KR" altLang="en-US" dirty="0"/>
+              <a:t>모형 적합</a:t>
+            </a:r>
+            <a:endParaRPr lang="en-US" altLang="ko-KR" dirty="0"/>
+          </a:p>
+          <a:p>
+            <a:pPr marL="0" indent="0">
+              <a:buNone/>
+            </a:pPr>
+            <a:r>
+              <a:rPr lang="en-US" altLang="ko-KR" dirty="0"/>
+              <a:t>- </a:t>
+            </a:r>
+            <a:r>
+              <a:rPr lang="ko-KR" altLang="en-US" dirty="0"/>
+              <a:t>소비량</a:t>
+            </a:r>
+            <a:r>
+              <a:rPr lang="en-US" altLang="ko-KR" dirty="0"/>
+              <a:t>(cons)</a:t>
+            </a:r>
+          </a:p>
+          <a:p>
+            <a:endParaRPr lang="en-US" altLang="ko-KR" dirty="0"/>
+          </a:p>
+          <a:p>
+            <a:pPr marL="0" indent="0">
+              <a:buNone/>
+            </a:pPr>
+            <a:r>
+              <a:rPr lang="en-US" altLang="ko-KR" dirty="0"/>
+              <a:t>1) BOX-test</a:t>
+            </a:r>
+          </a:p>
+          <a:p>
+            <a:pPr marL="0" indent="0">
+              <a:buNone/>
+            </a:pPr>
+            <a:r>
+              <a:rPr lang="en-US" altLang="ko-KR" dirty="0"/>
+              <a:t>(1) </a:t>
+            </a:r>
+            <a:r>
+              <a:rPr lang="ko-KR" altLang="en-US" dirty="0"/>
+              <a:t>잔차들의 시계열성을 검증하는 </a:t>
+            </a:r>
             <a:r>
               <a:rPr lang="en-US" altLang="ko-KR" dirty="0"/>
               <a:t>Box-test</a:t>
             </a:r>
-          </a:p>
-          <a:p>
+            <a:r>
+              <a:rPr lang="ko-KR" altLang="en-US" dirty="0"/>
+              <a:t>를 시행한 결과</a:t>
+            </a:r>
             <a:endParaRPr lang="en-US" altLang="ko-KR" dirty="0"/>
           </a:p>
           <a:p>
-            <a:r>
-              <a:rPr lang="ko-KR" altLang="en-US" dirty="0"/>
-              <a:t>잔차들의 시계열성을 검증하는 </a:t>
-            </a:r>
-            <a:r>
-              <a:rPr lang="en-US" altLang="ko-KR" dirty="0"/>
-              <a:t>Box-test</a:t>
-            </a:r>
-            <a:r>
-              <a:rPr lang="ko-KR" altLang="en-US" dirty="0"/>
-              <a:t>를 시행한 결과</a:t>
-            </a:r>
-            <a:endParaRPr lang="en-US" altLang="ko-KR" dirty="0"/>
-          </a:p>
-          <a:p>
+            <a:pPr marL="0" indent="0">
+              <a:buNone/>
+            </a:pPr>
+            <a:r>
+              <a:rPr lang="en-US" altLang="ko-KR" dirty="0"/>
+              <a:t>(2) </a:t>
+            </a:r>
             <a:r>
               <a:rPr lang="ko-KR" altLang="en-US" dirty="0"/>
               <a:t>일반 차분보다 계절차분이 더 </a:t>
@@ -3823,6 +3890,13 @@
             <a:endParaRPr lang="en-US" altLang="ko-KR" dirty="0"/>
           </a:p>
           <a:p>
+            <a:pPr marL="0" indent="0">
+              <a:buNone/>
+            </a:pPr>
+            <a:r>
+              <a:rPr lang="en-US" altLang="ko-KR" dirty="0"/>
+              <a:t>(3) </a:t>
+            </a:r>
             <a:r>
               <a:rPr lang="ko-KR" altLang="en-US" dirty="0"/>
               <a:t>물론</a:t>
@@ -3974,12 +4048,8 @@
           <a:lstStyle/>
           <a:p>
             <a:r>
-              <a:rPr lang="en-US" altLang="ko-KR" dirty="0"/>
-              <a:t>ARIMA</a:t>
-            </a:r>
-            <a:r>
-              <a:rPr lang="ko-KR" altLang="en-US" dirty="0"/>
-              <a:t> 모형 적합</a:t>
+              <a:rPr lang="ko-KR" altLang="en-US" dirty="0"/>
+              <a:t>사전 백색화</a:t>
             </a:r>
           </a:p>
         </p:txBody>
@@ -4002,12 +4072,61 @@
         </p:nvSpPr>
         <p:spPr/>
         <p:txBody>
-          <a:bodyPr/>
-          <a:lstStyle/>
-          <a:p>
-            <a:r>
-              <a:rPr lang="en-US" altLang="ko-KR" dirty="0"/>
-              <a:t>ARIMA(1,0,0),(0,1,0)[12]</a:t>
+          <a:bodyPr>
+            <a:normAutofit/>
+          </a:bodyPr>
+          <a:lstStyle/>
+          <a:p>
+            <a:pPr marL="285750" indent="-285750"/>
+            <a:r>
+              <a:rPr lang="en-US" altLang="ko-KR" dirty="0"/>
+              <a:t>ARIMA </a:t>
+            </a:r>
+            <a:r>
+              <a:rPr lang="ko-KR" altLang="en-US" dirty="0"/>
+              <a:t>모형 적합</a:t>
+            </a:r>
+            <a:endParaRPr lang="en-US" altLang="ko-KR" dirty="0"/>
+          </a:p>
+          <a:p>
+            <a:pPr marL="0" indent="0">
+              <a:buNone/>
+            </a:pPr>
+            <a:r>
+              <a:rPr lang="en-US" altLang="ko-KR" dirty="0"/>
+              <a:t>- </a:t>
+            </a:r>
+            <a:r>
+              <a:rPr lang="ko-KR" altLang="en-US" dirty="0"/>
+              <a:t>소비량</a:t>
+            </a:r>
+            <a:r>
+              <a:rPr lang="en-US" altLang="ko-KR" dirty="0"/>
+              <a:t>(cons)</a:t>
+            </a:r>
+          </a:p>
+          <a:p>
+            <a:endParaRPr lang="en-US" altLang="ko-KR" dirty="0"/>
+          </a:p>
+          <a:p>
+            <a:endParaRPr lang="en-US" altLang="ko-KR" dirty="0"/>
+          </a:p>
+          <a:p>
+            <a:pPr marL="0" indent="0">
+              <a:buNone/>
+            </a:pPr>
+            <a:endParaRPr lang="en-US" altLang="ko-KR" dirty="0"/>
+          </a:p>
+          <a:p>
+            <a:endParaRPr lang="en-US" altLang="ko-KR" dirty="0"/>
+          </a:p>
+          <a:p>
+            <a:pPr marL="0" indent="0">
+              <a:buNone/>
+            </a:pPr>
+            <a:r>
+              <a:rPr lang="en-US" altLang="ko-KR" dirty="0"/>
+              <a:t>1) ARIMA(1,0,0),(0,1,0)[12]</a:t>
             </a:r>
             <a:r>
               <a:rPr lang="ko-KR" altLang="en-US" dirty="0"/>
@@ -4019,6 +4138,13 @@
             </a:r>
           </a:p>
           <a:p>
+            <a:pPr marL="0" indent="0">
+              <a:buNone/>
+            </a:pPr>
+            <a:r>
+              <a:rPr lang="en-US" altLang="ko-KR" dirty="0"/>
+              <a:t>2) </a:t>
+            </a:r>
             <a:r>
               <a:rPr lang="ko-KR" altLang="en-US" dirty="0"/>
               <a:t>그 구조를 투입계열 </a:t>
@@ -4061,7 +4187,7 @@
         </p:blipFill>
         <p:spPr>
           <a:xfrm>
-            <a:off x="933450" y="3191669"/>
+            <a:off x="838200" y="3101181"/>
             <a:ext cx="3067050" cy="809625"/>
           </a:xfrm>
           <a:prstGeom prst="rect">
@@ -4091,7 +4217,7 @@
         </p:blipFill>
         <p:spPr>
           <a:xfrm>
-            <a:off x="933450" y="4414837"/>
+            <a:off x="4093509" y="4330046"/>
             <a:ext cx="3248025" cy="180975"/>
           </a:xfrm>
           <a:prstGeom prst="rect">
@@ -4121,7 +4247,7 @@
         </p:blipFill>
         <p:spPr>
           <a:xfrm>
-            <a:off x="933450" y="4780755"/>
+            <a:off x="7226673" y="3277393"/>
             <a:ext cx="4467225" cy="457200"/>
           </a:xfrm>
           <a:prstGeom prst="rect">
@@ -4129,6 +4255,242 @@
           </a:prstGeom>
         </p:spPr>
       </p:pic>
+      <p:sp>
+        <p:nvSpPr>
+          <p:cNvPr id="7" name="화살표: 오른쪽 6">
+            <a:extLst>
+              <a:ext uri="{FF2B5EF4-FFF2-40B4-BE49-F238E27FC236}">
+                <a16:creationId xmlns:a16="http://schemas.microsoft.com/office/drawing/2014/main" id="{19840496-2FD4-4474-9FDE-B1DFB7115274}"/>
+              </a:ext>
+            </a:extLst>
+          </p:cNvPr>
+          <p:cNvSpPr/>
+          <p:nvPr/>
+        </p:nvSpPr>
+        <p:spPr>
+          <a:xfrm rot="1399584">
+            <a:off x="2955909" y="4072386"/>
+            <a:ext cx="762000" cy="439271"/>
+          </a:xfrm>
+          <a:prstGeom prst="rightArrow">
+            <a:avLst/>
+          </a:prstGeom>
+        </p:spPr>
+        <p:style>
+          <a:lnRef idx="2">
+            <a:schemeClr val="accent1">
+              <a:shade val="50000"/>
+            </a:schemeClr>
+          </a:lnRef>
+          <a:fillRef idx="1">
+            <a:schemeClr val="accent1"/>
+          </a:fillRef>
+          <a:effectRef idx="0">
+            <a:schemeClr val="accent1"/>
+          </a:effectRef>
+          <a:fontRef idx="minor">
+            <a:schemeClr val="lt1"/>
+          </a:fontRef>
+        </p:style>
+        <p:txBody>
+          <a:bodyPr rtlCol="0" anchor="ctr"/>
+          <a:lstStyle/>
+          <a:p>
+            <a:pPr algn="ctr"/>
+            <a:endParaRPr lang="ko-KR" altLang="en-US"/>
+          </a:p>
+        </p:txBody>
+      </p:sp>
+      <p:sp>
+        <p:nvSpPr>
+          <p:cNvPr id="8" name="화살표: 오른쪽 7">
+            <a:extLst>
+              <a:ext uri="{FF2B5EF4-FFF2-40B4-BE49-F238E27FC236}">
+                <a16:creationId xmlns:a16="http://schemas.microsoft.com/office/drawing/2014/main" id="{739F425A-0CE3-4512-B357-71480C4C8D33}"/>
+              </a:ext>
+            </a:extLst>
+          </p:cNvPr>
+          <p:cNvSpPr/>
+          <p:nvPr/>
+        </p:nvSpPr>
+        <p:spPr>
+          <a:xfrm rot="19424880">
+            <a:off x="7552024" y="4001294"/>
+            <a:ext cx="663794" cy="457200"/>
+          </a:xfrm>
+          <a:prstGeom prst="rightArrow">
+            <a:avLst/>
+          </a:prstGeom>
+        </p:spPr>
+        <p:style>
+          <a:lnRef idx="2">
+            <a:schemeClr val="accent1">
+              <a:shade val="50000"/>
+            </a:schemeClr>
+          </a:lnRef>
+          <a:fillRef idx="1">
+            <a:schemeClr val="accent1"/>
+          </a:fillRef>
+          <a:effectRef idx="0">
+            <a:schemeClr val="accent1"/>
+          </a:effectRef>
+          <a:fontRef idx="minor">
+            <a:schemeClr val="lt1"/>
+          </a:fontRef>
+        </p:style>
+        <p:txBody>
+          <a:bodyPr rtlCol="0" anchor="ctr"/>
+          <a:lstStyle/>
+          <a:p>
+            <a:pPr algn="ctr"/>
+            <a:endParaRPr lang="ko-KR" altLang="en-US"/>
+          </a:p>
+        </p:txBody>
+      </p:sp>
+      <p:sp>
+        <p:nvSpPr>
+          <p:cNvPr id="9" name="직사각형 8">
+            <a:extLst>
+              <a:ext uri="{FF2B5EF4-FFF2-40B4-BE49-F238E27FC236}">
+                <a16:creationId xmlns:a16="http://schemas.microsoft.com/office/drawing/2014/main" id="{3E191374-812D-438C-8B08-4DDE3C7DC2AB}"/>
+              </a:ext>
+            </a:extLst>
+          </p:cNvPr>
+          <p:cNvSpPr/>
+          <p:nvPr/>
+        </p:nvSpPr>
+        <p:spPr>
+          <a:xfrm>
+            <a:off x="838200" y="3012141"/>
+            <a:ext cx="3067050" cy="927333"/>
+          </a:xfrm>
+          <a:prstGeom prst="rect">
+            <a:avLst/>
+          </a:prstGeom>
+          <a:noFill/>
+          <a:ln w="28575"/>
+        </p:spPr>
+        <p:style>
+          <a:lnRef idx="2">
+            <a:schemeClr val="accent1">
+              <a:shade val="50000"/>
+            </a:schemeClr>
+          </a:lnRef>
+          <a:fillRef idx="1">
+            <a:schemeClr val="accent1"/>
+          </a:fillRef>
+          <a:effectRef idx="0">
+            <a:schemeClr val="accent1"/>
+          </a:effectRef>
+          <a:fontRef idx="minor">
+            <a:schemeClr val="lt1"/>
+          </a:fontRef>
+        </p:style>
+        <p:txBody>
+          <a:bodyPr rtlCol="0" anchor="ctr"/>
+          <a:lstStyle/>
+          <a:p>
+            <a:pPr algn="ctr"/>
+            <a:endParaRPr lang="ko-KR" altLang="en-US"/>
+          </a:p>
+        </p:txBody>
+      </p:sp>
+      <p:sp>
+        <p:nvSpPr>
+          <p:cNvPr id="10" name="직사각형 9">
+            <a:extLst>
+              <a:ext uri="{FF2B5EF4-FFF2-40B4-BE49-F238E27FC236}">
+                <a16:creationId xmlns:a16="http://schemas.microsoft.com/office/drawing/2014/main" id="{2664B631-3FF6-481E-91E5-EA72484C2C93}"/>
+              </a:ext>
+            </a:extLst>
+          </p:cNvPr>
+          <p:cNvSpPr/>
+          <p:nvPr/>
+        </p:nvSpPr>
+        <p:spPr>
+          <a:xfrm>
+            <a:off x="7226672" y="3182471"/>
+            <a:ext cx="4535021" cy="666811"/>
+          </a:xfrm>
+          <a:prstGeom prst="rect">
+            <a:avLst/>
+          </a:prstGeom>
+          <a:noFill/>
+          <a:ln w="28575"/>
+        </p:spPr>
+        <p:style>
+          <a:lnRef idx="2">
+            <a:schemeClr val="accent1">
+              <a:shade val="50000"/>
+            </a:schemeClr>
+          </a:lnRef>
+          <a:fillRef idx="1">
+            <a:schemeClr val="accent1"/>
+          </a:fillRef>
+          <a:effectRef idx="0">
+            <a:schemeClr val="accent1"/>
+          </a:effectRef>
+          <a:fontRef idx="minor">
+            <a:schemeClr val="lt1"/>
+          </a:fontRef>
+        </p:style>
+        <p:txBody>
+          <a:bodyPr rtlCol="0" anchor="ctr"/>
+          <a:lstStyle/>
+          <a:p>
+            <a:pPr algn="ctr"/>
+            <a:endParaRPr lang="ko-KR" altLang="en-US"/>
+          </a:p>
+        </p:txBody>
+      </p:sp>
+      <p:sp>
+        <p:nvSpPr>
+          <p:cNvPr id="11" name="직사각형 10">
+            <a:extLst>
+              <a:ext uri="{FF2B5EF4-FFF2-40B4-BE49-F238E27FC236}">
+                <a16:creationId xmlns:a16="http://schemas.microsoft.com/office/drawing/2014/main" id="{1A4563EB-F358-4BA0-8DA5-4B6757E1A47A}"/>
+              </a:ext>
+            </a:extLst>
+          </p:cNvPr>
+          <p:cNvSpPr/>
+          <p:nvPr/>
+        </p:nvSpPr>
+        <p:spPr>
+          <a:xfrm>
+            <a:off x="4043085" y="4187839"/>
+            <a:ext cx="3248026" cy="422667"/>
+          </a:xfrm>
+          <a:prstGeom prst="rect">
+            <a:avLst/>
+          </a:prstGeom>
+          <a:noFill/>
+          <a:ln w="28575"/>
+        </p:spPr>
+        <p:style>
+          <a:lnRef idx="2">
+            <a:schemeClr val="accent1">
+              <a:shade val="50000"/>
+            </a:schemeClr>
+          </a:lnRef>
+          <a:fillRef idx="1">
+            <a:schemeClr val="accent1"/>
+          </a:fillRef>
+          <a:effectRef idx="0">
+            <a:schemeClr val="accent1"/>
+          </a:effectRef>
+          <a:fontRef idx="minor">
+            <a:schemeClr val="lt1"/>
+          </a:fontRef>
+        </p:style>
+        <p:txBody>
+          <a:bodyPr rtlCol="0" anchor="ctr"/>
+          <a:lstStyle/>
+          <a:p>
+            <a:pPr algn="ctr"/>
+            <a:endParaRPr lang="ko-KR" altLang="en-US"/>
+          </a:p>
+        </p:txBody>
+      </p:sp>
     </p:spTree>
     <p:extLst>
       <p:ext uri="{BB962C8B-B14F-4D97-AF65-F5344CB8AC3E}">
@@ -4408,8 +4770,8 @@
           </a:p>
         </p:txBody>
       </p:sp>
-      <mc:AlternateContent xmlns:mc="http://schemas.openxmlformats.org/markup-compatibility/2006">
-        <mc:Choice xmlns:a14="http://schemas.microsoft.com/office/drawing/2010/main" Requires="a14">
+      <mc:AlternateContent xmlns:mc="http://schemas.openxmlformats.org/markup-compatibility/2006" xmlns:a14="http://schemas.microsoft.com/office/drawing/2010/main">
+        <mc:Choice Requires="a14">
           <p:sp>
             <p:nvSpPr>
               <p:cNvPr id="8" name="TextBox 7">
@@ -4438,6 +4800,7 @@
               </a:bodyPr>
               <a:lstStyle/>
               <a:p>
+                <a:pPr/>
                 <a14:m>
                   <m:oMathPara xmlns:m="http://schemas.openxmlformats.org/officeDocument/2006/math">
                     <m:oMathParaPr>
@@ -4526,7 +4889,7 @@
             </p:txBody>
           </p:sp>
         </mc:Choice>
-        <mc:Fallback>
+        <mc:Fallback xmlns="">
           <p:sp>
             <p:nvSpPr>
               <p:cNvPr id="8" name="TextBox 7">
@@ -4703,10 +5066,6 @@
           <a:lstStyle/>
           <a:p>
             <a:r>
-              <a:rPr lang="en-US" altLang="ko-KR" dirty="0"/>
-              <a:t>-</a:t>
-            </a:r>
-            <a:r>
               <a:rPr lang="ko-KR" altLang="en-US" dirty="0" err="1"/>
               <a:t>가적합</a:t>
             </a:r>
@@ -4719,6 +5078,13 @@
             <a:endParaRPr lang="en-US" altLang="ko-KR" dirty="0"/>
           </a:p>
           <a:p>
+            <a:pPr marL="0" indent="0">
+              <a:buNone/>
+            </a:pPr>
+            <a:r>
+              <a:rPr lang="en-US" altLang="ko-KR" dirty="0"/>
+              <a:t>- </a:t>
+            </a:r>
             <a:r>
               <a:rPr lang="ko-KR" altLang="en-US" dirty="0" err="1"/>
               <a:t>가적합</a:t>
@@ -4773,6 +5139,13 @@
             <a:endParaRPr lang="en-US" altLang="ko-KR" dirty="0"/>
           </a:p>
           <a:p>
+            <a:pPr marL="0" indent="0">
+              <a:buNone/>
+            </a:pPr>
+            <a:r>
+              <a:rPr lang="en-US" altLang="ko-KR" dirty="0"/>
+              <a:t>- </a:t>
+            </a:r>
             <a:r>
               <a:rPr lang="ko-KR" altLang="en-US" dirty="0" err="1"/>
               <a:t>잔차</a:t>
@@ -5395,69 +5768,83 @@
             <a:endParaRPr lang="en-US" altLang="ko-KR" dirty="0"/>
           </a:p>
           <a:p>
-            <a:r>
-              <a:rPr lang="ko-KR" altLang="en-US" dirty="0"/>
+            <a:pPr marL="0" indent="0">
+              <a:buNone/>
+            </a:pPr>
+            <a:r>
+              <a:rPr lang="en-US" altLang="ko-KR" dirty="0"/>
+              <a:t>- </a:t>
+            </a:r>
+            <a:r>
+              <a:rPr lang="ko-KR" altLang="en-US" sz="2600" dirty="0"/>
               <a:t>예측을 위해 투입계열인 </a:t>
             </a:r>
             <a:r>
-              <a:rPr lang="en-US" altLang="ko-KR" dirty="0"/>
+              <a:rPr lang="en-US" altLang="ko-KR" sz="2600" dirty="0"/>
               <a:t>temp</a:t>
             </a:r>
             <a:r>
-              <a:rPr lang="ko-KR" altLang="en-US" dirty="0"/>
+              <a:rPr lang="ko-KR" altLang="en-US" sz="2600" dirty="0"/>
               <a:t>에 대한 </a:t>
             </a:r>
             <a:r>
-              <a:rPr lang="en-US" altLang="ko-KR" dirty="0"/>
+              <a:rPr lang="en-US" altLang="ko-KR" sz="2600" dirty="0"/>
               <a:t>5</a:t>
             </a:r>
             <a:r>
-              <a:rPr lang="ko-KR" altLang="en-US" dirty="0"/>
+              <a:rPr lang="ko-KR" altLang="en-US" sz="2600" dirty="0"/>
               <a:t>차시 </a:t>
             </a:r>
             <a:r>
-              <a:rPr lang="ko-KR" altLang="en-US" dirty="0" err="1"/>
+              <a:rPr lang="ko-KR" altLang="en-US" sz="2600" dirty="0" err="1"/>
               <a:t>예측값을</a:t>
             </a:r>
             <a:r>
-              <a:rPr lang="ko-KR" altLang="en-US" dirty="0"/>
+              <a:rPr lang="ko-KR" altLang="en-US" sz="2600" dirty="0"/>
               <a:t> 생성한다</a:t>
             </a:r>
             <a:r>
-              <a:rPr lang="en-US" altLang="ko-KR" dirty="0"/>
+              <a:rPr lang="en-US" altLang="ko-KR" sz="2600" dirty="0"/>
               <a:t>.</a:t>
             </a:r>
           </a:p>
           <a:p>
-            <a:r>
-              <a:rPr lang="ko-KR" altLang="en-US" dirty="0"/>
+            <a:pPr marL="0" indent="0">
+              <a:buNone/>
+            </a:pPr>
+            <a:r>
+              <a:rPr lang="en-US" altLang="ko-KR" sz="2600" dirty="0"/>
+              <a:t>- </a:t>
+            </a:r>
+            <a:r>
+              <a:rPr lang="ko-KR" altLang="en-US" sz="2600" dirty="0"/>
               <a:t>이를 미리 </a:t>
             </a:r>
             <a:r>
-              <a:rPr lang="ko-KR" altLang="en-US" dirty="0" err="1"/>
+              <a:rPr lang="ko-KR" altLang="en-US" sz="2600" dirty="0" err="1"/>
               <a:t>빼둔</a:t>
             </a:r>
             <a:r>
-              <a:rPr lang="ko-KR" altLang="en-US" dirty="0"/>
+              <a:rPr lang="ko-KR" altLang="en-US" sz="2600" dirty="0"/>
               <a:t> </a:t>
             </a:r>
             <a:r>
-              <a:rPr lang="en-US" altLang="ko-KR" dirty="0"/>
+              <a:rPr lang="en-US" altLang="ko-KR" sz="2600" dirty="0"/>
               <a:t>26 ~ 30</a:t>
             </a:r>
             <a:r>
-              <a:rPr lang="ko-KR" altLang="en-US" dirty="0" err="1"/>
+              <a:rPr lang="ko-KR" altLang="en-US" sz="2600" dirty="0" err="1"/>
               <a:t>차시의</a:t>
             </a:r>
             <a:r>
-              <a:rPr lang="ko-KR" altLang="en-US" dirty="0"/>
+              <a:rPr lang="ko-KR" altLang="en-US" sz="2600" dirty="0"/>
               <a:t> 원래 데이터와 비교하여 오차율을 본다</a:t>
             </a:r>
             <a:r>
-              <a:rPr lang="en-US" altLang="ko-KR" dirty="0"/>
+              <a:rPr lang="en-US" altLang="ko-KR" sz="2600" dirty="0"/>
               <a:t>.</a:t>
             </a:r>
-            <a:endParaRPr lang="ko-KR" altLang="en-US" dirty="0"/>
+            <a:endParaRPr lang="ko-KR" altLang="en-US" sz="2600" dirty="0"/>
           </a:p>
         </p:txBody>
       </p:sp>
@@ -5543,7 +5930,7 @@
         </p:blipFill>
         <p:spPr>
           <a:xfrm>
-            <a:off x="657225" y="1690688"/>
+            <a:off x="657224" y="2361515"/>
             <a:ext cx="3850341" cy="2461997"/>
           </a:xfrm>
           <a:prstGeom prst="rect">
@@ -5662,6 +6049,67 @@
               <a:rPr lang="en-US" altLang="ko-KR" dirty="0"/>
               <a:t>.</a:t>
             </a:r>
+            <a:endParaRPr lang="ko-KR" altLang="en-US" dirty="0"/>
+          </a:p>
+        </p:txBody>
+      </p:sp>
+      <p:sp>
+        <p:nvSpPr>
+          <p:cNvPr id="9" name="TextBox 8">
+            <a:extLst>
+              <a:ext uri="{FF2B5EF4-FFF2-40B4-BE49-F238E27FC236}">
+                <a16:creationId xmlns:a16="http://schemas.microsoft.com/office/drawing/2014/main" id="{2CD0F125-87F2-4959-94CF-FABE3CBF4197}"/>
+              </a:ext>
+            </a:extLst>
+          </p:cNvPr>
+          <p:cNvSpPr txBox="1"/>
+          <p:nvPr/>
+        </p:nvSpPr>
+        <p:spPr>
+          <a:xfrm>
+            <a:off x="1147483" y="1410441"/>
+            <a:ext cx="3278462" cy="1231106"/>
+          </a:xfrm>
+          <a:prstGeom prst="rect">
+            <a:avLst/>
+          </a:prstGeom>
+          <a:noFill/>
+        </p:spPr>
+        <p:txBody>
+          <a:bodyPr wrap="none" rtlCol="0">
+            <a:spAutoFit/>
+          </a:bodyPr>
+          <a:lstStyle/>
+          <a:p>
+            <a:pPr marL="285750" indent="-285750">
+              <a:buFont typeface="Arial" panose="020B0604020202020204" pitchFamily="34" charset="0"/>
+              <a:buChar char="•"/>
+            </a:pPr>
+            <a:r>
+              <a:rPr lang="en-US" altLang="ko-KR" sz="2800" dirty="0"/>
+              <a:t>ARIMA </a:t>
+            </a:r>
+            <a:r>
+              <a:rPr lang="ko-KR" altLang="en-US" sz="2800" dirty="0"/>
+              <a:t>모형 적합</a:t>
+            </a:r>
+            <a:endParaRPr lang="en-US" altLang="ko-KR" sz="2800" dirty="0"/>
+          </a:p>
+          <a:p>
+            <a:r>
+              <a:rPr lang="en-US" altLang="ko-KR" sz="2800" dirty="0"/>
+              <a:t>- </a:t>
+            </a:r>
+            <a:r>
+              <a:rPr lang="ko-KR" altLang="en-US" sz="2800" dirty="0"/>
+              <a:t>온도</a:t>
+            </a:r>
+            <a:r>
+              <a:rPr lang="en-US" altLang="ko-KR" sz="2800" dirty="0"/>
+              <a:t>(temp)</a:t>
+            </a:r>
+          </a:p>
+          <a:p>
             <a:endParaRPr lang="ko-KR" altLang="en-US" dirty="0"/>
           </a:p>
         </p:txBody>
@@ -5931,6 +6379,67 @@
           </a:p>
         </p:txBody>
       </p:sp>
+      <p:sp>
+        <p:nvSpPr>
+          <p:cNvPr id="9" name="TextBox 8">
+            <a:extLst>
+              <a:ext uri="{FF2B5EF4-FFF2-40B4-BE49-F238E27FC236}">
+                <a16:creationId xmlns:a16="http://schemas.microsoft.com/office/drawing/2014/main" id="{DAD27FA1-E7CF-43C6-BFF8-EEE519067808}"/>
+              </a:ext>
+            </a:extLst>
+          </p:cNvPr>
+          <p:cNvSpPr txBox="1"/>
+          <p:nvPr/>
+        </p:nvSpPr>
+        <p:spPr>
+          <a:xfrm>
+            <a:off x="1221149" y="1567917"/>
+            <a:ext cx="3278462" cy="1231106"/>
+          </a:xfrm>
+          <a:prstGeom prst="rect">
+            <a:avLst/>
+          </a:prstGeom>
+          <a:noFill/>
+        </p:spPr>
+        <p:txBody>
+          <a:bodyPr wrap="none" rtlCol="0">
+            <a:spAutoFit/>
+          </a:bodyPr>
+          <a:lstStyle/>
+          <a:p>
+            <a:pPr marL="285750" indent="-285750">
+              <a:buFont typeface="Arial" panose="020B0604020202020204" pitchFamily="34" charset="0"/>
+              <a:buChar char="•"/>
+            </a:pPr>
+            <a:r>
+              <a:rPr lang="en-US" altLang="ko-KR" sz="2800" dirty="0"/>
+              <a:t>ARIMA </a:t>
+            </a:r>
+            <a:r>
+              <a:rPr lang="ko-KR" altLang="en-US" sz="2800" dirty="0"/>
+              <a:t>모형 적합</a:t>
+            </a:r>
+            <a:endParaRPr lang="en-US" altLang="ko-KR" sz="2800" dirty="0"/>
+          </a:p>
+          <a:p>
+            <a:r>
+              <a:rPr lang="en-US" altLang="ko-KR" sz="2800" dirty="0"/>
+              <a:t>- </a:t>
+            </a:r>
+            <a:r>
+              <a:rPr lang="ko-KR" altLang="en-US" sz="2800" dirty="0"/>
+              <a:t>온도</a:t>
+            </a:r>
+            <a:r>
+              <a:rPr lang="en-US" altLang="ko-KR" sz="2800" dirty="0"/>
+              <a:t>(temp)</a:t>
+            </a:r>
+          </a:p>
+          <a:p>
+            <a:endParaRPr lang="ko-KR" altLang="en-US" dirty="0"/>
+          </a:p>
+        </p:txBody>
+      </p:sp>
     </p:spTree>
     <p:extLst>
       <p:ext uri="{BB962C8B-B14F-4D97-AF65-F5344CB8AC3E}">
@@ -5989,31 +6498,6 @@
           </a:p>
         </p:txBody>
       </p:sp>
-      <p:sp>
-        <p:nvSpPr>
-          <p:cNvPr id="3" name="내용 개체 틀 2">
-            <a:extLst>
-              <a:ext uri="{FF2B5EF4-FFF2-40B4-BE49-F238E27FC236}">
-                <a16:creationId xmlns:a16="http://schemas.microsoft.com/office/drawing/2014/main" id="{FC1E47FB-B919-455E-A223-3E5BCFA24649}"/>
-              </a:ext>
-            </a:extLst>
-          </p:cNvPr>
-          <p:cNvSpPr>
-            <a:spLocks noGrp="1"/>
-          </p:cNvSpPr>
-          <p:nvPr>
-            <p:ph idx="1"/>
-          </p:nvPr>
-        </p:nvSpPr>
-        <p:spPr/>
-        <p:txBody>
-          <a:bodyPr/>
-          <a:lstStyle/>
-          <a:p>
-            <a:endParaRPr lang="ko-KR" altLang="en-US" dirty="0"/>
-          </a:p>
-        </p:txBody>
-      </p:sp>
       <p:pic>
         <p:nvPicPr>
           <p:cNvPr id="4" name="그림 3">
@@ -6156,6 +6640,67 @@
               <a:rPr lang="en-US" altLang="ko-KR" dirty="0"/>
               <a:t>.</a:t>
             </a:r>
+            <a:endParaRPr lang="ko-KR" altLang="en-US" dirty="0"/>
+          </a:p>
+        </p:txBody>
+      </p:sp>
+      <p:sp>
+        <p:nvSpPr>
+          <p:cNvPr id="8" name="TextBox 7">
+            <a:extLst>
+              <a:ext uri="{FF2B5EF4-FFF2-40B4-BE49-F238E27FC236}">
+                <a16:creationId xmlns:a16="http://schemas.microsoft.com/office/drawing/2014/main" id="{EA70CC9F-CA2F-4FA6-A38E-C5253C1AE11A}"/>
+              </a:ext>
+            </a:extLst>
+          </p:cNvPr>
+          <p:cNvSpPr txBox="1"/>
+          <p:nvPr/>
+        </p:nvSpPr>
+        <p:spPr>
+          <a:xfrm>
+            <a:off x="1308847" y="1757082"/>
+            <a:ext cx="3278462" cy="1231106"/>
+          </a:xfrm>
+          <a:prstGeom prst="rect">
+            <a:avLst/>
+          </a:prstGeom>
+          <a:noFill/>
+        </p:spPr>
+        <p:txBody>
+          <a:bodyPr wrap="none" rtlCol="0">
+            <a:spAutoFit/>
+          </a:bodyPr>
+          <a:lstStyle/>
+          <a:p>
+            <a:pPr marL="285750" indent="-285750">
+              <a:buFont typeface="Arial" panose="020B0604020202020204" pitchFamily="34" charset="0"/>
+              <a:buChar char="•"/>
+            </a:pPr>
+            <a:r>
+              <a:rPr lang="en-US" altLang="ko-KR" sz="2800" dirty="0"/>
+              <a:t>ARIMA </a:t>
+            </a:r>
+            <a:r>
+              <a:rPr lang="ko-KR" altLang="en-US" sz="2800" dirty="0"/>
+              <a:t>모형 적합</a:t>
+            </a:r>
+            <a:endParaRPr lang="en-US" altLang="ko-KR" sz="2800" dirty="0"/>
+          </a:p>
+          <a:p>
+            <a:r>
+              <a:rPr lang="en-US" altLang="ko-KR" sz="2800" dirty="0"/>
+              <a:t>- </a:t>
+            </a:r>
+            <a:r>
+              <a:rPr lang="ko-KR" altLang="en-US" sz="2800" dirty="0"/>
+              <a:t>온도</a:t>
+            </a:r>
+            <a:r>
+              <a:rPr lang="en-US" altLang="ko-KR" sz="2800" dirty="0"/>
+              <a:t>(temp)</a:t>
+            </a:r>
+          </a:p>
+          <a:p>
             <a:endParaRPr lang="ko-KR" altLang="en-US" dirty="0"/>
           </a:p>
         </p:txBody>
@@ -6327,14 +6872,14 @@
           <p:nvPr>
             <p:extLst>
               <p:ext uri="{D42A27DB-BD31-4B8C-83A1-F6EECF244321}">
-                <p14:modId xmlns:p14="http://schemas.microsoft.com/office/powerpoint/2010/main" val="643124595"/>
+                <p14:modId xmlns:p14="http://schemas.microsoft.com/office/powerpoint/2010/main" val="1940128437"/>
               </p:ext>
             </p:extLst>
           </p:nvPr>
         </p:nvGraphicFramePr>
         <p:xfrm>
           <a:off x="1413691" y="3306112"/>
-          <a:ext cx="8128000" cy="2225040"/>
+          <a:ext cx="8128000" cy="1854200"/>
         </p:xfrm>
         <a:graphic>
           <a:graphicData uri="http://schemas.openxmlformats.org/drawingml/2006/table">
@@ -6593,35 +7138,6 @@
                   </a:ext>
                 </a:extLst>
               </a:tr>
-              <a:tr h="370840">
-                <a:tc>
-                  <a:txBody>
-                    <a:bodyPr/>
-                    <a:lstStyle/>
-                    <a:p>
-                      <a:pPr latinLnBrk="1"/>
-                      <a:endParaRPr lang="ko-KR" altLang="en-US"/>
-                    </a:p>
-                  </a:txBody>
-                  <a:tcPr/>
-                </a:tc>
-                <a:tc>
-                  <a:txBody>
-                    <a:bodyPr/>
-                    <a:lstStyle/>
-                    <a:p>
-                      <a:pPr latinLnBrk="1"/>
-                      <a:endParaRPr lang="ko-KR" altLang="en-US" dirty="0"/>
-                    </a:p>
-                  </a:txBody>
-                  <a:tcPr/>
-                </a:tc>
-                <a:extLst>
-                  <a:ext uri="{0D108BD9-81ED-4DB2-BD59-A6C34878D82A}">
-                    <a16:rowId xmlns:a16="http://schemas.microsoft.com/office/drawing/2014/main" val="3275877087"/>
-                  </a:ext>
-                </a:extLst>
-              </a:tr>
             </a:tbl>
           </a:graphicData>
         </a:graphic>
@@ -6706,6 +7222,16 @@
           <a:lstStyle/>
           <a:p>
             <a:r>
+              <a:rPr lang="en-US" altLang="ko-KR" dirty="0"/>
+              <a:t>Summary</a:t>
+            </a:r>
+          </a:p>
+          <a:p>
+            <a:r>
+              <a:rPr lang="en-US" altLang="ko-KR" dirty="0"/>
+              <a:t>- </a:t>
+            </a:r>
+            <a:r>
               <a:rPr lang="ko-KR" altLang="en-US" dirty="0"/>
               <a:t>오차율</a:t>
             </a:r>
@@ -6734,13 +7260,13 @@
           <p:nvPr>
             <p:extLst>
               <p:ext uri="{D42A27DB-BD31-4B8C-83A1-F6EECF244321}">
-                <p14:modId xmlns:p14="http://schemas.microsoft.com/office/powerpoint/2010/main" val="3044661601"/>
+                <p14:modId xmlns:p14="http://schemas.microsoft.com/office/powerpoint/2010/main" val="508134462"/>
               </p:ext>
             </p:extLst>
           </p:nvPr>
         </p:nvGraphicFramePr>
         <p:xfrm>
-          <a:off x="962608" y="2528094"/>
+          <a:off x="962608" y="2782331"/>
           <a:ext cx="8128002" cy="1473200"/>
         </p:xfrm>
         <a:graphic>
@@ -7635,12 +8161,29 @@
         <p:spPr/>
         <p:txBody>
           <a:bodyPr>
-            <a:normAutofit fontScale="77500" lnSpcReduction="20000"/>
+            <a:normAutofit fontScale="40000" lnSpcReduction="20000"/>
           </a:bodyPr>
           <a:lstStyle/>
           <a:p>
             <a:r>
               <a:rPr lang="ko-KR" altLang="en-US" dirty="0"/>
+              <a:t>사전 백색화</a:t>
+            </a:r>
+            <a:r>
+              <a:rPr lang="en-US" altLang="ko-KR" dirty="0"/>
+              <a:t>(Pre-whitening)</a:t>
+            </a:r>
+          </a:p>
+          <a:p>
+            <a:pPr marL="0" indent="0">
+              <a:buNone/>
+            </a:pPr>
+            <a:r>
+              <a:rPr lang="en-US" altLang="ko-KR" dirty="0"/>
+              <a:t>- </a:t>
+            </a:r>
+            <a:r>
+              <a:rPr lang="ko-KR" altLang="en-US" dirty="0"/>
               <a:t>출력 계열을 안정된 </a:t>
             </a:r>
             <a:r>
@@ -7654,6 +8197,13 @@
             <a:endParaRPr lang="en-US" altLang="ko-KR" dirty="0"/>
           </a:p>
           <a:p>
+            <a:pPr marL="0" indent="0">
+              <a:buNone/>
+            </a:pPr>
+            <a:r>
+              <a:rPr lang="en-US" altLang="ko-KR" dirty="0"/>
+              <a:t>- </a:t>
+            </a:r>
             <a:r>
               <a:rPr lang="ko-KR" altLang="en-US" dirty="0"/>
               <a:t>입력 계열을 위에서 </a:t>
@@ -7669,6 +8219,10 @@
             <a:endParaRPr lang="en-US" altLang="ko-KR" dirty="0"/>
           </a:p>
           <a:p>
+            <a:pPr>
+              <a:buFontTx/>
+              <a:buChar char="-"/>
+            </a:pPr>
             <a:r>
               <a:rPr lang="ko-KR" altLang="en-US" dirty="0"/>
               <a:t>두 계열의 </a:t>
@@ -7684,21 +8238,28 @@
             <a:endParaRPr lang="en-US" altLang="ko-KR" dirty="0"/>
           </a:p>
           <a:p>
+            <a:pPr>
+              <a:buFontTx/>
+              <a:buChar char="-"/>
+            </a:pPr>
+            <a:endParaRPr lang="en-US" altLang="ko-KR" dirty="0"/>
+          </a:p>
+          <a:p>
             <a:r>
               <a:rPr lang="ko-KR" altLang="en-US" dirty="0" err="1"/>
               <a:t>그레인저</a:t>
             </a:r>
             <a:r>
               <a:rPr lang="ko-KR" altLang="en-US" dirty="0"/>
-              <a:t> 인과성 검정 시행</a:t>
+              <a:t> 인과성 검정</a:t>
             </a:r>
             <a:endParaRPr lang="en-US" altLang="ko-KR" dirty="0"/>
           </a:p>
           <a:p>
-            <a:r>
-              <a:rPr lang="en-US" altLang="ko-KR" dirty="0"/>
-              <a:t>-&gt; </a:t>
-            </a:r>
+            <a:pPr>
+              <a:buFontTx/>
+              <a:buChar char="-"/>
+            </a:pPr>
             <a:r>
               <a:rPr lang="ko-KR" altLang="en-US" dirty="0"/>
               <a:t>반드시 입력계열만이 출력계열에 영향을 </a:t>
@@ -7718,6 +8279,10 @@
             <a:endParaRPr lang="en-US" altLang="ko-KR" dirty="0"/>
           </a:p>
           <a:p>
+            <a:pPr>
+              <a:buFontTx/>
+              <a:buChar char="-"/>
+            </a:pPr>
             <a:endParaRPr lang="en-US" altLang="ko-KR" dirty="0"/>
           </a:p>
           <a:p>
@@ -7736,6 +8301,42 @@
             <a:endParaRPr lang="en-US" altLang="ko-KR" dirty="0"/>
           </a:p>
           <a:p>
+            <a:pPr>
+              <a:buFontTx/>
+              <a:buChar char="-"/>
+            </a:pPr>
+            <a:r>
+              <a:rPr lang="ko-KR" altLang="en-US" dirty="0"/>
+              <a:t>최초 언제 상관관계가 발생하는가</a:t>
+            </a:r>
+            <a:r>
+              <a:rPr lang="en-US" altLang="ko-KR" dirty="0"/>
+              <a:t>?</a:t>
+            </a:r>
+          </a:p>
+          <a:p>
+            <a:pPr>
+              <a:buFontTx/>
+              <a:buChar char="-"/>
+            </a:pPr>
+            <a:r>
+              <a:rPr lang="en-US" altLang="ko-KR" dirty="0"/>
+              <a:t>CCF</a:t>
+            </a:r>
+            <a:r>
+              <a:rPr lang="ko-KR" altLang="en-US" dirty="0"/>
+              <a:t>는 줄어드는가 늘어나는가</a:t>
+            </a:r>
+            <a:r>
+              <a:rPr lang="en-US" altLang="ko-KR" dirty="0"/>
+              <a:t>?</a:t>
+            </a:r>
+          </a:p>
+          <a:p>
+            <a:pPr>
+              <a:buFontTx/>
+              <a:buChar char="-"/>
+            </a:pPr>
             <a:endParaRPr lang="en-US" altLang="ko-KR" dirty="0"/>
           </a:p>
           <a:p>
@@ -7770,6 +8371,9 @@
             <a:endParaRPr lang="en-US" altLang="ko-KR" dirty="0"/>
           </a:p>
           <a:p>
+            <a:endParaRPr lang="en-US" altLang="ko-KR" dirty="0"/>
+          </a:p>
+          <a:p>
             <a:r>
               <a:rPr lang="ko-KR" altLang="en-US" dirty="0" err="1"/>
               <a:t>가적합</a:t>
@@ -7799,11 +8403,23 @@
             </a:r>
             <a:r>
               <a:rPr lang="en-US" altLang="ko-KR" dirty="0"/>
-              <a:t>, ARMA</a:t>
-            </a:r>
-            <a:r>
-              <a:rPr lang="ko-KR" altLang="en-US" dirty="0"/>
-              <a:t> 모형 적합</a:t>
+              <a:t>, </a:t>
+            </a:r>
+            <a:r>
+              <a:rPr lang="ko-KR" altLang="en-US" dirty="0" err="1"/>
+              <a:t>잔차로</a:t>
+            </a:r>
+            <a:r>
+              <a:rPr lang="ko-KR" altLang="en-US" dirty="0"/>
+              <a:t> </a:t>
+            </a:r>
+            <a:r>
+              <a:rPr lang="en-US" altLang="ko-KR" dirty="0"/>
+              <a:t>ARMA</a:t>
+            </a:r>
+            <a:r>
+              <a:rPr lang="ko-KR" altLang="en-US" dirty="0"/>
+              <a:t> 모형 추가 적합</a:t>
             </a:r>
             <a:endParaRPr lang="en-US" altLang="ko-KR" dirty="0"/>
           </a:p>
@@ -7829,10 +8445,10 @@
       </p:sp>
       <p:pic>
         <p:nvPicPr>
-          <p:cNvPr id="4" name="그림 3">
-            <a:extLst>
-              <a:ext uri="{FF2B5EF4-FFF2-40B4-BE49-F238E27FC236}">
-                <a16:creationId xmlns:a16="http://schemas.microsoft.com/office/drawing/2014/main" id="{40DEAACE-EFEA-4520-9FDD-F9A419E027F4}"/>
+          <p:cNvPr id="5" name="그림 4">
+            <a:extLst>
+              <a:ext uri="{FF2B5EF4-FFF2-40B4-BE49-F238E27FC236}">
+                <a16:creationId xmlns:a16="http://schemas.microsoft.com/office/drawing/2014/main" id="{90366BB7-0F5B-4CC4-B312-1ED399EAB997}"/>
               </a:ext>
             </a:extLst>
           </p:cNvPr>
@@ -7849,8 +8465,8 @@
         </p:blipFill>
         <p:spPr>
           <a:xfrm>
-            <a:off x="10456765" y="3148013"/>
-            <a:ext cx="3470469" cy="4914900"/>
+            <a:off x="6720581" y="1568246"/>
+            <a:ext cx="3561555" cy="5043897"/>
           </a:xfrm>
           <a:prstGeom prst="rect">
             <a:avLst/>
@@ -7975,7 +8591,7 @@
           <a:p>
             <a:r>
               <a:rPr lang="ko-KR" altLang="en-US" dirty="0"/>
-              <a:t>외국 레퍼런스는</a:t>
+              <a:t>반면 외국 레퍼런스는</a:t>
             </a:r>
             <a:r>
               <a:rPr lang="en-US" altLang="ko-KR" dirty="0"/>
@@ -8172,7 +8788,7 @@
         </p:blipFill>
         <p:spPr>
           <a:xfrm>
-            <a:off x="890451" y="3429000"/>
+            <a:off x="2656498" y="3451225"/>
             <a:ext cx="2324100" cy="2609850"/>
           </a:xfrm>
           <a:prstGeom prst="rect">
@@ -8180,6 +8796,304 @@
           </a:prstGeom>
         </p:spPr>
       </p:pic>
+      <p:graphicFrame>
+        <p:nvGraphicFramePr>
+          <p:cNvPr id="5" name="표 4">
+            <a:extLst>
+              <a:ext uri="{FF2B5EF4-FFF2-40B4-BE49-F238E27FC236}">
+                <a16:creationId xmlns:a16="http://schemas.microsoft.com/office/drawing/2014/main" id="{46DFED22-1590-44CC-8EC1-5C69311E9C84}"/>
+              </a:ext>
+            </a:extLst>
+          </p:cNvPr>
+          <p:cNvGraphicFramePr>
+            <a:graphicFrameLocks noGrp="1"/>
+          </p:cNvGraphicFramePr>
+          <p:nvPr>
+            <p:extLst>
+              <p:ext uri="{D42A27DB-BD31-4B8C-83A1-F6EECF244321}">
+                <p14:modId xmlns:p14="http://schemas.microsoft.com/office/powerpoint/2010/main" val="3174704813"/>
+              </p:ext>
+            </p:extLst>
+          </p:nvPr>
+        </p:nvGraphicFramePr>
+        <p:xfrm>
+          <a:off x="6329081" y="3441700"/>
+          <a:ext cx="4087908" cy="2565400"/>
+        </p:xfrm>
+        <a:graphic>
+          <a:graphicData uri="http://schemas.openxmlformats.org/drawingml/2006/table">
+            <a:tbl>
+              <a:tblPr firstRow="1" bandRow="1">
+                <a:tableStyleId>{5C22544A-7EE6-4342-B048-85BDC9FD1C3A}</a:tableStyleId>
+              </a:tblPr>
+              <a:tblGrid>
+                <a:gridCol w="2043954">
+                  <a:extLst>
+                    <a:ext uri="{9D8B030D-6E8A-4147-A177-3AD203B41FA5}">
+                      <a16:colId xmlns:a16="http://schemas.microsoft.com/office/drawing/2014/main" val="1963011818"/>
+                    </a:ext>
+                  </a:extLst>
+                </a:gridCol>
+                <a:gridCol w="2043954">
+                  <a:extLst>
+                    <a:ext uri="{9D8B030D-6E8A-4147-A177-3AD203B41FA5}">
+                      <a16:colId xmlns:a16="http://schemas.microsoft.com/office/drawing/2014/main" val="337778287"/>
+                    </a:ext>
+                  </a:extLst>
+                </a:gridCol>
+              </a:tblGrid>
+              <a:tr h="370840">
+                <a:tc>
+                  <a:txBody>
+                    <a:bodyPr/>
+                    <a:lstStyle/>
+                    <a:p>
+                      <a:pPr latinLnBrk="1"/>
+                      <a:r>
+                        <a:rPr lang="ko-KR" altLang="en-US" dirty="0" err="1"/>
+                        <a:t>컬럼명</a:t>
+                      </a:r>
+                      <a:endParaRPr lang="ko-KR" altLang="en-US" dirty="0"/>
+                    </a:p>
+                  </a:txBody>
+                  <a:tcPr/>
+                </a:tc>
+                <a:tc>
+                  <a:txBody>
+                    <a:bodyPr/>
+                    <a:lstStyle/>
+                    <a:p>
+                      <a:pPr latinLnBrk="1"/>
+                      <a:r>
+                        <a:rPr lang="ko-KR" altLang="en-US" dirty="0"/>
+                        <a:t>설명</a:t>
+                      </a:r>
+                    </a:p>
+                  </a:txBody>
+                  <a:tcPr/>
+                </a:tc>
+                <a:extLst>
+                  <a:ext uri="{0D108BD9-81ED-4DB2-BD59-A6C34878D82A}">
+                    <a16:rowId xmlns:a16="http://schemas.microsoft.com/office/drawing/2014/main" val="2803547547"/>
+                  </a:ext>
+                </a:extLst>
+              </a:tr>
+              <a:tr h="370840">
+                <a:tc>
+                  <a:txBody>
+                    <a:bodyPr/>
+                    <a:lstStyle/>
+                    <a:p>
+                      <a:pPr algn="ctr" latinLnBrk="1"/>
+                      <a:r>
+                        <a:rPr lang="en-US" altLang="ko-KR" sz="1500" dirty="0"/>
+                        <a:t>Cons</a:t>
+                      </a:r>
+                      <a:endParaRPr lang="ko-KR" altLang="en-US" sz="1500" dirty="0"/>
+                    </a:p>
+                  </a:txBody>
+                  <a:tcPr/>
+                </a:tc>
+                <a:tc>
+                  <a:txBody>
+                    <a:bodyPr/>
+                    <a:lstStyle/>
+                    <a:p>
+                      <a:pPr algn="ctr" latinLnBrk="1"/>
+                      <a:r>
+                        <a:rPr lang="ko-KR" altLang="en-US" sz="1500" dirty="0"/>
+                        <a:t>아이스크림 소비량</a:t>
+                      </a:r>
+                      <a:r>
+                        <a:rPr lang="en-US" altLang="ko-KR" sz="1500" dirty="0"/>
+                        <a:t>,(</a:t>
+                      </a:r>
+                      <a:r>
+                        <a:rPr lang="ko-KR" altLang="en-US" sz="1500" dirty="0"/>
+                        <a:t>인당 파인트</a:t>
+                      </a:r>
+                      <a:r>
+                        <a:rPr lang="en-US" altLang="ko-KR" sz="1500" dirty="0"/>
+                        <a:t>)</a:t>
+                      </a:r>
+                      <a:endParaRPr lang="ko-KR" altLang="en-US" sz="1500" dirty="0"/>
+                    </a:p>
+                  </a:txBody>
+                  <a:tcPr/>
+                </a:tc>
+                <a:extLst>
+                  <a:ext uri="{0D108BD9-81ED-4DB2-BD59-A6C34878D82A}">
+                    <a16:rowId xmlns:a16="http://schemas.microsoft.com/office/drawing/2014/main" val="3635402516"/>
+                  </a:ext>
+                </a:extLst>
+              </a:tr>
+              <a:tr h="370840">
+                <a:tc>
+                  <a:txBody>
+                    <a:bodyPr/>
+                    <a:lstStyle/>
+                    <a:p>
+                      <a:pPr algn="ctr" latinLnBrk="1"/>
+                      <a:r>
+                        <a:rPr lang="en-US" altLang="ko-KR" sz="1500" dirty="0"/>
+                        <a:t>Income </a:t>
+                      </a:r>
+                      <a:endParaRPr lang="ko-KR" altLang="en-US" sz="1500" dirty="0"/>
+                    </a:p>
+                  </a:txBody>
+                  <a:tcPr/>
+                </a:tc>
+                <a:tc>
+                  <a:txBody>
+                    <a:bodyPr/>
+                    <a:lstStyle/>
+                    <a:p>
+                      <a:pPr algn="ctr" latinLnBrk="1"/>
+                      <a:r>
+                        <a:rPr lang="ko-KR" altLang="en-US" sz="1500" dirty="0"/>
+                        <a:t>가구당 평균 소득</a:t>
+                      </a:r>
+                      <a:endParaRPr lang="en-US" altLang="ko-KR" sz="1500" dirty="0"/>
+                    </a:p>
+                    <a:p>
+                      <a:pPr algn="ctr" latinLnBrk="1"/>
+                      <a:r>
+                        <a:rPr lang="en-US" altLang="ko-KR" sz="1500" dirty="0"/>
+                        <a:t>(</a:t>
+                      </a:r>
+                      <a:r>
+                        <a:rPr lang="ko-KR" altLang="en-US" sz="1500" dirty="0"/>
+                        <a:t>달러</a:t>
+                      </a:r>
+                      <a:r>
+                        <a:rPr lang="en-US" altLang="ko-KR" sz="1500" dirty="0"/>
+                        <a:t>)</a:t>
+                      </a:r>
+                      <a:endParaRPr lang="ko-KR" altLang="en-US" sz="1500" dirty="0"/>
+                    </a:p>
+                  </a:txBody>
+                  <a:tcPr/>
+                </a:tc>
+                <a:extLst>
+                  <a:ext uri="{0D108BD9-81ED-4DB2-BD59-A6C34878D82A}">
+                    <a16:rowId xmlns:a16="http://schemas.microsoft.com/office/drawing/2014/main" val="592045785"/>
+                  </a:ext>
+                </a:extLst>
+              </a:tr>
+              <a:tr h="370840">
+                <a:tc>
+                  <a:txBody>
+                    <a:bodyPr/>
+                    <a:lstStyle/>
+                    <a:p>
+                      <a:pPr algn="ctr" latinLnBrk="1"/>
+                      <a:r>
+                        <a:rPr lang="en-US" altLang="ko-KR" sz="1500" dirty="0"/>
+                        <a:t>Price</a:t>
+                      </a:r>
+                      <a:endParaRPr lang="ko-KR" altLang="en-US" sz="1500" dirty="0"/>
+                    </a:p>
+                  </a:txBody>
+                  <a:tcPr/>
+                </a:tc>
+                <a:tc>
+                  <a:txBody>
+                    <a:bodyPr/>
+                    <a:lstStyle/>
+                    <a:p>
+                      <a:pPr algn="ctr" latinLnBrk="1"/>
+                      <a:r>
+                        <a:rPr lang="ko-KR" altLang="en-US" sz="1500" dirty="0"/>
+                        <a:t>아이스크림의 가격</a:t>
+                      </a:r>
+                      <a:endParaRPr lang="en-US" altLang="ko-KR" sz="1500" dirty="0"/>
+                    </a:p>
+                    <a:p>
+                      <a:pPr algn="ctr" latinLnBrk="1"/>
+                      <a:r>
+                        <a:rPr lang="en-US" altLang="ko-KR" sz="1500" dirty="0"/>
+                        <a:t>(</a:t>
+                      </a:r>
+                      <a:r>
+                        <a:rPr lang="ko-KR" altLang="en-US" sz="1500" dirty="0"/>
+                        <a:t>파인트당 달러</a:t>
+                      </a:r>
+                      <a:r>
+                        <a:rPr lang="en-US" altLang="ko-KR" sz="1500" dirty="0"/>
+                        <a:t>)</a:t>
+                      </a:r>
+                      <a:endParaRPr lang="ko-KR" altLang="en-US" sz="1500" dirty="0"/>
+                    </a:p>
+                  </a:txBody>
+                  <a:tcPr/>
+                </a:tc>
+                <a:extLst>
+                  <a:ext uri="{0D108BD9-81ED-4DB2-BD59-A6C34878D82A}">
+                    <a16:rowId xmlns:a16="http://schemas.microsoft.com/office/drawing/2014/main" val="2506484799"/>
+                  </a:ext>
+                </a:extLst>
+              </a:tr>
+              <a:tr h="370840">
+                <a:tc>
+                  <a:txBody>
+                    <a:bodyPr/>
+                    <a:lstStyle/>
+                    <a:p>
+                      <a:pPr algn="ctr" latinLnBrk="1"/>
+                      <a:r>
+                        <a:rPr lang="en-US" altLang="ko-KR" sz="1500" dirty="0"/>
+                        <a:t>Temp</a:t>
+                      </a:r>
+                      <a:endParaRPr lang="ko-KR" altLang="en-US" sz="1500" dirty="0"/>
+                    </a:p>
+                  </a:txBody>
+                  <a:tcPr/>
+                </a:tc>
+                <a:tc>
+                  <a:txBody>
+                    <a:bodyPr/>
+                    <a:lstStyle/>
+                    <a:p>
+                      <a:pPr algn="ctr" latinLnBrk="1"/>
+                      <a:r>
+                        <a:rPr lang="en-US" altLang="ko-KR" sz="1500" dirty="0"/>
+                        <a:t>4</a:t>
+                      </a:r>
+                      <a:r>
+                        <a:rPr lang="ko-KR" altLang="en-US" sz="1500" dirty="0"/>
+                        <a:t>주간 평균 기온</a:t>
+                      </a:r>
+                      <a:endParaRPr lang="en-US" altLang="ko-KR" sz="1500" dirty="0"/>
+                    </a:p>
+                    <a:p>
+                      <a:pPr algn="ctr" latinLnBrk="1"/>
+                      <a:r>
+                        <a:rPr lang="en-US" altLang="ko-KR" sz="1500" dirty="0"/>
+                        <a:t>(</a:t>
+                      </a:r>
+                      <a:r>
+                        <a:rPr lang="ko-KR" altLang="en-US" sz="1500" dirty="0"/>
+                        <a:t>화씨</a:t>
+                      </a:r>
+                      <a:r>
+                        <a:rPr lang="en-US" altLang="ko-KR" sz="1500" dirty="0"/>
+                        <a:t>)</a:t>
+                      </a:r>
+                      <a:endParaRPr lang="ko-KR" altLang="en-US" sz="1500" dirty="0"/>
+                    </a:p>
+                  </a:txBody>
+                  <a:tcPr/>
+                </a:tc>
+                <a:extLst>
+                  <a:ext uri="{0D108BD9-81ED-4DB2-BD59-A6C34878D82A}">
+                    <a16:rowId xmlns:a16="http://schemas.microsoft.com/office/drawing/2014/main" val="164056341"/>
+                  </a:ext>
+                </a:extLst>
+              </a:tr>
+            </a:tbl>
+          </a:graphicData>
+        </a:graphic>
+      </p:graphicFrame>
     </p:spTree>
     <p:extLst>
       <p:ext uri="{BB962C8B-B14F-4D97-AF65-F5344CB8AC3E}">
@@ -8232,12 +9146,8 @@
           <a:lstStyle/>
           <a:p>
             <a:r>
-              <a:rPr lang="en-US" altLang="ko-KR" dirty="0"/>
-              <a:t>ARIMA</a:t>
-            </a:r>
-            <a:r>
-              <a:rPr lang="ko-KR" altLang="en-US" dirty="0"/>
-              <a:t> 모형 적합</a:t>
+              <a:rPr lang="ko-KR" altLang="en-US" dirty="0"/>
+              <a:t>사전 백색화</a:t>
             </a:r>
           </a:p>
         </p:txBody>
@@ -8264,9 +9174,37 @@
           <a:lstStyle/>
           <a:p>
             <a:r>
-              <a:rPr lang="ko-KR" altLang="en-US" dirty="0"/>
-              <a:t>아이스크림 판매량</a:t>
-            </a:r>
+              <a:rPr lang="en-US" altLang="ko-KR" dirty="0"/>
+              <a:t>ARIMA </a:t>
+            </a:r>
+            <a:r>
+              <a:rPr lang="ko-KR" altLang="en-US" dirty="0"/>
+              <a:t>모형 적합</a:t>
+            </a:r>
+            <a:endParaRPr lang="en-US" altLang="ko-KR" dirty="0"/>
+          </a:p>
+          <a:p>
+            <a:pPr marL="0" indent="0">
+              <a:buNone/>
+            </a:pPr>
+            <a:r>
+              <a:rPr lang="en-US" altLang="ko-KR" dirty="0"/>
+              <a:t>- </a:t>
+            </a:r>
+            <a:r>
+              <a:rPr lang="ko-KR" altLang="en-US" dirty="0"/>
+              <a:t>소비량</a:t>
+            </a:r>
+            <a:r>
+              <a:rPr lang="en-US" altLang="ko-KR" dirty="0"/>
+              <a:t>(cons)</a:t>
+            </a:r>
+          </a:p>
+          <a:p>
+            <a:pPr marL="0" indent="0">
+              <a:buNone/>
+            </a:pPr>
+            <a:endParaRPr lang="en-US" altLang="ko-KR" dirty="0"/>
           </a:p>
         </p:txBody>
       </p:sp>
@@ -8292,8 +9230,8 @@
         </p:blipFill>
         <p:spPr>
           <a:xfrm>
-            <a:off x="181714" y="2301319"/>
-            <a:ext cx="5914286" cy="2975531"/>
+            <a:off x="459165" y="2802176"/>
+            <a:ext cx="5914286" cy="2501662"/>
           </a:xfrm>
           <a:prstGeom prst="rect">
             <a:avLst/>
@@ -8322,8 +9260,8 @@
         </p:blipFill>
         <p:spPr>
           <a:xfrm>
-            <a:off x="6277714" y="2584688"/>
-            <a:ext cx="5209436" cy="2501662"/>
+            <a:off x="6373451" y="2997973"/>
+            <a:ext cx="5209436" cy="2110068"/>
           </a:xfrm>
           <a:prstGeom prst="rect">
             <a:avLst/>
@@ -8445,12 +9383,8 @@
           <a:lstStyle/>
           <a:p>
             <a:r>
-              <a:rPr lang="en-US" altLang="ko-KR" dirty="0"/>
-              <a:t>ARIMA </a:t>
-            </a:r>
-            <a:r>
-              <a:rPr lang="ko-KR" altLang="en-US" dirty="0"/>
-              <a:t>모형 적합</a:t>
+              <a:rPr lang="ko-KR" altLang="en-US" dirty="0"/>
+              <a:t>사전 백색화</a:t>
             </a:r>
           </a:p>
         </p:txBody>
@@ -8476,7 +9410,33 @@
           <a:bodyPr/>
           <a:lstStyle/>
           <a:p>
-            <a:endParaRPr lang="ko-KR" altLang="en-US"/>
+            <a:r>
+              <a:rPr lang="en-US" altLang="ko-KR" dirty="0"/>
+              <a:t>ARIMA</a:t>
+            </a:r>
+            <a:r>
+              <a:rPr lang="ko-KR" altLang="en-US" dirty="0"/>
+              <a:t> 모형 적합</a:t>
+            </a:r>
+            <a:endParaRPr lang="en-US" altLang="ko-KR" dirty="0"/>
+          </a:p>
+          <a:p>
+            <a:pPr marL="0" indent="0">
+              <a:buNone/>
+            </a:pPr>
+            <a:r>
+              <a:rPr lang="en-US" altLang="ko-KR" dirty="0"/>
+              <a:t>- </a:t>
+            </a:r>
+            <a:r>
+              <a:rPr lang="ko-KR" altLang="en-US" dirty="0"/>
+              <a:t>소비량</a:t>
+            </a:r>
+            <a:r>
+              <a:rPr lang="en-US" altLang="ko-KR" dirty="0"/>
+              <a:t>(cons)</a:t>
+            </a:r>
+            <a:endParaRPr lang="ko-KR" altLang="en-US" dirty="0"/>
           </a:p>
         </p:txBody>
       </p:sp>
@@ -8502,8 +9462,8 @@
         </p:blipFill>
         <p:spPr>
           <a:xfrm>
-            <a:off x="5899766" y="2182143"/>
-            <a:ext cx="5454033" cy="3504282"/>
+            <a:off x="5899766" y="2761129"/>
+            <a:ext cx="5454033" cy="2925296"/>
           </a:xfrm>
           <a:prstGeom prst="rect">
             <a:avLst/>
@@ -8532,8 +9492,8 @@
         </p:blipFill>
         <p:spPr>
           <a:xfrm>
-            <a:off x="700457" y="2474373"/>
-            <a:ext cx="4465523" cy="2869152"/>
+            <a:off x="700457" y="2904565"/>
+            <a:ext cx="4465523" cy="2438960"/>
           </a:xfrm>
           <a:prstGeom prst="rect">
             <a:avLst/>
@@ -8654,12 +9614,8 @@
           <a:lstStyle/>
           <a:p>
             <a:r>
-              <a:rPr lang="en-US" altLang="ko-KR" dirty="0"/>
-              <a:t>ARIMA</a:t>
-            </a:r>
-            <a:r>
-              <a:rPr lang="ko-KR" altLang="en-US" dirty="0"/>
-              <a:t> 모형 적합</a:t>
+              <a:rPr lang="ko-KR" altLang="en-US" dirty="0"/>
+              <a:t>사전 백색화</a:t>
             </a:r>
           </a:p>
         </p:txBody>
@@ -8687,19 +9643,10 @@
           </a:xfrm>
         </p:spPr>
         <p:txBody>
-          <a:bodyPr/>
-          <a:lstStyle/>
-          <a:p>
-            <a:r>
-              <a:rPr lang="en-US" altLang="ko-KR" dirty="0"/>
-              <a:t>ADF </a:t>
-            </a:r>
-            <a:r>
-              <a:rPr lang="ko-KR" altLang="en-US" dirty="0"/>
-              <a:t>테스트</a:t>
-            </a:r>
-            <a:endParaRPr lang="en-US" altLang="ko-KR" dirty="0"/>
-          </a:p>
+          <a:bodyPr>
+            <a:normAutofit/>
+          </a:bodyPr>
+          <a:lstStyle/>
           <a:p>
             <a:pPr marL="0" indent="0">
               <a:buNone/>
@@ -8707,10 +9654,22 @@
             <a:endParaRPr lang="en-US" altLang="ko-KR" dirty="0"/>
           </a:p>
           <a:p>
-            <a:pPr>
-              <a:buFontTx/>
-              <a:buChar char="-"/>
+            <a:pPr marL="0" indent="0">
+              <a:buNone/>
             </a:pPr>
+            <a:r>
+              <a:rPr lang="en-US" altLang="ko-KR" dirty="0"/>
+              <a:t>(1) BOX-test</a:t>
+            </a:r>
+          </a:p>
+          <a:p>
+            <a:pPr marL="0" indent="0">
+              <a:buNone/>
+            </a:pPr>
+            <a:r>
+              <a:rPr lang="en-US" altLang="ko-KR" dirty="0"/>
+              <a:t>1) </a:t>
+            </a:r>
             <a:r>
               <a:rPr lang="ko-KR" altLang="en-US" dirty="0"/>
               <a:t>테스트 결과</a:t>
@@ -8739,10 +9698,13 @@
             <a:endParaRPr lang="en-US" altLang="ko-KR" dirty="0"/>
           </a:p>
           <a:p>
-            <a:pPr>
-              <a:buFontTx/>
-              <a:buChar char="-"/>
+            <a:pPr marL="0" indent="0">
+              <a:buNone/>
             </a:pPr>
+            <a:r>
+              <a:rPr lang="en-US" altLang="ko-KR" dirty="0"/>
+              <a:t>2) </a:t>
+            </a:r>
             <a:r>
               <a:rPr lang="ko-KR" altLang="en-US" dirty="0"/>
               <a:t>이는 단위근이 존재한다는 </a:t>
@@ -8780,7 +9742,7 @@
         </p:blipFill>
         <p:spPr>
           <a:xfrm>
-            <a:off x="1227228" y="2240688"/>
+            <a:off x="1191369" y="2823394"/>
             <a:ext cx="4181475" cy="3038475"/>
           </a:xfrm>
           <a:prstGeom prst="rect">
@@ -8788,6 +9750,67 @@
           </a:prstGeom>
         </p:spPr>
       </p:pic>
+      <p:sp>
+        <p:nvSpPr>
+          <p:cNvPr id="4" name="TextBox 3">
+            <a:extLst>
+              <a:ext uri="{FF2B5EF4-FFF2-40B4-BE49-F238E27FC236}">
+                <a16:creationId xmlns:a16="http://schemas.microsoft.com/office/drawing/2014/main" id="{6D74613D-FC43-46B6-B782-DE18A2FF23E3}"/>
+              </a:ext>
+            </a:extLst>
+          </p:cNvPr>
+          <p:cNvSpPr txBox="1"/>
+          <p:nvPr/>
+        </p:nvSpPr>
+        <p:spPr>
+          <a:xfrm>
+            <a:off x="1308847" y="1757082"/>
+            <a:ext cx="3278462" cy="1231106"/>
+          </a:xfrm>
+          <a:prstGeom prst="rect">
+            <a:avLst/>
+          </a:prstGeom>
+          <a:noFill/>
+        </p:spPr>
+        <p:txBody>
+          <a:bodyPr wrap="none" rtlCol="0">
+            <a:spAutoFit/>
+          </a:bodyPr>
+          <a:lstStyle/>
+          <a:p>
+            <a:pPr marL="285750" indent="-285750">
+              <a:buFont typeface="Arial" panose="020B0604020202020204" pitchFamily="34" charset="0"/>
+              <a:buChar char="•"/>
+            </a:pPr>
+            <a:r>
+              <a:rPr lang="en-US" altLang="ko-KR" sz="2800" dirty="0"/>
+              <a:t>ARIMA </a:t>
+            </a:r>
+            <a:r>
+              <a:rPr lang="ko-KR" altLang="en-US" sz="2800" dirty="0"/>
+              <a:t>모형 적합</a:t>
+            </a:r>
+            <a:endParaRPr lang="en-US" altLang="ko-KR" sz="2800" dirty="0"/>
+          </a:p>
+          <a:p>
+            <a:r>
+              <a:rPr lang="en-US" altLang="ko-KR" sz="2800" dirty="0"/>
+              <a:t>- </a:t>
+            </a:r>
+            <a:r>
+              <a:rPr lang="ko-KR" altLang="en-US" sz="2800" dirty="0"/>
+              <a:t>소비량</a:t>
+            </a:r>
+            <a:r>
+              <a:rPr lang="en-US" altLang="ko-KR" sz="2800" dirty="0"/>
+              <a:t>(cons)</a:t>
+            </a:r>
+          </a:p>
+          <a:p>
+            <a:endParaRPr lang="ko-KR" altLang="en-US" dirty="0"/>
+          </a:p>
+        </p:txBody>
+      </p:sp>
     </p:spTree>
     <p:extLst>
       <p:ext uri="{BB962C8B-B14F-4D97-AF65-F5344CB8AC3E}">
@@ -8840,38 +9863,9 @@
           <a:lstStyle/>
           <a:p>
             <a:r>
-              <a:rPr lang="en-US" altLang="ko-KR" dirty="0"/>
-              <a:t>ARIMA </a:t>
-            </a:r>
-            <a:r>
-              <a:rPr lang="ko-KR" altLang="en-US" dirty="0"/>
-              <a:t>모형 적합</a:t>
-            </a:r>
-          </a:p>
-        </p:txBody>
-      </p:sp>
-      <p:sp>
-        <p:nvSpPr>
-          <p:cNvPr id="3" name="내용 개체 틀 2">
-            <a:extLst>
-              <a:ext uri="{FF2B5EF4-FFF2-40B4-BE49-F238E27FC236}">
-                <a16:creationId xmlns:a16="http://schemas.microsoft.com/office/drawing/2014/main" id="{E8D7BC35-E7A8-4EB9-8FF1-E064CBFAB20F}"/>
-              </a:ext>
-            </a:extLst>
-          </p:cNvPr>
-          <p:cNvSpPr>
-            <a:spLocks noGrp="1"/>
-          </p:cNvSpPr>
-          <p:nvPr>
-            <p:ph idx="1"/>
-          </p:nvPr>
-        </p:nvSpPr>
-        <p:spPr/>
-        <p:txBody>
-          <a:bodyPr/>
-          <a:lstStyle/>
-          <a:p>
-            <a:endParaRPr lang="ko-KR" altLang="en-US" dirty="0"/>
+              <a:rPr lang="ko-KR" altLang="en-US" dirty="0"/>
+              <a:t>사전 백색화</a:t>
+            </a:r>
           </a:p>
         </p:txBody>
       </p:sp>
@@ -9037,6 +10031,74 @@
               <a:rPr lang="en-US" altLang="ko-KR" dirty="0"/>
               <a:t>.</a:t>
             </a:r>
+            <a:endParaRPr lang="ko-KR" altLang="en-US" dirty="0"/>
+          </a:p>
+        </p:txBody>
+      </p:sp>
+      <p:sp>
+        <p:nvSpPr>
+          <p:cNvPr id="8" name="내용 개체 틀 7">
+            <a:extLst>
+              <a:ext uri="{FF2B5EF4-FFF2-40B4-BE49-F238E27FC236}">
+                <a16:creationId xmlns:a16="http://schemas.microsoft.com/office/drawing/2014/main" id="{CDC540B0-2906-4BB7-B373-DD484382ABC6}"/>
+              </a:ext>
+            </a:extLst>
+          </p:cNvPr>
+          <p:cNvSpPr txBox="1">
+            <a:spLocks noGrp="1"/>
+          </p:cNvSpPr>
+          <p:nvPr>
+            <p:ph idx="1"/>
+          </p:nvPr>
+        </p:nvSpPr>
+        <p:spPr>
+          <a:xfrm>
+            <a:off x="838200" y="1825625"/>
+            <a:ext cx="3278462" cy="1512209"/>
+          </a:xfrm>
+          <a:prstGeom prst="rect">
+            <a:avLst/>
+          </a:prstGeom>
+          <a:noFill/>
+        </p:spPr>
+        <p:txBody>
+          <a:bodyPr wrap="none" rtlCol="0">
+            <a:spAutoFit/>
+          </a:bodyPr>
+          <a:lstStyle/>
+          <a:p>
+            <a:pPr marL="285750" indent="-285750">
+              <a:buFont typeface="Arial" panose="020B0604020202020204" pitchFamily="34" charset="0"/>
+              <a:buChar char="•"/>
+            </a:pPr>
+            <a:r>
+              <a:rPr lang="en-US" altLang="ko-KR" dirty="0"/>
+              <a:t>ARIMA </a:t>
+            </a:r>
+            <a:r>
+              <a:rPr lang="ko-KR" altLang="en-US" dirty="0"/>
+              <a:t>모형 적합</a:t>
+            </a:r>
+            <a:endParaRPr lang="en-US" altLang="ko-KR" dirty="0"/>
+          </a:p>
+          <a:p>
+            <a:pPr marL="0" indent="0">
+              <a:buNone/>
+            </a:pPr>
+            <a:r>
+              <a:rPr lang="en-US" altLang="ko-KR" dirty="0"/>
+              <a:t>- </a:t>
+            </a:r>
+            <a:r>
+              <a:rPr lang="ko-KR" altLang="en-US" dirty="0"/>
+              <a:t>소비량</a:t>
+            </a:r>
+            <a:r>
+              <a:rPr lang="en-US" altLang="ko-KR" dirty="0"/>
+              <a:t>(cons)</a:t>
+            </a:r>
+          </a:p>
+          <a:p>
             <a:endParaRPr lang="ko-KR" altLang="en-US" dirty="0"/>
           </a:p>
         </p:txBody>

--- a/Project/DataMining/ARIMAX_Project/아이스크림 판매량 예측/아이스크림을 왜 먹을까.pptx
+++ b/Project/DataMining/ARIMAX_Project/아이스크림 판매량 예측/아이스크림을 왜 먹을까.pptx
@@ -3958,7 +3958,7 @@
         </p:blipFill>
         <p:spPr>
           <a:xfrm>
-            <a:off x="6343650" y="4001294"/>
+            <a:off x="6254002" y="4306094"/>
             <a:ext cx="3762375" cy="885825"/>
           </a:xfrm>
           <a:prstGeom prst="rect">
@@ -3988,7 +3988,7 @@
         </p:blipFill>
         <p:spPr>
           <a:xfrm>
-            <a:off x="1400175" y="4001294"/>
+            <a:off x="1400175" y="4306094"/>
             <a:ext cx="3695700" cy="838200"/>
           </a:xfrm>
           <a:prstGeom prst="rect">

--- a/Project/DataMining/ARIMAX_Project/아이스크림 판매량 예측/아이스크림을 왜 먹을까.pptx
+++ b/Project/DataMining/ARIMAX_Project/아이스크림 판매량 예측/아이스크림을 왜 먹을까.pptx
@@ -15,18 +15,19 @@
     <p:sldId id="263" r:id="rId9"/>
     <p:sldId id="264" r:id="rId10"/>
     <p:sldId id="265" r:id="rId11"/>
-    <p:sldId id="266" r:id="rId12"/>
-    <p:sldId id="267" r:id="rId13"/>
-    <p:sldId id="268" r:id="rId14"/>
-    <p:sldId id="269" r:id="rId15"/>
-    <p:sldId id="270" r:id="rId16"/>
-    <p:sldId id="271" r:id="rId17"/>
-    <p:sldId id="272" r:id="rId18"/>
-    <p:sldId id="273" r:id="rId19"/>
-    <p:sldId id="274" r:id="rId20"/>
-    <p:sldId id="275" r:id="rId21"/>
-    <p:sldId id="277" r:id="rId22"/>
-    <p:sldId id="278" r:id="rId23"/>
+    <p:sldId id="267" r:id="rId12"/>
+    <p:sldId id="279" r:id="rId13"/>
+    <p:sldId id="280" r:id="rId14"/>
+    <p:sldId id="268" r:id="rId15"/>
+    <p:sldId id="269" r:id="rId16"/>
+    <p:sldId id="270" r:id="rId17"/>
+    <p:sldId id="271" r:id="rId18"/>
+    <p:sldId id="272" r:id="rId19"/>
+    <p:sldId id="273" r:id="rId20"/>
+    <p:sldId id="274" r:id="rId21"/>
+    <p:sldId id="275" r:id="rId22"/>
+    <p:sldId id="277" r:id="rId23"/>
+    <p:sldId id="278" r:id="rId24"/>
   </p:sldIdLst>
   <p:sldSz cx="12192000" cy="6858000"/>
   <p:notesSz cx="6858000" cy="9144000"/>
@@ -291,7 +292,7 @@
           <a:p>
             <a:fld id="{6BA27220-AF62-42EE-801C-3FF32E46EAAE}" type="datetimeFigureOut">
               <a:rPr lang="ko-KR" altLang="en-US" smtClean="0"/>
-              <a:t>2019-12-20</a:t>
+              <a:t>2019-12-21</a:t>
             </a:fld>
             <a:endParaRPr lang="ko-KR" altLang="en-US"/>
           </a:p>
@@ -489,7 +490,7 @@
           <a:p>
             <a:fld id="{6BA27220-AF62-42EE-801C-3FF32E46EAAE}" type="datetimeFigureOut">
               <a:rPr lang="ko-KR" altLang="en-US" smtClean="0"/>
-              <a:t>2019-12-20</a:t>
+              <a:t>2019-12-21</a:t>
             </a:fld>
             <a:endParaRPr lang="ko-KR" altLang="en-US"/>
           </a:p>
@@ -697,7 +698,7 @@
           <a:p>
             <a:fld id="{6BA27220-AF62-42EE-801C-3FF32E46EAAE}" type="datetimeFigureOut">
               <a:rPr lang="ko-KR" altLang="en-US" smtClean="0"/>
-              <a:t>2019-12-20</a:t>
+              <a:t>2019-12-21</a:t>
             </a:fld>
             <a:endParaRPr lang="ko-KR" altLang="en-US"/>
           </a:p>
@@ -895,7 +896,7 @@
           <a:p>
             <a:fld id="{6BA27220-AF62-42EE-801C-3FF32E46EAAE}" type="datetimeFigureOut">
               <a:rPr lang="ko-KR" altLang="en-US" smtClean="0"/>
-              <a:t>2019-12-20</a:t>
+              <a:t>2019-12-21</a:t>
             </a:fld>
             <a:endParaRPr lang="ko-KR" altLang="en-US"/>
           </a:p>
@@ -1170,7 +1171,7 @@
           <a:p>
             <a:fld id="{6BA27220-AF62-42EE-801C-3FF32E46EAAE}" type="datetimeFigureOut">
               <a:rPr lang="ko-KR" altLang="en-US" smtClean="0"/>
-              <a:t>2019-12-20</a:t>
+              <a:t>2019-12-21</a:t>
             </a:fld>
             <a:endParaRPr lang="ko-KR" altLang="en-US"/>
           </a:p>
@@ -1435,7 +1436,7 @@
           <a:p>
             <a:fld id="{6BA27220-AF62-42EE-801C-3FF32E46EAAE}" type="datetimeFigureOut">
               <a:rPr lang="ko-KR" altLang="en-US" smtClean="0"/>
-              <a:t>2019-12-20</a:t>
+              <a:t>2019-12-21</a:t>
             </a:fld>
             <a:endParaRPr lang="ko-KR" altLang="en-US"/>
           </a:p>
@@ -1847,7 +1848,7 @@
           <a:p>
             <a:fld id="{6BA27220-AF62-42EE-801C-3FF32E46EAAE}" type="datetimeFigureOut">
               <a:rPr lang="ko-KR" altLang="en-US" smtClean="0"/>
-              <a:t>2019-12-20</a:t>
+              <a:t>2019-12-21</a:t>
             </a:fld>
             <a:endParaRPr lang="ko-KR" altLang="en-US"/>
           </a:p>
@@ -1988,7 +1989,7 @@
           <a:p>
             <a:fld id="{6BA27220-AF62-42EE-801C-3FF32E46EAAE}" type="datetimeFigureOut">
               <a:rPr lang="ko-KR" altLang="en-US" smtClean="0"/>
-              <a:t>2019-12-20</a:t>
+              <a:t>2019-12-21</a:t>
             </a:fld>
             <a:endParaRPr lang="ko-KR" altLang="en-US"/>
           </a:p>
@@ -2101,7 +2102,7 @@
           <a:p>
             <a:fld id="{6BA27220-AF62-42EE-801C-3FF32E46EAAE}" type="datetimeFigureOut">
               <a:rPr lang="ko-KR" altLang="en-US" smtClean="0"/>
-              <a:t>2019-12-20</a:t>
+              <a:t>2019-12-21</a:t>
             </a:fld>
             <a:endParaRPr lang="ko-KR" altLang="en-US"/>
           </a:p>
@@ -2412,7 +2413,7 @@
           <a:p>
             <a:fld id="{6BA27220-AF62-42EE-801C-3FF32E46EAAE}" type="datetimeFigureOut">
               <a:rPr lang="ko-KR" altLang="en-US" smtClean="0"/>
-              <a:t>2019-12-20</a:t>
+              <a:t>2019-12-21</a:t>
             </a:fld>
             <a:endParaRPr lang="ko-KR" altLang="en-US"/>
           </a:p>
@@ -2700,7 +2701,7 @@
           <a:p>
             <a:fld id="{6BA27220-AF62-42EE-801C-3FF32E46EAAE}" type="datetimeFigureOut">
               <a:rPr lang="ko-KR" altLang="en-US" smtClean="0"/>
-              <a:t>2019-12-20</a:t>
+              <a:t>2019-12-21</a:t>
             </a:fld>
             <a:endParaRPr lang="ko-KR" altLang="en-US"/>
           </a:p>
@@ -2941,7 +2942,7 @@
           <a:p>
             <a:fld id="{6BA27220-AF62-42EE-801C-3FF32E46EAAE}" type="datetimeFigureOut">
               <a:rPr lang="ko-KR" altLang="en-US" smtClean="0"/>
-              <a:t>2019-12-20</a:t>
+              <a:t>2019-12-21</a:t>
             </a:fld>
             <a:endParaRPr lang="ko-KR" altLang="en-US"/>
           </a:p>
@@ -3629,7 +3630,7 @@
         <p:spPr>
           <a:xfrm>
             <a:off x="1590675" y="5553075"/>
-            <a:ext cx="6122189" cy="646331"/>
+            <a:ext cx="6712094" cy="646331"/>
           </a:xfrm>
           <a:prstGeom prst="rect">
             <a:avLst/>
@@ -3690,25 +3691,21 @@
             </a:pPr>
             <a:r>
               <a:rPr lang="ko-KR" altLang="en-US" dirty="0"/>
-              <a:t>일반 </a:t>
+              <a:t>이후 모형 적합은 계절차분이 아닌 </a:t>
             </a:r>
             <a:r>
               <a:rPr lang="en-US" altLang="ko-KR" dirty="0"/>
               <a:t>1</a:t>
             </a:r>
             <a:r>
-              <a:rPr lang="ko-KR" altLang="en-US" dirty="0"/>
-              <a:t>계 차분이 </a:t>
-            </a:r>
-            <a:r>
               <a:rPr lang="ko-KR" altLang="en-US" dirty="0" err="1"/>
-              <a:t>정답인걸까</a:t>
-            </a:r>
-            <a:r>
-              <a:rPr lang="en-US" altLang="ko-KR" dirty="0"/>
-              <a:t>?</a:t>
-            </a:r>
-            <a:endParaRPr lang="ko-KR" altLang="en-US" dirty="0"/>
+              <a:t>계차분을</a:t>
+            </a:r>
+            <a:r>
+              <a:rPr lang="ko-KR" altLang="en-US" dirty="0"/>
+              <a:t> 기준으로 진행</a:t>
+            </a:r>
+            <a:endParaRPr lang="en-US" altLang="ko-KR" dirty="0"/>
           </a:p>
         </p:txBody>
       </p:sp>
@@ -3747,7 +3744,7 @@
           <p:cNvPr id="2" name="제목 1">
             <a:extLst>
               <a:ext uri="{FF2B5EF4-FFF2-40B4-BE49-F238E27FC236}">
-                <a16:creationId xmlns:a16="http://schemas.microsoft.com/office/drawing/2014/main" id="{CA83E3E3-04DF-4E13-8559-D7863723FAFE}"/>
+                <a16:creationId xmlns:a16="http://schemas.microsoft.com/office/drawing/2014/main" id="{FDE698E1-2B2B-4552-B130-5988484F0520}"/>
               </a:ext>
             </a:extLst>
           </p:cNvPr>
@@ -3775,7 +3772,7 @@
           <p:cNvPr id="3" name="내용 개체 틀 2">
             <a:extLst>
               <a:ext uri="{FF2B5EF4-FFF2-40B4-BE49-F238E27FC236}">
-                <a16:creationId xmlns:a16="http://schemas.microsoft.com/office/drawing/2014/main" id="{BE8A7C13-82F2-4915-AA1C-392B3071A5CC}"/>
+                <a16:creationId xmlns:a16="http://schemas.microsoft.com/office/drawing/2014/main" id="{88D43129-BB7D-482D-9036-DCE1D1A8A584}"/>
               </a:ext>
             </a:extLst>
           </p:cNvPr>
@@ -3789,290 +3786,6 @@
         <p:spPr/>
         <p:txBody>
           <a:bodyPr>
-            <a:normAutofit fontScale="92500" lnSpcReduction="20000"/>
-          </a:bodyPr>
-          <a:lstStyle/>
-          <a:p>
-            <a:pPr marL="285750" indent="-285750"/>
-            <a:r>
-              <a:rPr lang="en-US" altLang="ko-KR" dirty="0"/>
-              <a:t>ARIMA </a:t>
-            </a:r>
-            <a:r>
-              <a:rPr lang="ko-KR" altLang="en-US" dirty="0"/>
-              <a:t>모형 적합</a:t>
-            </a:r>
-            <a:endParaRPr lang="en-US" altLang="ko-KR" dirty="0"/>
-          </a:p>
-          <a:p>
-            <a:pPr marL="0" indent="0">
-              <a:buNone/>
-            </a:pPr>
-            <a:r>
-              <a:rPr lang="en-US" altLang="ko-KR" dirty="0"/>
-              <a:t>- </a:t>
-            </a:r>
-            <a:r>
-              <a:rPr lang="ko-KR" altLang="en-US" dirty="0"/>
-              <a:t>소비량</a:t>
-            </a:r>
-            <a:r>
-              <a:rPr lang="en-US" altLang="ko-KR" dirty="0"/>
-              <a:t>(cons)</a:t>
-            </a:r>
-          </a:p>
-          <a:p>
-            <a:endParaRPr lang="en-US" altLang="ko-KR" dirty="0"/>
-          </a:p>
-          <a:p>
-            <a:pPr marL="0" indent="0">
-              <a:buNone/>
-            </a:pPr>
-            <a:r>
-              <a:rPr lang="en-US" altLang="ko-KR" dirty="0"/>
-              <a:t>1) BOX-test</a:t>
-            </a:r>
-          </a:p>
-          <a:p>
-            <a:pPr marL="0" indent="0">
-              <a:buNone/>
-            </a:pPr>
-            <a:r>
-              <a:rPr lang="en-US" altLang="ko-KR" dirty="0"/>
-              <a:t>(1) </a:t>
-            </a:r>
-            <a:r>
-              <a:rPr lang="ko-KR" altLang="en-US" dirty="0"/>
-              <a:t>잔차들의 시계열성을 검증하는 </a:t>
-            </a:r>
-            <a:r>
-              <a:rPr lang="en-US" altLang="ko-KR" dirty="0"/>
-              <a:t>Box-test</a:t>
-            </a:r>
-            <a:r>
-              <a:rPr lang="ko-KR" altLang="en-US" dirty="0"/>
-              <a:t>를 시행한 결과</a:t>
-            </a:r>
-            <a:endParaRPr lang="en-US" altLang="ko-KR" dirty="0"/>
-          </a:p>
-          <a:p>
-            <a:pPr marL="0" indent="0">
-              <a:buNone/>
-            </a:pPr>
-            <a:r>
-              <a:rPr lang="en-US" altLang="ko-KR" dirty="0"/>
-              <a:t>(2) </a:t>
-            </a:r>
-            <a:r>
-              <a:rPr lang="ko-KR" altLang="en-US" dirty="0"/>
-              <a:t>일반 차분보다 계절차분이 더 </a:t>
-            </a:r>
-            <a:r>
-              <a:rPr lang="ko-KR" altLang="en-US" dirty="0" err="1"/>
-              <a:t>파워풀한</a:t>
-            </a:r>
-            <a:r>
-              <a:rPr lang="ko-KR" altLang="en-US" dirty="0"/>
-              <a:t> 결과가 나왔다</a:t>
-            </a:r>
-            <a:r>
-              <a:rPr lang="en-US" altLang="ko-KR" dirty="0"/>
-              <a:t>.</a:t>
-            </a:r>
-          </a:p>
-          <a:p>
-            <a:endParaRPr lang="en-US" altLang="ko-KR" dirty="0"/>
-          </a:p>
-          <a:p>
-            <a:endParaRPr lang="en-US" altLang="ko-KR" dirty="0"/>
-          </a:p>
-          <a:p>
-            <a:endParaRPr lang="en-US" altLang="ko-KR" dirty="0"/>
-          </a:p>
-          <a:p>
-            <a:pPr marL="0" indent="0">
-              <a:buNone/>
-            </a:pPr>
-            <a:r>
-              <a:rPr lang="en-US" altLang="ko-KR" dirty="0"/>
-              <a:t>(3) </a:t>
-            </a:r>
-            <a:r>
-              <a:rPr lang="ko-KR" altLang="en-US" dirty="0"/>
-              <a:t>물론</a:t>
-            </a:r>
-            <a:r>
-              <a:rPr lang="en-US" altLang="ko-KR" dirty="0"/>
-              <a:t>, </a:t>
-            </a:r>
-            <a:r>
-              <a:rPr lang="ko-KR" altLang="en-US" dirty="0"/>
-              <a:t>둘 모두 시계열성이 존재하지 않는다는 </a:t>
-            </a:r>
-            <a:r>
-              <a:rPr lang="ko-KR" altLang="en-US" dirty="0" err="1"/>
-              <a:t>귀무가설을</a:t>
-            </a:r>
-            <a:r>
-              <a:rPr lang="ko-KR" altLang="en-US" dirty="0"/>
-              <a:t> 충분히 채택 가능할 정도로 </a:t>
-            </a:r>
-            <a:r>
-              <a:rPr lang="en-US" altLang="ko-KR" dirty="0"/>
-              <a:t>p-value</a:t>
-            </a:r>
-            <a:r>
-              <a:rPr lang="ko-KR" altLang="en-US" dirty="0"/>
-              <a:t>가 크다</a:t>
-            </a:r>
-            <a:r>
-              <a:rPr lang="en-US" altLang="ko-KR" dirty="0"/>
-              <a:t>.</a:t>
-            </a:r>
-            <a:r>
-              <a:rPr lang="ko-KR" altLang="en-US" dirty="0"/>
-              <a:t> </a:t>
-            </a:r>
-          </a:p>
-        </p:txBody>
-      </p:sp>
-      <p:pic>
-        <p:nvPicPr>
-          <p:cNvPr id="4" name="그림 3">
-            <a:extLst>
-              <a:ext uri="{FF2B5EF4-FFF2-40B4-BE49-F238E27FC236}">
-                <a16:creationId xmlns:a16="http://schemas.microsoft.com/office/drawing/2014/main" id="{B4534F88-B8C1-4264-AA01-C3FDF6D7F837}"/>
-              </a:ext>
-            </a:extLst>
-          </p:cNvPr>
-          <p:cNvPicPr>
-            <a:picLocks noChangeAspect="1"/>
-          </p:cNvPicPr>
-          <p:nvPr/>
-        </p:nvPicPr>
-        <p:blipFill>
-          <a:blip r:embed="rId2"/>
-          <a:stretch>
-            <a:fillRect/>
-          </a:stretch>
-        </p:blipFill>
-        <p:spPr>
-          <a:xfrm>
-            <a:off x="6254002" y="4306094"/>
-            <a:ext cx="3762375" cy="885825"/>
-          </a:xfrm>
-          <a:prstGeom prst="rect">
-            <a:avLst/>
-          </a:prstGeom>
-        </p:spPr>
-      </p:pic>
-      <p:pic>
-        <p:nvPicPr>
-          <p:cNvPr id="5" name="그림 4">
-            <a:extLst>
-              <a:ext uri="{FF2B5EF4-FFF2-40B4-BE49-F238E27FC236}">
-                <a16:creationId xmlns:a16="http://schemas.microsoft.com/office/drawing/2014/main" id="{501FE152-606C-4EED-91D4-320F2CC55D98}"/>
-              </a:ext>
-            </a:extLst>
-          </p:cNvPr>
-          <p:cNvPicPr>
-            <a:picLocks noChangeAspect="1"/>
-          </p:cNvPicPr>
-          <p:nvPr/>
-        </p:nvPicPr>
-        <p:blipFill>
-          <a:blip r:embed="rId3"/>
-          <a:stretch>
-            <a:fillRect/>
-          </a:stretch>
-        </p:blipFill>
-        <p:spPr>
-          <a:xfrm>
-            <a:off x="1400175" y="4306094"/>
-            <a:ext cx="3695700" cy="838200"/>
-          </a:xfrm>
-          <a:prstGeom prst="rect">
-            <a:avLst/>
-          </a:prstGeom>
-        </p:spPr>
-      </p:pic>
-    </p:spTree>
-    <p:extLst>
-      <p:ext uri="{BB962C8B-B14F-4D97-AF65-F5344CB8AC3E}">
-        <p14:creationId xmlns:p14="http://schemas.microsoft.com/office/powerpoint/2010/main" val="2978238164"/>
-      </p:ext>
-    </p:extLst>
-  </p:cSld>
-  <p:clrMapOvr>
-    <a:masterClrMapping/>
-  </p:clrMapOvr>
-</p:sld>
-</file>
-
-<file path=ppt/slides/slide12.xml><?xml version="1.0" encoding="utf-8"?>
-<p:sld xmlns:a="http://schemas.openxmlformats.org/drawingml/2006/main" xmlns:r="http://schemas.openxmlformats.org/officeDocument/2006/relationships" xmlns:p="http://schemas.openxmlformats.org/presentationml/2006/main">
-  <p:cSld>
-    <p:spTree>
-      <p:nvGrpSpPr>
-        <p:cNvPr id="1" name=""/>
-        <p:cNvGrpSpPr/>
-        <p:nvPr/>
-      </p:nvGrpSpPr>
-      <p:grpSpPr>
-        <a:xfrm>
-          <a:off x="0" y="0"/>
-          <a:ext cx="0" cy="0"/>
-          <a:chOff x="0" y="0"/>
-          <a:chExt cx="0" cy="0"/>
-        </a:xfrm>
-      </p:grpSpPr>
-      <p:sp>
-        <p:nvSpPr>
-          <p:cNvPr id="2" name="제목 1">
-            <a:extLst>
-              <a:ext uri="{FF2B5EF4-FFF2-40B4-BE49-F238E27FC236}">
-                <a16:creationId xmlns:a16="http://schemas.microsoft.com/office/drawing/2014/main" id="{FDE698E1-2B2B-4552-B130-5988484F0520}"/>
-              </a:ext>
-            </a:extLst>
-          </p:cNvPr>
-          <p:cNvSpPr>
-            <a:spLocks noGrp="1"/>
-          </p:cNvSpPr>
-          <p:nvPr>
-            <p:ph type="title"/>
-          </p:nvPr>
-        </p:nvSpPr>
-        <p:spPr/>
-        <p:txBody>
-          <a:bodyPr/>
-          <a:lstStyle/>
-          <a:p>
-            <a:r>
-              <a:rPr lang="ko-KR" altLang="en-US" dirty="0"/>
-              <a:t>사전 백색화</a:t>
-            </a:r>
-          </a:p>
-        </p:txBody>
-      </p:sp>
-      <p:sp>
-        <p:nvSpPr>
-          <p:cNvPr id="3" name="내용 개체 틀 2">
-            <a:extLst>
-              <a:ext uri="{FF2B5EF4-FFF2-40B4-BE49-F238E27FC236}">
-                <a16:creationId xmlns:a16="http://schemas.microsoft.com/office/drawing/2014/main" id="{88D43129-BB7D-482D-9036-DCE1D1A8A584}"/>
-              </a:ext>
-            </a:extLst>
-          </p:cNvPr>
-          <p:cNvSpPr>
-            <a:spLocks noGrp="1"/>
-          </p:cNvSpPr>
-          <p:nvPr>
-            <p:ph idx="1"/>
-          </p:nvPr>
-        </p:nvSpPr>
-        <p:spPr/>
-        <p:txBody>
-          <a:bodyPr>
             <a:normAutofit/>
           </a:bodyPr>
           <a:lstStyle/>
@@ -4165,96 +3878,6 @@
           </a:p>
         </p:txBody>
       </p:sp>
-      <p:pic>
-        <p:nvPicPr>
-          <p:cNvPr id="4" name="그림 3">
-            <a:extLst>
-              <a:ext uri="{FF2B5EF4-FFF2-40B4-BE49-F238E27FC236}">
-                <a16:creationId xmlns:a16="http://schemas.microsoft.com/office/drawing/2014/main" id="{E1DBE81D-AFFE-49AA-8DE2-0FD952B046B3}"/>
-              </a:ext>
-            </a:extLst>
-          </p:cNvPr>
-          <p:cNvPicPr>
-            <a:picLocks noChangeAspect="1"/>
-          </p:cNvPicPr>
-          <p:nvPr/>
-        </p:nvPicPr>
-        <p:blipFill>
-          <a:blip r:embed="rId2"/>
-          <a:stretch>
-            <a:fillRect/>
-          </a:stretch>
-        </p:blipFill>
-        <p:spPr>
-          <a:xfrm>
-            <a:off x="838200" y="3101181"/>
-            <a:ext cx="3067050" cy="809625"/>
-          </a:xfrm>
-          <a:prstGeom prst="rect">
-            <a:avLst/>
-          </a:prstGeom>
-        </p:spPr>
-      </p:pic>
-      <p:pic>
-        <p:nvPicPr>
-          <p:cNvPr id="5" name="그림 4">
-            <a:extLst>
-              <a:ext uri="{FF2B5EF4-FFF2-40B4-BE49-F238E27FC236}">
-                <a16:creationId xmlns:a16="http://schemas.microsoft.com/office/drawing/2014/main" id="{F93AC4D2-3F83-490D-A191-697AEB009FF6}"/>
-              </a:ext>
-            </a:extLst>
-          </p:cNvPr>
-          <p:cNvPicPr>
-            <a:picLocks noChangeAspect="1"/>
-          </p:cNvPicPr>
-          <p:nvPr/>
-        </p:nvPicPr>
-        <p:blipFill>
-          <a:blip r:embed="rId3"/>
-          <a:stretch>
-            <a:fillRect/>
-          </a:stretch>
-        </p:blipFill>
-        <p:spPr>
-          <a:xfrm>
-            <a:off x="4093509" y="4330046"/>
-            <a:ext cx="3248025" cy="180975"/>
-          </a:xfrm>
-          <a:prstGeom prst="rect">
-            <a:avLst/>
-          </a:prstGeom>
-        </p:spPr>
-      </p:pic>
-      <p:pic>
-        <p:nvPicPr>
-          <p:cNvPr id="6" name="그림 5">
-            <a:extLst>
-              <a:ext uri="{FF2B5EF4-FFF2-40B4-BE49-F238E27FC236}">
-                <a16:creationId xmlns:a16="http://schemas.microsoft.com/office/drawing/2014/main" id="{D73EA3FA-9B43-4A16-8AAB-A41C627BBCBA}"/>
-              </a:ext>
-            </a:extLst>
-          </p:cNvPr>
-          <p:cNvPicPr>
-            <a:picLocks noChangeAspect="1"/>
-          </p:cNvPicPr>
-          <p:nvPr/>
-        </p:nvPicPr>
-        <p:blipFill>
-          <a:blip r:embed="rId4"/>
-          <a:stretch>
-            <a:fillRect/>
-          </a:stretch>
-        </p:blipFill>
-        <p:spPr>
-          <a:xfrm>
-            <a:off x="7226673" y="3277393"/>
-            <a:ext cx="4467225" cy="457200"/>
-          </a:xfrm>
-          <a:prstGeom prst="rect">
-            <a:avLst/>
-          </a:prstGeom>
-        </p:spPr>
-      </p:pic>
       <p:sp>
         <p:nvSpPr>
           <p:cNvPr id="7" name="화살표: 오른쪽 6">
@@ -4491,10 +4114,254 @@
           </a:p>
         </p:txBody>
       </p:sp>
+      <p:pic>
+        <p:nvPicPr>
+          <p:cNvPr id="12" name="그림 11">
+            <a:extLst>
+              <a:ext uri="{FF2B5EF4-FFF2-40B4-BE49-F238E27FC236}">
+                <a16:creationId xmlns:a16="http://schemas.microsoft.com/office/drawing/2014/main" id="{CF251B1D-346C-409F-AA0A-5BDD83F7D764}"/>
+              </a:ext>
+            </a:extLst>
+          </p:cNvPr>
+          <p:cNvPicPr>
+            <a:picLocks noChangeAspect="1"/>
+          </p:cNvPicPr>
+          <p:nvPr/>
+        </p:nvPicPr>
+        <p:blipFill>
+          <a:blip r:embed="rId2"/>
+          <a:stretch>
+            <a:fillRect/>
+          </a:stretch>
+        </p:blipFill>
+        <p:spPr>
+          <a:xfrm>
+            <a:off x="949200" y="3123382"/>
+            <a:ext cx="2845050" cy="704850"/>
+          </a:xfrm>
+          <a:prstGeom prst="rect">
+            <a:avLst/>
+          </a:prstGeom>
+        </p:spPr>
+      </p:pic>
+      <p:pic>
+        <p:nvPicPr>
+          <p:cNvPr id="13" name="그림 12">
+            <a:extLst>
+              <a:ext uri="{FF2B5EF4-FFF2-40B4-BE49-F238E27FC236}">
+                <a16:creationId xmlns:a16="http://schemas.microsoft.com/office/drawing/2014/main" id="{1DA63125-EB17-46D5-8BC2-5451A146B6B6}"/>
+              </a:ext>
+            </a:extLst>
+          </p:cNvPr>
+          <p:cNvPicPr>
+            <a:picLocks noChangeAspect="1"/>
+          </p:cNvPicPr>
+          <p:nvPr/>
+        </p:nvPicPr>
+        <p:blipFill>
+          <a:blip r:embed="rId3"/>
+          <a:stretch>
+            <a:fillRect/>
+          </a:stretch>
+        </p:blipFill>
+        <p:spPr>
+          <a:xfrm>
+            <a:off x="4226343" y="4320596"/>
+            <a:ext cx="2914650" cy="171450"/>
+          </a:xfrm>
+          <a:prstGeom prst="rect">
+            <a:avLst/>
+          </a:prstGeom>
+        </p:spPr>
+      </p:pic>
+      <p:pic>
+        <p:nvPicPr>
+          <p:cNvPr id="15" name="그림 14">
+            <a:extLst>
+              <a:ext uri="{FF2B5EF4-FFF2-40B4-BE49-F238E27FC236}">
+                <a16:creationId xmlns:a16="http://schemas.microsoft.com/office/drawing/2014/main" id="{DE69E7C7-1D01-4C3B-BC03-1707492DA492}"/>
+              </a:ext>
+            </a:extLst>
+          </p:cNvPr>
+          <p:cNvPicPr>
+            <a:picLocks noChangeAspect="1"/>
+          </p:cNvPicPr>
+          <p:nvPr/>
+        </p:nvPicPr>
+        <p:blipFill>
+          <a:blip r:embed="rId4"/>
+          <a:stretch>
+            <a:fillRect/>
+          </a:stretch>
+        </p:blipFill>
+        <p:spPr>
+          <a:xfrm>
+            <a:off x="7481091" y="3267464"/>
+            <a:ext cx="4124325" cy="514350"/>
+          </a:xfrm>
+          <a:prstGeom prst="rect">
+            <a:avLst/>
+          </a:prstGeom>
+        </p:spPr>
+      </p:pic>
     </p:spTree>
     <p:extLst>
       <p:ext uri="{BB962C8B-B14F-4D97-AF65-F5344CB8AC3E}">
         <p14:creationId xmlns:p14="http://schemas.microsoft.com/office/powerpoint/2010/main" val="390066107"/>
+      </p:ext>
+    </p:extLst>
+  </p:cSld>
+  <p:clrMapOvr>
+    <a:masterClrMapping/>
+  </p:clrMapOvr>
+</p:sld>
+</file>
+
+<file path=ppt/slides/slide12.xml><?xml version="1.0" encoding="utf-8"?>
+<p:sld xmlns:a="http://schemas.openxmlformats.org/drawingml/2006/main" xmlns:r="http://schemas.openxmlformats.org/officeDocument/2006/relationships" xmlns:p="http://schemas.openxmlformats.org/presentationml/2006/main">
+  <p:cSld>
+    <p:spTree>
+      <p:nvGrpSpPr>
+        <p:cNvPr id="1" name=""/>
+        <p:cNvGrpSpPr/>
+        <p:nvPr/>
+      </p:nvGrpSpPr>
+      <p:grpSpPr>
+        <a:xfrm>
+          <a:off x="0" y="0"/>
+          <a:ext cx="0" cy="0"/>
+          <a:chOff x="0" y="0"/>
+          <a:chExt cx="0" cy="0"/>
+        </a:xfrm>
+      </p:grpSpPr>
+      <p:sp>
+        <p:nvSpPr>
+          <p:cNvPr id="2" name="제목 1">
+            <a:extLst>
+              <a:ext uri="{FF2B5EF4-FFF2-40B4-BE49-F238E27FC236}">
+                <a16:creationId xmlns:a16="http://schemas.microsoft.com/office/drawing/2014/main" id="{56E51A5A-FC15-4DE3-A37A-ED9EDD9CEE68}"/>
+              </a:ext>
+            </a:extLst>
+          </p:cNvPr>
+          <p:cNvSpPr>
+            <a:spLocks noGrp="1"/>
+          </p:cNvSpPr>
+          <p:nvPr>
+            <p:ph type="title"/>
+          </p:nvPr>
+        </p:nvSpPr>
+        <p:spPr/>
+        <p:txBody>
+          <a:bodyPr/>
+          <a:lstStyle/>
+          <a:p>
+            <a:r>
+              <a:rPr lang="ko-KR" altLang="en-US" dirty="0" err="1"/>
+              <a:t>그래인저</a:t>
+            </a:r>
+            <a:r>
+              <a:rPr lang="ko-KR" altLang="en-US" dirty="0"/>
+              <a:t> 인과성 검정</a:t>
+            </a:r>
+          </a:p>
+        </p:txBody>
+      </p:sp>
+      <p:sp>
+        <p:nvSpPr>
+          <p:cNvPr id="3" name="내용 개체 틀 2">
+            <a:extLst>
+              <a:ext uri="{FF2B5EF4-FFF2-40B4-BE49-F238E27FC236}">
+                <a16:creationId xmlns:a16="http://schemas.microsoft.com/office/drawing/2014/main" id="{036D8106-E128-4600-A62A-CC8A68A12F1E}"/>
+              </a:ext>
+            </a:extLst>
+          </p:cNvPr>
+          <p:cNvSpPr>
+            <a:spLocks noGrp="1"/>
+          </p:cNvSpPr>
+          <p:nvPr>
+            <p:ph idx="1"/>
+          </p:nvPr>
+        </p:nvSpPr>
+        <p:spPr/>
+        <p:txBody>
+          <a:bodyPr/>
+          <a:lstStyle/>
+          <a:p>
+            <a:r>
+              <a:rPr lang="ko-KR" altLang="en-US" dirty="0"/>
+              <a:t>개요</a:t>
+            </a:r>
+            <a:endParaRPr lang="en-US" altLang="ko-KR" dirty="0"/>
+          </a:p>
+          <a:p>
+            <a:pPr>
+              <a:buFontTx/>
+              <a:buChar char="-"/>
+            </a:pPr>
+            <a:r>
+              <a:rPr lang="ko-KR" altLang="en-US" dirty="0"/>
+              <a:t>자기 자신의 </a:t>
+            </a:r>
+            <a:r>
+              <a:rPr lang="en-US" altLang="ko-KR" dirty="0"/>
+              <a:t>AR</a:t>
+            </a:r>
+            <a:r>
+              <a:rPr lang="ko-KR" altLang="en-US" dirty="0"/>
+              <a:t>모형과</a:t>
+            </a:r>
+            <a:r>
+              <a:rPr lang="en-US" altLang="ko-KR" dirty="0"/>
+              <a:t>, </a:t>
+            </a:r>
+            <a:r>
+              <a:rPr lang="ko-KR" altLang="en-US" dirty="0"/>
+              <a:t>투입 변수를 포함하는 </a:t>
+            </a:r>
+            <a:r>
+              <a:rPr lang="ko-KR" altLang="en-US" dirty="0" err="1"/>
+              <a:t>다변량</a:t>
+            </a:r>
+            <a:r>
+              <a:rPr lang="ko-KR" altLang="en-US" dirty="0"/>
+              <a:t> </a:t>
+            </a:r>
+            <a:r>
+              <a:rPr lang="en-US" altLang="ko-KR" dirty="0"/>
+              <a:t>AR </a:t>
+            </a:r>
+            <a:r>
+              <a:rPr lang="ko-KR" altLang="en-US" dirty="0"/>
+              <a:t>모형의 유의함 여부를 검정</a:t>
+            </a:r>
+            <a:endParaRPr lang="en-US" altLang="ko-KR" dirty="0"/>
+          </a:p>
+          <a:p>
+            <a:pPr marL="0" indent="0">
+              <a:buNone/>
+            </a:pPr>
+            <a:endParaRPr lang="en-US" altLang="ko-KR" dirty="0"/>
+          </a:p>
+          <a:p>
+            <a:pPr>
+              <a:buFontTx/>
+              <a:buChar char="-"/>
+            </a:pPr>
+            <a:r>
+              <a:rPr lang="en-US" altLang="ko-KR" dirty="0"/>
+              <a:t>F</a:t>
+            </a:r>
+            <a:r>
+              <a:rPr lang="ko-KR" altLang="en-US" dirty="0"/>
+              <a:t>통계량을 활용하여 검정함</a:t>
+            </a:r>
+          </a:p>
+        </p:txBody>
+      </p:sp>
+    </p:spTree>
+    <p:extLst>
+      <p:ext uri="{BB962C8B-B14F-4D97-AF65-F5344CB8AC3E}">
+        <p14:creationId xmlns:p14="http://schemas.microsoft.com/office/powerpoint/2010/main" val="296232528"/>
       </p:ext>
     </p:extLst>
   </p:cSld>
@@ -4526,7 +4393,7 @@
           <p:cNvPr id="2" name="제목 1">
             <a:extLst>
               <a:ext uri="{FF2B5EF4-FFF2-40B4-BE49-F238E27FC236}">
-                <a16:creationId xmlns:a16="http://schemas.microsoft.com/office/drawing/2014/main" id="{7710A6B2-6001-4BB0-8A47-5249DEF5D82F}"/>
+                <a16:creationId xmlns:a16="http://schemas.microsoft.com/office/drawing/2014/main" id="{C5204794-79BC-41F2-B312-4C4E718761D5}"/>
               </a:ext>
             </a:extLst>
           </p:cNvPr>
@@ -4543,12 +4410,12 @@
           <a:lstStyle/>
           <a:p>
             <a:r>
-              <a:rPr lang="en-US" altLang="ko-KR" dirty="0"/>
-              <a:t>CCF</a:t>
-            </a:r>
-            <a:r>
-              <a:rPr lang="ko-KR" altLang="en-US" dirty="0"/>
-              <a:t> 구조 확인</a:t>
+              <a:rPr lang="ko-KR" altLang="en-US" dirty="0" err="1"/>
+              <a:t>그래인저</a:t>
+            </a:r>
+            <a:r>
+              <a:rPr lang="ko-KR" altLang="en-US" dirty="0"/>
+              <a:t> 인과성 검정</a:t>
             </a:r>
           </a:p>
         </p:txBody>
@@ -4558,7 +4425,7 @@
           <p:cNvPr id="3" name="내용 개체 틀 2">
             <a:extLst>
               <a:ext uri="{FF2B5EF4-FFF2-40B4-BE49-F238E27FC236}">
-                <a16:creationId xmlns:a16="http://schemas.microsoft.com/office/drawing/2014/main" id="{8FCB01B6-DCE7-443A-9AC0-20EA6B9F5ACB}"/>
+                <a16:creationId xmlns:a16="http://schemas.microsoft.com/office/drawing/2014/main" id="{242DD6A3-60AC-4DE2-A7BF-3B7290FDD6FF}"/>
               </a:ext>
             </a:extLst>
           </p:cNvPr>
@@ -4574,16 +4441,321 @@
           <a:bodyPr/>
           <a:lstStyle/>
           <a:p>
-            <a:endParaRPr lang="ko-KR" altLang="en-US" dirty="0"/>
+            <a:r>
+              <a:rPr lang="ko-KR" altLang="en-US" sz="2000" dirty="0"/>
+              <a:t>검정 결과</a:t>
+            </a:r>
+            <a:endParaRPr lang="en-US" altLang="ko-KR" sz="2000" dirty="0"/>
+          </a:p>
+          <a:p>
+            <a:pPr>
+              <a:buFontTx/>
+              <a:buChar char="-"/>
+            </a:pPr>
+            <a:r>
+              <a:rPr lang="en-US" altLang="ko-KR" sz="2000" dirty="0"/>
+              <a:t>Cons ~ Income( </a:t>
+            </a:r>
+            <a:r>
+              <a:rPr lang="ko-KR" altLang="en-US" sz="2000" dirty="0"/>
+              <a:t>계절차분</a:t>
+            </a:r>
+            <a:r>
+              <a:rPr lang="en-US" altLang="ko-KR" sz="2000" dirty="0"/>
+              <a:t>)</a:t>
+            </a:r>
+          </a:p>
+          <a:p>
+            <a:pPr>
+              <a:buFontTx/>
+              <a:buChar char="-"/>
+            </a:pPr>
+            <a:endParaRPr lang="en-US" altLang="ko-KR" sz="2000" dirty="0"/>
+          </a:p>
+          <a:p>
+            <a:pPr marL="0" indent="0">
+              <a:buNone/>
+            </a:pPr>
+            <a:endParaRPr lang="en-US" altLang="ko-KR" sz="2000" dirty="0"/>
+          </a:p>
+          <a:p>
+            <a:pPr>
+              <a:buFontTx/>
+              <a:buChar char="-"/>
+            </a:pPr>
+            <a:r>
+              <a:rPr lang="en-US" altLang="ko-KR" sz="2000" dirty="0"/>
+              <a:t>Cons ~ Price (</a:t>
+            </a:r>
+            <a:r>
+              <a:rPr lang="ko-KR" altLang="en-US" sz="2000" dirty="0"/>
+              <a:t>계절 차분</a:t>
+            </a:r>
+            <a:r>
+              <a:rPr lang="en-US" altLang="ko-KR" sz="2000" dirty="0"/>
+              <a:t>)</a:t>
+            </a:r>
+          </a:p>
+          <a:p>
+            <a:pPr>
+              <a:buFontTx/>
+              <a:buChar char="-"/>
+            </a:pPr>
+            <a:endParaRPr lang="en-US" altLang="ko-KR" sz="2000" dirty="0"/>
+          </a:p>
+          <a:p>
+            <a:pPr>
+              <a:buFontTx/>
+              <a:buChar char="-"/>
+            </a:pPr>
+            <a:endParaRPr lang="en-US" altLang="ko-KR" sz="2000" dirty="0"/>
+          </a:p>
+          <a:p>
+            <a:pPr>
+              <a:buFontTx/>
+              <a:buChar char="-"/>
+            </a:pPr>
+            <a:endParaRPr lang="en-US" altLang="ko-KR" sz="2000" dirty="0"/>
+          </a:p>
+          <a:p>
+            <a:pPr>
+              <a:buFontTx/>
+              <a:buChar char="-"/>
+            </a:pPr>
+            <a:r>
+              <a:rPr lang="en-US" altLang="ko-KR" sz="2000" dirty="0"/>
+              <a:t>Cons ~ Temp(</a:t>
+            </a:r>
+            <a:r>
+              <a:rPr lang="ko-KR" altLang="en-US" sz="2000" dirty="0"/>
+              <a:t>계절차분</a:t>
+            </a:r>
+            <a:r>
+              <a:rPr lang="en-US" altLang="ko-KR" sz="2000" dirty="0"/>
+              <a:t>)</a:t>
+            </a:r>
+            <a:endParaRPr lang="ko-KR" altLang="en-US" sz="2000" dirty="0"/>
+          </a:p>
+        </p:txBody>
+      </p:sp>
+      <p:sp>
+        <p:nvSpPr>
+          <p:cNvPr id="6" name="TextBox 5">
+            <a:extLst>
+              <a:ext uri="{FF2B5EF4-FFF2-40B4-BE49-F238E27FC236}">
+                <a16:creationId xmlns:a16="http://schemas.microsoft.com/office/drawing/2014/main" id="{70D5947A-E976-4380-9FF3-8CF182E5D284}"/>
+              </a:ext>
+            </a:extLst>
+          </p:cNvPr>
+          <p:cNvSpPr txBox="1"/>
+          <p:nvPr/>
+        </p:nvSpPr>
+        <p:spPr>
+          <a:xfrm>
+            <a:off x="3448050" y="3154738"/>
+            <a:ext cx="5522666" cy="369332"/>
+          </a:xfrm>
+          <a:prstGeom prst="rect">
+            <a:avLst/>
+          </a:prstGeom>
+          <a:noFill/>
+        </p:spPr>
+        <p:txBody>
+          <a:bodyPr wrap="none" rtlCol="0">
+            <a:spAutoFit/>
+          </a:bodyPr>
+          <a:lstStyle/>
+          <a:p>
+            <a:r>
+              <a:rPr lang="ko-KR" altLang="en-US" dirty="0">
+                <a:solidFill>
+                  <a:srgbClr val="FF0000"/>
+                </a:solidFill>
+              </a:rPr>
+              <a:t>양 방향 모두에 </a:t>
+            </a:r>
+            <a:r>
+              <a:rPr lang="ko-KR" altLang="en-US" dirty="0" err="1">
+                <a:solidFill>
+                  <a:srgbClr val="FF0000"/>
+                </a:solidFill>
+              </a:rPr>
+              <a:t>그래인저</a:t>
+            </a:r>
+            <a:r>
+              <a:rPr lang="ko-KR" altLang="en-US" dirty="0">
+                <a:solidFill>
+                  <a:srgbClr val="FF0000"/>
+                </a:solidFill>
+              </a:rPr>
+              <a:t> 인과성이 존재하지 않는다</a:t>
+            </a:r>
+            <a:r>
+              <a:rPr lang="en-US" altLang="ko-KR" dirty="0">
+                <a:solidFill>
+                  <a:srgbClr val="FF0000"/>
+                </a:solidFill>
+              </a:rPr>
+              <a:t>.</a:t>
+            </a:r>
+            <a:endParaRPr lang="ko-KR" altLang="en-US" dirty="0">
+              <a:solidFill>
+                <a:srgbClr val="FF0000"/>
+              </a:solidFill>
+            </a:endParaRPr>
+          </a:p>
+        </p:txBody>
+      </p:sp>
+      <p:sp>
+        <p:nvSpPr>
+          <p:cNvPr id="9" name="TextBox 8">
+            <a:extLst>
+              <a:ext uri="{FF2B5EF4-FFF2-40B4-BE49-F238E27FC236}">
+                <a16:creationId xmlns:a16="http://schemas.microsoft.com/office/drawing/2014/main" id="{F31DDB6C-C164-4C6E-8B6B-4B2B109F320A}"/>
+              </a:ext>
+            </a:extLst>
+          </p:cNvPr>
+          <p:cNvSpPr txBox="1"/>
+          <p:nvPr/>
+        </p:nvSpPr>
+        <p:spPr>
+          <a:xfrm>
+            <a:off x="3448050" y="4672808"/>
+            <a:ext cx="5522666" cy="369332"/>
+          </a:xfrm>
+          <a:prstGeom prst="rect">
+            <a:avLst/>
+          </a:prstGeom>
+          <a:noFill/>
+        </p:spPr>
+        <p:txBody>
+          <a:bodyPr wrap="none" rtlCol="0">
+            <a:spAutoFit/>
+          </a:bodyPr>
+          <a:lstStyle/>
+          <a:p>
+            <a:r>
+              <a:rPr lang="ko-KR" altLang="en-US" dirty="0">
+                <a:solidFill>
+                  <a:srgbClr val="FF0000"/>
+                </a:solidFill>
+              </a:rPr>
+              <a:t>양 방향 모두에 </a:t>
+            </a:r>
+            <a:r>
+              <a:rPr lang="ko-KR" altLang="en-US" dirty="0" err="1">
+                <a:solidFill>
+                  <a:srgbClr val="FF0000"/>
+                </a:solidFill>
+              </a:rPr>
+              <a:t>그래인저</a:t>
+            </a:r>
+            <a:r>
+              <a:rPr lang="ko-KR" altLang="en-US" dirty="0">
+                <a:solidFill>
+                  <a:srgbClr val="FF0000"/>
+                </a:solidFill>
+              </a:rPr>
+              <a:t> 인과성이 존재하지 않는다</a:t>
+            </a:r>
+            <a:r>
+              <a:rPr lang="en-US" altLang="ko-KR" dirty="0">
+                <a:solidFill>
+                  <a:srgbClr val="FF0000"/>
+                </a:solidFill>
+              </a:rPr>
+              <a:t>.</a:t>
+            </a:r>
+            <a:endParaRPr lang="ko-KR" altLang="en-US" dirty="0">
+              <a:solidFill>
+                <a:srgbClr val="FF0000"/>
+              </a:solidFill>
+            </a:endParaRPr>
+          </a:p>
+        </p:txBody>
+      </p:sp>
+      <p:sp>
+        <p:nvSpPr>
+          <p:cNvPr id="12" name="TextBox 11">
+            <a:extLst>
+              <a:ext uri="{FF2B5EF4-FFF2-40B4-BE49-F238E27FC236}">
+                <a16:creationId xmlns:a16="http://schemas.microsoft.com/office/drawing/2014/main" id="{800A3CB3-2518-4FC6-805D-106E4B424B52}"/>
+              </a:ext>
+            </a:extLst>
+          </p:cNvPr>
+          <p:cNvSpPr txBox="1"/>
+          <p:nvPr/>
+        </p:nvSpPr>
+        <p:spPr>
+          <a:xfrm>
+            <a:off x="3262564" y="6247369"/>
+            <a:ext cx="5666872" cy="369332"/>
+          </a:xfrm>
+          <a:prstGeom prst="rect">
+            <a:avLst/>
+          </a:prstGeom>
+          <a:noFill/>
+        </p:spPr>
+        <p:txBody>
+          <a:bodyPr wrap="none" rtlCol="0">
+            <a:spAutoFit/>
+          </a:bodyPr>
+          <a:lstStyle/>
+          <a:p>
+            <a:r>
+              <a:rPr lang="en-US" altLang="ko-KR" dirty="0">
+                <a:solidFill>
+                  <a:srgbClr val="0070C0"/>
+                </a:solidFill>
+              </a:rPr>
+              <a:t>Temp -&gt; cons </a:t>
+            </a:r>
+            <a:r>
+              <a:rPr lang="ko-KR" altLang="en-US" dirty="0">
+                <a:solidFill>
+                  <a:srgbClr val="0070C0"/>
+                </a:solidFill>
+              </a:rPr>
+              <a:t>방향으로 </a:t>
+            </a:r>
+            <a:r>
+              <a:rPr lang="ko-KR" altLang="en-US" dirty="0" err="1">
+                <a:solidFill>
+                  <a:srgbClr val="0070C0"/>
+                </a:solidFill>
+              </a:rPr>
+              <a:t>그래인저</a:t>
+            </a:r>
+            <a:r>
+              <a:rPr lang="ko-KR" altLang="en-US" dirty="0">
+                <a:solidFill>
+                  <a:srgbClr val="0070C0"/>
+                </a:solidFill>
+              </a:rPr>
+              <a:t> 인과성이 존재한다</a:t>
+            </a:r>
+            <a:r>
+              <a:rPr lang="en-US" altLang="ko-KR" dirty="0">
+                <a:solidFill>
+                  <a:srgbClr val="0070C0"/>
+                </a:solidFill>
+              </a:rPr>
+              <a:t>.</a:t>
+            </a:r>
+            <a:endParaRPr lang="ko-KR" altLang="en-US" dirty="0">
+              <a:solidFill>
+                <a:srgbClr val="0070C0"/>
+              </a:solidFill>
+            </a:endParaRPr>
           </a:p>
         </p:txBody>
       </p:sp>
       <p:pic>
         <p:nvPicPr>
-          <p:cNvPr id="4" name="그림 3">
-            <a:extLst>
-              <a:ext uri="{FF2B5EF4-FFF2-40B4-BE49-F238E27FC236}">
-                <a16:creationId xmlns:a16="http://schemas.microsoft.com/office/drawing/2014/main" id="{0118E777-FBA8-41F6-8978-7E57A61F9A42}"/>
+          <p:cNvPr id="13" name="그림 12">
+            <a:extLst>
+              <a:ext uri="{FF2B5EF4-FFF2-40B4-BE49-F238E27FC236}">
+                <a16:creationId xmlns:a16="http://schemas.microsoft.com/office/drawing/2014/main" id="{FB1DDCC9-D6DF-4E20-B2E2-B76EA9B59B11}"/>
               </a:ext>
             </a:extLst>
           </p:cNvPr>
@@ -4600,8 +4772,8 @@
         </p:blipFill>
         <p:spPr>
           <a:xfrm>
-            <a:off x="900298" y="2302702"/>
-            <a:ext cx="3923929" cy="2509051"/>
+            <a:off x="1101636" y="2597945"/>
+            <a:ext cx="4563424" cy="600565"/>
           </a:xfrm>
           <a:prstGeom prst="rect">
             <a:avLst/>
@@ -4610,10 +4782,10 @@
       </p:pic>
       <p:pic>
         <p:nvPicPr>
-          <p:cNvPr id="5" name="그림 4">
-            <a:extLst>
-              <a:ext uri="{FF2B5EF4-FFF2-40B4-BE49-F238E27FC236}">
-                <a16:creationId xmlns:a16="http://schemas.microsoft.com/office/drawing/2014/main" id="{14EEC91C-BA7D-4793-9C5D-2F738130BB80}"/>
+          <p:cNvPr id="15" name="그림 14">
+            <a:extLst>
+              <a:ext uri="{FF2B5EF4-FFF2-40B4-BE49-F238E27FC236}">
+                <a16:creationId xmlns:a16="http://schemas.microsoft.com/office/drawing/2014/main" id="{C386BE4E-47E1-4554-B5DD-9D4E2F2DD891}"/>
               </a:ext>
             </a:extLst>
           </p:cNvPr>
@@ -4630,8 +4802,8 @@
         </p:blipFill>
         <p:spPr>
           <a:xfrm>
-            <a:off x="4768190" y="2390176"/>
-            <a:ext cx="3650320" cy="2334099"/>
+            <a:off x="6310310" y="2596080"/>
+            <a:ext cx="4780053" cy="600565"/>
           </a:xfrm>
           <a:prstGeom prst="rect">
             <a:avLst/>
@@ -4640,10 +4812,10 @@
       </p:pic>
       <p:pic>
         <p:nvPicPr>
-          <p:cNvPr id="6" name="그림 5">
-            <a:extLst>
-              <a:ext uri="{FF2B5EF4-FFF2-40B4-BE49-F238E27FC236}">
-                <a16:creationId xmlns:a16="http://schemas.microsoft.com/office/drawing/2014/main" id="{DDB29BBC-93AC-4B31-BDEA-8324A50C4E10}"/>
+          <p:cNvPr id="16" name="그림 15">
+            <a:extLst>
+              <a:ext uri="{FF2B5EF4-FFF2-40B4-BE49-F238E27FC236}">
+                <a16:creationId xmlns:a16="http://schemas.microsoft.com/office/drawing/2014/main" id="{673E38FB-96DA-43C7-9CAC-8B75F1FD75A8}"/>
               </a:ext>
             </a:extLst>
           </p:cNvPr>
@@ -4660,8 +4832,192 @@
         </p:blipFill>
         <p:spPr>
           <a:xfrm>
-            <a:off x="8220891" y="2380850"/>
-            <a:ext cx="3481869" cy="2226387"/>
+            <a:off x="1101637" y="3868738"/>
+            <a:ext cx="4563424" cy="723900"/>
+          </a:xfrm>
+          <a:prstGeom prst="rect">
+            <a:avLst/>
+          </a:prstGeom>
+        </p:spPr>
+      </p:pic>
+      <p:pic>
+        <p:nvPicPr>
+          <p:cNvPr id="17" name="그림 16">
+            <a:extLst>
+              <a:ext uri="{FF2B5EF4-FFF2-40B4-BE49-F238E27FC236}">
+                <a16:creationId xmlns:a16="http://schemas.microsoft.com/office/drawing/2014/main" id="{791CD716-404B-4829-98E9-F942B0C3CA01}"/>
+              </a:ext>
+            </a:extLst>
+          </p:cNvPr>
+          <p:cNvPicPr>
+            <a:picLocks noChangeAspect="1"/>
+          </p:cNvPicPr>
+          <p:nvPr/>
+        </p:nvPicPr>
+        <p:blipFill>
+          <a:blip r:embed="rId5"/>
+          <a:stretch>
+            <a:fillRect/>
+          </a:stretch>
+        </p:blipFill>
+        <p:spPr>
+          <a:xfrm>
+            <a:off x="6310310" y="3868738"/>
+            <a:ext cx="4780053" cy="723900"/>
+          </a:xfrm>
+          <a:prstGeom prst="rect">
+            <a:avLst/>
+          </a:prstGeom>
+        </p:spPr>
+      </p:pic>
+      <p:pic>
+        <p:nvPicPr>
+          <p:cNvPr id="18" name="그림 17">
+            <a:extLst>
+              <a:ext uri="{FF2B5EF4-FFF2-40B4-BE49-F238E27FC236}">
+                <a16:creationId xmlns:a16="http://schemas.microsoft.com/office/drawing/2014/main" id="{CB493ED9-7C16-4A12-8EE9-43022F17B233}"/>
+              </a:ext>
+            </a:extLst>
+          </p:cNvPr>
+          <p:cNvPicPr>
+            <a:picLocks noChangeAspect="1"/>
+          </p:cNvPicPr>
+          <p:nvPr/>
+        </p:nvPicPr>
+        <p:blipFill>
+          <a:blip r:embed="rId6"/>
+          <a:stretch>
+            <a:fillRect/>
+          </a:stretch>
+        </p:blipFill>
+        <p:spPr>
+          <a:xfrm>
+            <a:off x="1101637" y="5502276"/>
+            <a:ext cx="4563424" cy="745094"/>
+          </a:xfrm>
+          <a:prstGeom prst="rect">
+            <a:avLst/>
+          </a:prstGeom>
+        </p:spPr>
+      </p:pic>
+      <p:pic>
+        <p:nvPicPr>
+          <p:cNvPr id="19" name="그림 18">
+            <a:extLst>
+              <a:ext uri="{FF2B5EF4-FFF2-40B4-BE49-F238E27FC236}">
+                <a16:creationId xmlns:a16="http://schemas.microsoft.com/office/drawing/2014/main" id="{7D893ADC-3029-4D96-B238-5026CA1CD79F}"/>
+              </a:ext>
+            </a:extLst>
+          </p:cNvPr>
+          <p:cNvPicPr>
+            <a:picLocks noChangeAspect="1"/>
+          </p:cNvPicPr>
+          <p:nvPr/>
+        </p:nvPicPr>
+        <p:blipFill>
+          <a:blip r:embed="rId7"/>
+          <a:stretch>
+            <a:fillRect/>
+          </a:stretch>
+        </p:blipFill>
+        <p:spPr>
+          <a:xfrm>
+            <a:off x="6288818" y="5503348"/>
+            <a:ext cx="4801546" cy="744020"/>
+          </a:xfrm>
+          <a:prstGeom prst="rect">
+            <a:avLst/>
+          </a:prstGeom>
+        </p:spPr>
+      </p:pic>
+    </p:spTree>
+    <p:extLst>
+      <p:ext uri="{BB962C8B-B14F-4D97-AF65-F5344CB8AC3E}">
+        <p14:creationId xmlns:p14="http://schemas.microsoft.com/office/powerpoint/2010/main" val="2448350562"/>
+      </p:ext>
+    </p:extLst>
+  </p:cSld>
+  <p:clrMapOvr>
+    <a:masterClrMapping/>
+  </p:clrMapOvr>
+</p:sld>
+</file>
+
+<file path=ppt/slides/slide14.xml><?xml version="1.0" encoding="utf-8"?>
+<p:sld xmlns:a="http://schemas.openxmlformats.org/drawingml/2006/main" xmlns:r="http://schemas.openxmlformats.org/officeDocument/2006/relationships" xmlns:p="http://schemas.openxmlformats.org/presentationml/2006/main">
+  <p:cSld>
+    <p:spTree>
+      <p:nvGrpSpPr>
+        <p:cNvPr id="1" name=""/>
+        <p:cNvGrpSpPr/>
+        <p:nvPr/>
+      </p:nvGrpSpPr>
+      <p:grpSpPr>
+        <a:xfrm>
+          <a:off x="0" y="0"/>
+          <a:ext cx="0" cy="0"/>
+          <a:chOff x="0" y="0"/>
+          <a:chExt cx="0" cy="0"/>
+        </a:xfrm>
+      </p:grpSpPr>
+      <p:sp>
+        <p:nvSpPr>
+          <p:cNvPr id="2" name="제목 1">
+            <a:extLst>
+              <a:ext uri="{FF2B5EF4-FFF2-40B4-BE49-F238E27FC236}">
+                <a16:creationId xmlns:a16="http://schemas.microsoft.com/office/drawing/2014/main" id="{7710A6B2-6001-4BB0-8A47-5249DEF5D82F}"/>
+              </a:ext>
+            </a:extLst>
+          </p:cNvPr>
+          <p:cNvSpPr>
+            <a:spLocks noGrp="1"/>
+          </p:cNvSpPr>
+          <p:nvPr>
+            <p:ph type="title"/>
+          </p:nvPr>
+        </p:nvSpPr>
+        <p:spPr/>
+        <p:txBody>
+          <a:bodyPr/>
+          <a:lstStyle/>
+          <a:p>
+            <a:r>
+              <a:rPr lang="en-US" altLang="ko-KR" dirty="0"/>
+              <a:t>CCF</a:t>
+            </a:r>
+            <a:r>
+              <a:rPr lang="ko-KR" altLang="en-US" dirty="0"/>
+              <a:t> 구조 확인</a:t>
+            </a:r>
+          </a:p>
+        </p:txBody>
+      </p:sp>
+      <p:pic>
+        <p:nvPicPr>
+          <p:cNvPr id="12" name="내용 개체 틀 11">
+            <a:extLst>
+              <a:ext uri="{FF2B5EF4-FFF2-40B4-BE49-F238E27FC236}">
+                <a16:creationId xmlns:a16="http://schemas.microsoft.com/office/drawing/2014/main" id="{42EDF695-982B-4CFC-B1EF-1A7CFCC1C0D7}"/>
+              </a:ext>
+            </a:extLst>
+          </p:cNvPr>
+          <p:cNvPicPr>
+            <a:picLocks noGrp="1" noChangeAspect="1"/>
+          </p:cNvPicPr>
+          <p:nvPr>
+            <p:ph idx="1"/>
+          </p:nvPr>
+        </p:nvPicPr>
+        <p:blipFill>
+          <a:blip r:embed="rId2"/>
+          <a:stretch>
+            <a:fillRect/>
+          </a:stretch>
+        </p:blipFill>
+        <p:spPr>
+          <a:xfrm>
+            <a:off x="4585437" y="2396324"/>
+            <a:ext cx="3660556" cy="2550366"/>
           </a:xfrm>
           <a:prstGeom prst="rect">
             <a:avLst/>
@@ -4770,8 +5126,8 @@
           </a:p>
         </p:txBody>
       </p:sp>
-      <mc:AlternateContent xmlns:mc="http://schemas.openxmlformats.org/markup-compatibility/2006" xmlns:a14="http://schemas.microsoft.com/office/drawing/2010/main">
-        <mc:Choice Requires="a14">
+      <mc:AlternateContent xmlns:mc="http://schemas.openxmlformats.org/markup-compatibility/2006">
+        <mc:Choice xmlns:a14="http://schemas.microsoft.com/office/drawing/2010/main" Requires="a14">
           <p:sp>
             <p:nvSpPr>
               <p:cNvPr id="8" name="TextBox 7">
@@ -4787,7 +5143,7 @@
             <p:spPr>
               <a:xfrm>
                 <a:off x="4938153" y="5563142"/>
-                <a:ext cx="1655197" cy="369332"/>
+                <a:ext cx="2337563" cy="657937"/>
               </a:xfrm>
               <a:prstGeom prst="rect">
                 <a:avLst/>
@@ -4807,18 +5163,6 @@
                       <m:jc m:val="centerGroup"/>
                     </m:oMathParaPr>
                     <m:oMath xmlns:m="http://schemas.openxmlformats.org/officeDocument/2006/math">
-                      <m:r>
-                        <a:rPr lang="en-US" altLang="ko-KR" b="0" i="1" smtClean="0">
-                          <a:latin typeface="Cambria Math" panose="02040503050406030204" pitchFamily="18" charset="0"/>
-                        </a:rPr>
-                        <m:t>𝑦</m:t>
-                      </m:r>
-                      <m:r>
-                        <a:rPr lang="en-US" altLang="ko-KR" b="0" i="1" smtClean="0">
-                          <a:latin typeface="Cambria Math" panose="02040503050406030204" pitchFamily="18" charset="0"/>
-                        </a:rPr>
-                        <m:t>=</m:t>
-                      </m:r>
                       <m:sSub>
                         <m:sSubPr>
                           <m:ctrlPr>
@@ -4832,7 +5176,7 @@
                             <a:rPr lang="en-US" altLang="ko-KR" b="0" i="1" smtClean="0">
                               <a:latin typeface="Cambria Math" panose="02040503050406030204" pitchFamily="18" charset="0"/>
                             </a:rPr>
-                            <m:t>𝑤</m:t>
+                            <m:t>𝑌</m:t>
                           </m:r>
                         </m:e>
                         <m:sub>
@@ -4840,10 +5184,135 @@
                             <a:rPr lang="en-US" altLang="ko-KR" b="0" i="1" smtClean="0">
                               <a:latin typeface="Cambria Math" panose="02040503050406030204" pitchFamily="18" charset="0"/>
                             </a:rPr>
-                            <m:t>0</m:t>
+                            <m:t>𝑡</m:t>
                           </m:r>
                         </m:sub>
                       </m:sSub>
+                      <m:r>
+                        <a:rPr lang="en-US" altLang="ko-KR" b="0" i="1" smtClean="0">
+                          <a:latin typeface="Cambria Math" panose="02040503050406030204" pitchFamily="18" charset="0"/>
+                        </a:rPr>
+                        <m:t>=</m:t>
+                      </m:r>
+                      <m:f>
+                        <m:fPr>
+                          <m:ctrlPr>
+                            <a:rPr lang="en-US" altLang="ko-KR" i="1" smtClean="0">
+                              <a:latin typeface="Cambria Math" panose="02040503050406030204" pitchFamily="18" charset="0"/>
+                            </a:rPr>
+                          </m:ctrlPr>
+                        </m:fPr>
+                        <m:num>
+                          <m:sSub>
+                            <m:sSubPr>
+                              <m:ctrlPr>
+                                <a:rPr lang="en-US" altLang="ko-KR" i="1">
+                                  <a:latin typeface="Cambria Math" panose="02040503050406030204" pitchFamily="18" charset="0"/>
+                                </a:rPr>
+                              </m:ctrlPr>
+                            </m:sSubPr>
+                            <m:e>
+                              <m:r>
+                                <a:rPr lang="en-US" altLang="ko-KR" i="1">
+                                  <a:latin typeface="Cambria Math" panose="02040503050406030204" pitchFamily="18" charset="0"/>
+                                </a:rPr>
+                                <m:t>𝑤</m:t>
+                              </m:r>
+                            </m:e>
+                            <m:sub>
+                              <m:r>
+                                <a:rPr lang="en-US" altLang="ko-KR" i="1">
+                                  <a:latin typeface="Cambria Math" panose="02040503050406030204" pitchFamily="18" charset="0"/>
+                                </a:rPr>
+                                <m:t>0</m:t>
+                              </m:r>
+                            </m:sub>
+                          </m:sSub>
+                          <m:sSub>
+                            <m:sSubPr>
+                              <m:ctrlPr>
+                                <a:rPr lang="en-US" altLang="ko-KR" i="1">
+                                  <a:latin typeface="Cambria Math" panose="02040503050406030204" pitchFamily="18" charset="0"/>
+                                </a:rPr>
+                              </m:ctrlPr>
+                            </m:sSubPr>
+                            <m:e>
+                              <m:r>
+                                <a:rPr lang="en-US" altLang="ko-KR" i="1">
+                                  <a:latin typeface="Cambria Math" panose="02040503050406030204" pitchFamily="18" charset="0"/>
+                                </a:rPr>
+                                <m:t>𝐵</m:t>
+                              </m:r>
+                            </m:e>
+                            <m:sub>
+                              <m:r>
+                                <a:rPr lang="en-US" altLang="ko-KR" i="1">
+                                  <a:latin typeface="Cambria Math" panose="02040503050406030204" pitchFamily="18" charset="0"/>
+                                </a:rPr>
+                                <m:t>0</m:t>
+                              </m:r>
+                            </m:sub>
+                          </m:sSub>
+                        </m:num>
+                        <m:den>
+                          <m:r>
+                            <a:rPr lang="en-US" altLang="ko-KR" i="1">
+                              <a:latin typeface="Cambria Math" panose="02040503050406030204" pitchFamily="18" charset="0"/>
+                            </a:rPr>
+                            <m:t>1−</m:t>
+                          </m:r>
+                          <m:sSub>
+                            <m:sSubPr>
+                              <m:ctrlPr>
+                                <a:rPr lang="en-US" altLang="ko-KR" i="1">
+                                  <a:latin typeface="Cambria Math" panose="02040503050406030204" pitchFamily="18" charset="0"/>
+                                </a:rPr>
+                              </m:ctrlPr>
+                            </m:sSubPr>
+                            <m:e>
+                              <m:r>
+                                <a:rPr lang="ko-KR" altLang="en-US" i="1">
+                                  <a:latin typeface="Cambria Math" panose="02040503050406030204" pitchFamily="18" charset="0"/>
+                                </a:rPr>
+                                <m:t>𝛿</m:t>
+                              </m:r>
+                            </m:e>
+                            <m:sub>
+                              <m:r>
+                                <a:rPr lang="en-US" altLang="ko-KR" i="1">
+                                  <a:latin typeface="Cambria Math" panose="02040503050406030204" pitchFamily="18" charset="0"/>
+                                </a:rPr>
+                                <m:t>5</m:t>
+                              </m:r>
+                            </m:sub>
+                          </m:sSub>
+                          <m:sSub>
+                            <m:sSubPr>
+                              <m:ctrlPr>
+                                <a:rPr lang="en-US" altLang="ko-KR" i="1">
+                                  <a:latin typeface="Cambria Math" panose="02040503050406030204" pitchFamily="18" charset="0"/>
+                                </a:rPr>
+                              </m:ctrlPr>
+                            </m:sSubPr>
+                            <m:e>
+                              <m:r>
+                                <a:rPr lang="en-US" altLang="ko-KR" i="1">
+                                  <a:latin typeface="Cambria Math" panose="02040503050406030204" pitchFamily="18" charset="0"/>
+                                </a:rPr>
+                                <m:t>𝐵</m:t>
+                              </m:r>
+                            </m:e>
+                            <m:sub>
+                              <m:r>
+                                <a:rPr lang="en-US" altLang="ko-KR" i="1">
+                                  <a:latin typeface="Cambria Math" panose="02040503050406030204" pitchFamily="18" charset="0"/>
+                                </a:rPr>
+                                <m:t>5</m:t>
+                              </m:r>
+                            </m:sub>
+                          </m:sSub>
+                        </m:den>
+                      </m:f>
                       <m:sSub>
                         <m:sSubPr>
                           <m:ctrlPr>
@@ -4865,7 +5334,7 @@
                             <a:rPr lang="en-US" altLang="ko-KR" b="0" i="1" smtClean="0">
                               <a:latin typeface="Cambria Math" panose="02040503050406030204" pitchFamily="18" charset="0"/>
                             </a:rPr>
-                            <m:t>0</m:t>
+                            <m:t>𝑡</m:t>
                           </m:r>
                         </m:sub>
                       </m:sSub>
@@ -4889,7 +5358,7 @@
             </p:txBody>
           </p:sp>
         </mc:Choice>
-        <mc:Fallback xmlns="">
+        <mc:Fallback>
           <p:sp>
             <p:nvSpPr>
               <p:cNvPr id="8" name="TextBox 7">
@@ -4907,15 +5376,15 @@
             <p:spPr>
               <a:xfrm>
                 <a:off x="4938153" y="5563142"/>
-                <a:ext cx="1655197" cy="369332"/>
+                <a:ext cx="2337563" cy="657937"/>
               </a:xfrm>
               <a:prstGeom prst="rect">
                 <a:avLst/>
               </a:prstGeom>
               <a:blipFill>
-                <a:blip r:embed="rId5"/>
+                <a:blip r:embed="rId3"/>
                 <a:stretch>
-                  <a:fillRect b="-10000"/>
+                  <a:fillRect/>
                 </a:stretch>
               </a:blipFill>
             </p:spPr>
@@ -4934,6 +5403,66 @@
           </p:sp>
         </mc:Fallback>
       </mc:AlternateContent>
+      <p:pic>
+        <p:nvPicPr>
+          <p:cNvPr id="13" name="그림 12">
+            <a:extLst>
+              <a:ext uri="{FF2B5EF4-FFF2-40B4-BE49-F238E27FC236}">
+                <a16:creationId xmlns:a16="http://schemas.microsoft.com/office/drawing/2014/main" id="{759BF992-C32B-4CAA-8F76-05F6EFB69426}"/>
+              </a:ext>
+            </a:extLst>
+          </p:cNvPr>
+          <p:cNvPicPr>
+            <a:picLocks noChangeAspect="1"/>
+          </p:cNvPicPr>
+          <p:nvPr/>
+        </p:nvPicPr>
+        <p:blipFill>
+          <a:blip r:embed="rId4"/>
+          <a:stretch>
+            <a:fillRect/>
+          </a:stretch>
+        </p:blipFill>
+        <p:spPr>
+          <a:xfrm>
+            <a:off x="8657526" y="2396324"/>
+            <a:ext cx="3224212" cy="2550366"/>
+          </a:xfrm>
+          <a:prstGeom prst="rect">
+            <a:avLst/>
+          </a:prstGeom>
+        </p:spPr>
+      </p:pic>
+      <p:pic>
+        <p:nvPicPr>
+          <p:cNvPr id="11" name="그림 10">
+            <a:extLst>
+              <a:ext uri="{FF2B5EF4-FFF2-40B4-BE49-F238E27FC236}">
+                <a16:creationId xmlns:a16="http://schemas.microsoft.com/office/drawing/2014/main" id="{E177C6A8-2AD8-4C79-A10E-4F489FF4ADD0}"/>
+              </a:ext>
+            </a:extLst>
+          </p:cNvPr>
+          <p:cNvPicPr>
+            <a:picLocks noChangeAspect="1"/>
+          </p:cNvPicPr>
+          <p:nvPr/>
+        </p:nvPicPr>
+        <p:blipFill>
+          <a:blip r:embed="rId5"/>
+          <a:stretch>
+            <a:fillRect/>
+          </a:stretch>
+        </p:blipFill>
+        <p:spPr>
+          <a:xfrm>
+            <a:off x="392465" y="2396324"/>
+            <a:ext cx="3892152" cy="2550366"/>
+          </a:xfrm>
+          <a:prstGeom prst="rect">
+            <a:avLst/>
+          </a:prstGeom>
+        </p:spPr>
+      </p:pic>
       <p:sp>
         <p:nvSpPr>
           <p:cNvPr id="9" name="사각형: 둥근 모서리 8">
@@ -4948,8 +5477,8 @@
         </p:nvSpPr>
         <p:spPr>
           <a:xfrm>
-            <a:off x="8342811" y="2302702"/>
-            <a:ext cx="3481869" cy="2226387"/>
+            <a:off x="8491636" y="2374886"/>
+            <a:ext cx="3547964" cy="2550366"/>
           </a:xfrm>
           <a:prstGeom prst="roundRect">
             <a:avLst/>
@@ -4986,269 +5515,62 @@
           </a:p>
         </p:txBody>
       </p:sp>
+      <p:sp>
+        <p:nvSpPr>
+          <p:cNvPr id="14" name="타원 13">
+            <a:extLst>
+              <a:ext uri="{FF2B5EF4-FFF2-40B4-BE49-F238E27FC236}">
+                <a16:creationId xmlns:a16="http://schemas.microsoft.com/office/drawing/2014/main" id="{2265254E-3DC5-4AAA-AF9B-974F51C8E561}"/>
+              </a:ext>
+            </a:extLst>
+          </p:cNvPr>
+          <p:cNvSpPr/>
+          <p:nvPr/>
+        </p:nvSpPr>
+        <p:spPr>
+          <a:xfrm>
+            <a:off x="10572205" y="4371701"/>
+            <a:ext cx="139337" cy="113211"/>
+          </a:xfrm>
+          <a:prstGeom prst="ellipse">
+            <a:avLst/>
+          </a:prstGeom>
+          <a:noFill/>
+          <a:ln>
+            <a:solidFill>
+              <a:srgbClr val="C00000"/>
+            </a:solidFill>
+          </a:ln>
+        </p:spPr>
+        <p:style>
+          <a:lnRef idx="2">
+            <a:schemeClr val="accent1">
+              <a:shade val="50000"/>
+            </a:schemeClr>
+          </a:lnRef>
+          <a:fillRef idx="1">
+            <a:schemeClr val="accent1"/>
+          </a:fillRef>
+          <a:effectRef idx="0">
+            <a:schemeClr val="accent1"/>
+          </a:effectRef>
+          <a:fontRef idx="minor">
+            <a:schemeClr val="lt1"/>
+          </a:fontRef>
+        </p:style>
+        <p:txBody>
+          <a:bodyPr rtlCol="0" anchor="ctr"/>
+          <a:lstStyle/>
+          <a:p>
+            <a:pPr algn="ctr"/>
+            <a:endParaRPr lang="ko-KR" altLang="en-US"/>
+          </a:p>
+        </p:txBody>
+      </p:sp>
     </p:spTree>
     <p:extLst>
       <p:ext uri="{BB962C8B-B14F-4D97-AF65-F5344CB8AC3E}">
         <p14:creationId xmlns:p14="http://schemas.microsoft.com/office/powerpoint/2010/main" val="3553948622"/>
-      </p:ext>
-    </p:extLst>
-  </p:cSld>
-  <p:clrMapOvr>
-    <a:masterClrMapping/>
-  </p:clrMapOvr>
-</p:sld>
-</file>
-
-<file path=ppt/slides/slide14.xml><?xml version="1.0" encoding="utf-8"?>
-<p:sld xmlns:a="http://schemas.openxmlformats.org/drawingml/2006/main" xmlns:r="http://schemas.openxmlformats.org/officeDocument/2006/relationships" xmlns:p="http://schemas.openxmlformats.org/presentationml/2006/main">
-  <p:cSld>
-    <p:spTree>
-      <p:nvGrpSpPr>
-        <p:cNvPr id="1" name=""/>
-        <p:cNvGrpSpPr/>
-        <p:nvPr/>
-      </p:nvGrpSpPr>
-      <p:grpSpPr>
-        <a:xfrm>
-          <a:off x="0" y="0"/>
-          <a:ext cx="0" cy="0"/>
-          <a:chOff x="0" y="0"/>
-          <a:chExt cx="0" cy="0"/>
-        </a:xfrm>
-      </p:grpSpPr>
-      <p:sp>
-        <p:nvSpPr>
-          <p:cNvPr id="2" name="제목 1">
-            <a:extLst>
-              <a:ext uri="{FF2B5EF4-FFF2-40B4-BE49-F238E27FC236}">
-                <a16:creationId xmlns:a16="http://schemas.microsoft.com/office/drawing/2014/main" id="{A17D161B-A9EC-4416-9DE4-1CF1DF4777E1}"/>
-              </a:ext>
-            </a:extLst>
-          </p:cNvPr>
-          <p:cNvSpPr>
-            <a:spLocks noGrp="1"/>
-          </p:cNvSpPr>
-          <p:nvPr>
-            <p:ph type="title"/>
-          </p:nvPr>
-        </p:nvSpPr>
-        <p:spPr/>
-        <p:txBody>
-          <a:bodyPr/>
-          <a:lstStyle/>
-          <a:p>
-            <a:r>
-              <a:rPr lang="ko-KR" altLang="en-US" dirty="0"/>
-              <a:t>모형 적합</a:t>
-            </a:r>
-          </a:p>
-        </p:txBody>
-      </p:sp>
-      <p:sp>
-        <p:nvSpPr>
-          <p:cNvPr id="3" name="내용 개체 틀 2">
-            <a:extLst>
-              <a:ext uri="{FF2B5EF4-FFF2-40B4-BE49-F238E27FC236}">
-                <a16:creationId xmlns:a16="http://schemas.microsoft.com/office/drawing/2014/main" id="{EAB27063-D2D0-4208-BDBB-261D544725C6}"/>
-              </a:ext>
-            </a:extLst>
-          </p:cNvPr>
-          <p:cNvSpPr>
-            <a:spLocks noGrp="1"/>
-          </p:cNvSpPr>
-          <p:nvPr>
-            <p:ph idx="1"/>
-          </p:nvPr>
-        </p:nvSpPr>
-        <p:spPr/>
-        <p:txBody>
-          <a:bodyPr/>
-          <a:lstStyle/>
-          <a:p>
-            <a:r>
-              <a:rPr lang="ko-KR" altLang="en-US" dirty="0" err="1"/>
-              <a:t>가적합</a:t>
-            </a:r>
-            <a:endParaRPr lang="en-US" altLang="ko-KR" dirty="0"/>
-          </a:p>
-          <a:p>
-            <a:endParaRPr lang="en-US" altLang="ko-KR" dirty="0"/>
-          </a:p>
-          <a:p>
-            <a:endParaRPr lang="en-US" altLang="ko-KR" dirty="0"/>
-          </a:p>
-          <a:p>
-            <a:pPr marL="0" indent="0">
-              <a:buNone/>
-            </a:pPr>
-            <a:r>
-              <a:rPr lang="en-US" altLang="ko-KR" dirty="0"/>
-              <a:t>- </a:t>
-            </a:r>
-            <a:r>
-              <a:rPr lang="ko-KR" altLang="en-US" dirty="0" err="1"/>
-              <a:t>가적합</a:t>
-            </a:r>
-            <a:r>
-              <a:rPr lang="ko-KR" altLang="en-US" dirty="0"/>
-              <a:t> </a:t>
-            </a:r>
-            <a:r>
-              <a:rPr lang="ko-KR" altLang="en-US" dirty="0" err="1"/>
-              <a:t>잔차를</a:t>
-            </a:r>
-            <a:r>
-              <a:rPr lang="ko-KR" altLang="en-US" dirty="0"/>
-              <a:t> </a:t>
-            </a:r>
-            <a:r>
-              <a:rPr lang="en-US" altLang="ko-KR" dirty="0"/>
-              <a:t>ARMA</a:t>
-            </a:r>
-            <a:r>
-              <a:rPr lang="ko-KR" altLang="en-US" dirty="0"/>
-              <a:t>로 적합하는 것을 </a:t>
-            </a:r>
-            <a:r>
-              <a:rPr lang="en-US" altLang="ko-KR" dirty="0"/>
-              <a:t>Y</a:t>
-            </a:r>
-            <a:r>
-              <a:rPr lang="ko-KR" altLang="en-US" dirty="0"/>
-              <a:t>와 </a:t>
-            </a:r>
-            <a:r>
-              <a:rPr lang="ko-KR" altLang="en-US" dirty="0" err="1"/>
-              <a:t>잔차의</a:t>
-            </a:r>
-            <a:r>
-              <a:rPr lang="ko-KR" altLang="en-US" dirty="0"/>
-              <a:t> </a:t>
-            </a:r>
-            <a:r>
-              <a:rPr lang="en-US" altLang="ko-KR" dirty="0"/>
-              <a:t>ARIMA</a:t>
-            </a:r>
-            <a:r>
-              <a:rPr lang="ko-KR" altLang="en-US" dirty="0"/>
-              <a:t>로 보는 외국 논문에 맞게 적합을 시도</a:t>
-            </a:r>
-            <a:endParaRPr lang="en-US" altLang="ko-KR" dirty="0"/>
-          </a:p>
-          <a:p>
-            <a:endParaRPr lang="en-US" altLang="ko-KR" dirty="0"/>
-          </a:p>
-          <a:p>
-            <a:pPr marL="0" indent="0">
-              <a:buNone/>
-            </a:pPr>
-            <a:r>
-              <a:rPr lang="en-US" altLang="ko-KR" dirty="0"/>
-              <a:t>- </a:t>
-            </a:r>
-            <a:r>
-              <a:rPr lang="ko-KR" altLang="en-US" dirty="0" err="1"/>
-              <a:t>잔차</a:t>
-            </a:r>
-            <a:r>
-              <a:rPr lang="ko-KR" altLang="en-US" dirty="0"/>
-              <a:t> 검정 결과 </a:t>
-            </a:r>
-            <a:r>
-              <a:rPr lang="ko-KR" altLang="en-US" dirty="0" err="1"/>
-              <a:t>가적합</a:t>
-            </a:r>
-            <a:r>
-              <a:rPr lang="ko-KR" altLang="en-US" dirty="0"/>
-              <a:t> </a:t>
-            </a:r>
-            <a:r>
-              <a:rPr lang="ko-KR" altLang="en-US" dirty="0" err="1"/>
-              <a:t>잔차</a:t>
-            </a:r>
-            <a:r>
-              <a:rPr lang="ko-KR" altLang="en-US" dirty="0"/>
-              <a:t> </a:t>
-            </a:r>
-            <a:r>
-              <a:rPr lang="en-US" altLang="ko-KR" dirty="0"/>
-              <a:t>e</a:t>
-            </a:r>
-            <a:r>
-              <a:rPr lang="ko-KR" altLang="en-US" dirty="0"/>
-              <a:t>는 </a:t>
-            </a:r>
-            <a:r>
-              <a:rPr lang="en-US" altLang="ko-KR" dirty="0"/>
-              <a:t>ARMA(1,0)</a:t>
-            </a:r>
-            <a:r>
-              <a:rPr lang="ko-KR" altLang="en-US" dirty="0"/>
-              <a:t>을 의심할 수 있으므로</a:t>
-            </a:r>
-            <a:r>
-              <a:rPr lang="en-US" altLang="ko-KR" dirty="0"/>
-              <a:t>, </a:t>
-            </a:r>
-            <a:r>
-              <a:rPr lang="ko-KR" altLang="en-US" dirty="0"/>
-              <a:t>이를</a:t>
-            </a:r>
-            <a:r>
-              <a:rPr lang="en-US" altLang="ko-KR" dirty="0"/>
-              <a:t> order</a:t>
-            </a:r>
-            <a:r>
-              <a:rPr lang="ko-KR" altLang="en-US" dirty="0"/>
-              <a:t>에 반영한다</a:t>
-            </a:r>
-            <a:r>
-              <a:rPr lang="en-US" altLang="ko-KR" dirty="0"/>
-              <a:t>.</a:t>
-            </a:r>
-          </a:p>
-          <a:p>
-            <a:endParaRPr lang="en-US" altLang="ko-KR" dirty="0"/>
-          </a:p>
-          <a:p>
-            <a:endParaRPr lang="ko-KR" altLang="en-US" dirty="0"/>
-          </a:p>
-        </p:txBody>
-      </p:sp>
-      <p:pic>
-        <p:nvPicPr>
-          <p:cNvPr id="4" name="그림 3">
-            <a:extLst>
-              <a:ext uri="{FF2B5EF4-FFF2-40B4-BE49-F238E27FC236}">
-                <a16:creationId xmlns:a16="http://schemas.microsoft.com/office/drawing/2014/main" id="{FD343B64-0F21-4E51-B893-10D8F9424640}"/>
-              </a:ext>
-            </a:extLst>
-          </p:cNvPr>
-          <p:cNvPicPr>
-            <a:picLocks noChangeAspect="1"/>
-          </p:cNvPicPr>
-          <p:nvPr/>
-        </p:nvPicPr>
-        <p:blipFill>
-          <a:blip r:embed="rId2"/>
-          <a:stretch>
-            <a:fillRect/>
-          </a:stretch>
-        </p:blipFill>
-        <p:spPr>
-          <a:xfrm>
-            <a:off x="1227228" y="2497318"/>
-            <a:ext cx="6086475" cy="447675"/>
-          </a:xfrm>
-          <a:prstGeom prst="rect">
-            <a:avLst/>
-          </a:prstGeom>
-        </p:spPr>
-      </p:pic>
-    </p:spTree>
-    <p:extLst>
-      <p:ext uri="{BB962C8B-B14F-4D97-AF65-F5344CB8AC3E}">
-        <p14:creationId xmlns:p14="http://schemas.microsoft.com/office/powerpoint/2010/main" val="423416693"/>
       </p:ext>
     </p:extLst>
   </p:cSld>
@@ -5280,7 +5602,7 @@
           <p:cNvPr id="2" name="제목 1">
             <a:extLst>
               <a:ext uri="{FF2B5EF4-FFF2-40B4-BE49-F238E27FC236}">
-                <a16:creationId xmlns:a16="http://schemas.microsoft.com/office/drawing/2014/main" id="{BF7A7565-0EB6-4FE5-8047-DFD2846C38C6}"/>
+                <a16:creationId xmlns:a16="http://schemas.microsoft.com/office/drawing/2014/main" id="{A17D161B-A9EC-4416-9DE4-1CF1DF4777E1}"/>
               </a:ext>
             </a:extLst>
           </p:cNvPr>
@@ -5308,7 +5630,7 @@
           <p:cNvPr id="3" name="내용 개체 틀 2">
             <a:extLst>
               <a:ext uri="{FF2B5EF4-FFF2-40B4-BE49-F238E27FC236}">
-                <a16:creationId xmlns:a16="http://schemas.microsoft.com/office/drawing/2014/main" id="{3B5EC270-EBB6-4DA2-B243-BDFA55387820}"/>
+                <a16:creationId xmlns:a16="http://schemas.microsoft.com/office/drawing/2014/main" id="{EAB27063-D2D0-4208-BDBB-261D544725C6}"/>
               </a:ext>
             </a:extLst>
           </p:cNvPr>
@@ -5325,12 +5647,91 @@
           <a:lstStyle/>
           <a:p>
             <a:r>
-              <a:rPr lang="en-US" altLang="ko-KR" dirty="0"/>
-              <a:t>Box – test </a:t>
-            </a:r>
-            <a:r>
-              <a:rPr lang="ko-KR" altLang="en-US" dirty="0"/>
-              <a:t>및 </a:t>
+              <a:rPr lang="ko-KR" altLang="en-US" dirty="0" err="1"/>
+              <a:t>가적합</a:t>
+            </a:r>
+            <a:endParaRPr lang="en-US" altLang="ko-KR" dirty="0"/>
+          </a:p>
+          <a:p>
+            <a:endParaRPr lang="en-US" altLang="ko-KR" dirty="0"/>
+          </a:p>
+          <a:p>
+            <a:endParaRPr lang="en-US" altLang="ko-KR" dirty="0"/>
+          </a:p>
+          <a:p>
+            <a:pPr marL="0" indent="0">
+              <a:buNone/>
+            </a:pPr>
+            <a:endParaRPr lang="en-US" altLang="ko-KR" dirty="0"/>
+          </a:p>
+          <a:p>
+            <a:pPr marL="0" indent="0">
+              <a:buNone/>
+            </a:pPr>
+            <a:r>
+              <a:rPr lang="en-US" altLang="ko-KR" dirty="0"/>
+              <a:t>- </a:t>
+            </a:r>
+            <a:r>
+              <a:rPr lang="ko-KR" altLang="en-US" dirty="0" err="1"/>
+              <a:t>가적합</a:t>
+            </a:r>
+            <a:r>
+              <a:rPr lang="ko-KR" altLang="en-US" dirty="0"/>
+              <a:t> </a:t>
+            </a:r>
+            <a:r>
+              <a:rPr lang="ko-KR" altLang="en-US" dirty="0" err="1"/>
+              <a:t>잔차를</a:t>
+            </a:r>
+            <a:r>
+              <a:rPr lang="ko-KR" altLang="en-US" dirty="0"/>
+              <a:t> </a:t>
+            </a:r>
+            <a:r>
+              <a:rPr lang="en-US" altLang="ko-KR" dirty="0"/>
+              <a:t>ARMA</a:t>
+            </a:r>
+            <a:r>
+              <a:rPr lang="ko-KR" altLang="en-US" dirty="0"/>
+              <a:t>로 적합하는 것을 </a:t>
+            </a:r>
+            <a:r>
+              <a:rPr lang="en-US" altLang="ko-KR" dirty="0"/>
+              <a:t>Y</a:t>
+            </a:r>
+            <a:r>
+              <a:rPr lang="ko-KR" altLang="en-US" dirty="0"/>
+              <a:t>와 </a:t>
+            </a:r>
+            <a:r>
+              <a:rPr lang="ko-KR" altLang="en-US" dirty="0" err="1"/>
+              <a:t>잔차의</a:t>
+            </a:r>
+            <a:r>
+              <a:rPr lang="ko-KR" altLang="en-US" dirty="0"/>
+              <a:t> </a:t>
+            </a:r>
+            <a:r>
+              <a:rPr lang="en-US" altLang="ko-KR" dirty="0"/>
+              <a:t>ARIMA</a:t>
+            </a:r>
+            <a:r>
+              <a:rPr lang="ko-KR" altLang="en-US" dirty="0"/>
+              <a:t>로 보는 외국 논문에 맞게 적합을 시도</a:t>
+            </a:r>
+            <a:endParaRPr lang="en-US" altLang="ko-KR" dirty="0"/>
+          </a:p>
+          <a:p>
+            <a:endParaRPr lang="en-US" altLang="ko-KR" dirty="0"/>
+          </a:p>
+          <a:p>
+            <a:pPr marL="0" indent="0">
+              <a:buNone/>
+            </a:pPr>
+            <a:r>
+              <a:rPr lang="en-US" altLang="ko-KR" dirty="0"/>
+              <a:t>- </a:t>
             </a:r>
             <a:r>
               <a:rPr lang="ko-KR" altLang="en-US" dirty="0" err="1"/>
@@ -5338,8 +5739,66 @@
             </a:r>
             <a:r>
               <a:rPr lang="ko-KR" altLang="en-US" dirty="0"/>
-              <a:t> 검정</a:t>
-            </a:r>
+              <a:t> 검정 결과 </a:t>
+            </a:r>
+            <a:r>
+              <a:rPr lang="ko-KR" altLang="en-US" dirty="0" err="1"/>
+              <a:t>가적합</a:t>
+            </a:r>
+            <a:r>
+              <a:rPr lang="ko-KR" altLang="en-US" dirty="0"/>
+              <a:t> </a:t>
+            </a:r>
+            <a:r>
+              <a:rPr lang="ko-KR" altLang="en-US" dirty="0" err="1"/>
+              <a:t>잔차</a:t>
+            </a:r>
+            <a:r>
+              <a:rPr lang="ko-KR" altLang="en-US" dirty="0"/>
+              <a:t> </a:t>
+            </a:r>
+            <a:r>
+              <a:rPr lang="en-US" altLang="ko-KR" dirty="0"/>
+              <a:t>e</a:t>
+            </a:r>
+            <a:r>
+              <a:rPr lang="ko-KR" altLang="en-US" dirty="0"/>
+              <a:t>는 </a:t>
+            </a:r>
+            <a:r>
+              <a:rPr lang="en-US" altLang="ko-KR" dirty="0"/>
+              <a:t>ARMA(1,0)</a:t>
+            </a:r>
+            <a:r>
+              <a:rPr lang="ko-KR" altLang="en-US" dirty="0"/>
+              <a:t>을 의심할 수 있으므로</a:t>
+            </a:r>
+            <a:r>
+              <a:rPr lang="en-US" altLang="ko-KR" dirty="0"/>
+              <a:t>, </a:t>
+            </a:r>
+            <a:r>
+              <a:rPr lang="ko-KR" altLang="en-US" dirty="0"/>
+              <a:t>이를</a:t>
+            </a:r>
+            <a:r>
+              <a:rPr lang="en-US" altLang="ko-KR" dirty="0"/>
+              <a:t> order</a:t>
+            </a:r>
+            <a:r>
+              <a:rPr lang="ko-KR" altLang="en-US" dirty="0"/>
+              <a:t>에 반영한다</a:t>
+            </a:r>
+            <a:r>
+              <a:rPr lang="en-US" altLang="ko-KR" dirty="0"/>
+              <a:t>.</a:t>
+            </a:r>
+          </a:p>
+          <a:p>
+            <a:endParaRPr lang="en-US" altLang="ko-KR" dirty="0"/>
+          </a:p>
+          <a:p>
+            <a:endParaRPr lang="ko-KR" altLang="en-US" dirty="0"/>
           </a:p>
         </p:txBody>
       </p:sp>
@@ -5348,7 +5807,7 @@
           <p:cNvPr id="5" name="그림 4">
             <a:extLst>
               <a:ext uri="{FF2B5EF4-FFF2-40B4-BE49-F238E27FC236}">
-                <a16:creationId xmlns:a16="http://schemas.microsoft.com/office/drawing/2014/main" id="{337355AC-D546-4413-B29E-CFEF78C8D843}"/>
+                <a16:creationId xmlns:a16="http://schemas.microsoft.com/office/drawing/2014/main" id="{61463D73-63FB-4563-8363-DFCF64318831}"/>
               </a:ext>
             </a:extLst>
           </p:cNvPr>
@@ -5365,320 +5824,18 @@
         </p:blipFill>
         <p:spPr>
           <a:xfrm>
-            <a:off x="4586287" y="2405855"/>
-            <a:ext cx="3667125" cy="771525"/>
+            <a:off x="1309687" y="2405062"/>
+            <a:ext cx="5948363" cy="1347788"/>
           </a:xfrm>
           <a:prstGeom prst="rect">
             <a:avLst/>
           </a:prstGeom>
         </p:spPr>
       </p:pic>
-      <p:pic>
-        <p:nvPicPr>
-          <p:cNvPr id="6" name="그림 5">
-            <a:extLst>
-              <a:ext uri="{FF2B5EF4-FFF2-40B4-BE49-F238E27FC236}">
-                <a16:creationId xmlns:a16="http://schemas.microsoft.com/office/drawing/2014/main" id="{2D9A3F5C-34E2-47A2-ADE8-8A35F922D133}"/>
-              </a:ext>
-            </a:extLst>
-          </p:cNvPr>
-          <p:cNvPicPr>
-            <a:picLocks noChangeAspect="1"/>
-          </p:cNvPicPr>
-          <p:nvPr/>
-        </p:nvPicPr>
-        <p:blipFill>
-          <a:blip r:embed="rId3"/>
-          <a:stretch>
-            <a:fillRect/>
-          </a:stretch>
-        </p:blipFill>
-        <p:spPr>
-          <a:xfrm>
-            <a:off x="348033" y="3529738"/>
-            <a:ext cx="3357935" cy="2898843"/>
-          </a:xfrm>
-          <a:prstGeom prst="rect">
-            <a:avLst/>
-          </a:prstGeom>
-        </p:spPr>
-      </p:pic>
-      <p:pic>
-        <p:nvPicPr>
-          <p:cNvPr id="7" name="그림 6">
-            <a:extLst>
-              <a:ext uri="{FF2B5EF4-FFF2-40B4-BE49-F238E27FC236}">
-                <a16:creationId xmlns:a16="http://schemas.microsoft.com/office/drawing/2014/main" id="{20251E47-5404-4746-A377-3C6A48CD271E}"/>
-              </a:ext>
-            </a:extLst>
-          </p:cNvPr>
-          <p:cNvPicPr>
-            <a:picLocks noChangeAspect="1"/>
-          </p:cNvPicPr>
-          <p:nvPr/>
-        </p:nvPicPr>
-        <p:blipFill>
-          <a:blip r:embed="rId4"/>
-          <a:stretch>
-            <a:fillRect/>
-          </a:stretch>
-        </p:blipFill>
-        <p:spPr>
-          <a:xfrm>
-            <a:off x="4244502" y="3573032"/>
-            <a:ext cx="3285382" cy="2812254"/>
-          </a:xfrm>
-          <a:prstGeom prst="rect">
-            <a:avLst/>
-          </a:prstGeom>
-        </p:spPr>
-      </p:pic>
-      <p:pic>
-        <p:nvPicPr>
-          <p:cNvPr id="8" name="그림 7">
-            <a:extLst>
-              <a:ext uri="{FF2B5EF4-FFF2-40B4-BE49-F238E27FC236}">
-                <a16:creationId xmlns:a16="http://schemas.microsoft.com/office/drawing/2014/main" id="{4DB422BC-FC6D-4B55-A8E4-9F870A4302EE}"/>
-              </a:ext>
-            </a:extLst>
-          </p:cNvPr>
-          <p:cNvPicPr>
-            <a:picLocks noChangeAspect="1"/>
-          </p:cNvPicPr>
-          <p:nvPr/>
-        </p:nvPicPr>
-        <p:blipFill>
-          <a:blip r:embed="rId5"/>
-          <a:stretch>
-            <a:fillRect/>
-          </a:stretch>
-        </p:blipFill>
-        <p:spPr>
-          <a:xfrm>
-            <a:off x="8173193" y="3573031"/>
-            <a:ext cx="3285382" cy="2812253"/>
-          </a:xfrm>
-          <a:prstGeom prst="rect">
-            <a:avLst/>
-          </a:prstGeom>
-        </p:spPr>
-      </p:pic>
-      <p:sp>
-        <p:nvSpPr>
-          <p:cNvPr id="9" name="TextBox 8">
-            <a:extLst>
-              <a:ext uri="{FF2B5EF4-FFF2-40B4-BE49-F238E27FC236}">
-                <a16:creationId xmlns:a16="http://schemas.microsoft.com/office/drawing/2014/main" id="{1397887E-7C60-48E8-936B-145483E45E45}"/>
-              </a:ext>
-            </a:extLst>
-          </p:cNvPr>
-          <p:cNvSpPr txBox="1"/>
-          <p:nvPr/>
-        </p:nvSpPr>
-        <p:spPr>
-          <a:xfrm>
-            <a:off x="1313633" y="3388365"/>
-            <a:ext cx="1585690" cy="369332"/>
-          </a:xfrm>
-          <a:prstGeom prst="rect">
-            <a:avLst/>
-          </a:prstGeom>
-          <a:noFill/>
-        </p:spPr>
-        <p:txBody>
-          <a:bodyPr wrap="none" rtlCol="0">
-            <a:spAutoFit/>
-          </a:bodyPr>
-          <a:lstStyle/>
-          <a:p>
-            <a:r>
-              <a:rPr lang="en-US" altLang="ko-KR" dirty="0"/>
-              <a:t>&lt;</a:t>
-            </a:r>
-            <a:r>
-              <a:rPr lang="ko-KR" altLang="en-US" dirty="0" err="1"/>
-              <a:t>잔차의</a:t>
-            </a:r>
-            <a:r>
-              <a:rPr lang="ko-KR" altLang="en-US" dirty="0"/>
-              <a:t> </a:t>
-            </a:r>
-            <a:r>
-              <a:rPr lang="en-US" altLang="ko-KR" dirty="0" err="1"/>
-              <a:t>acf</a:t>
-            </a:r>
-            <a:r>
-              <a:rPr lang="en-US" altLang="ko-KR" dirty="0"/>
-              <a:t>&gt;</a:t>
-            </a:r>
-            <a:endParaRPr lang="ko-KR" altLang="en-US" dirty="0"/>
-          </a:p>
-        </p:txBody>
-      </p:sp>
-      <p:sp>
-        <p:nvSpPr>
-          <p:cNvPr id="10" name="TextBox 9">
-            <a:extLst>
-              <a:ext uri="{FF2B5EF4-FFF2-40B4-BE49-F238E27FC236}">
-                <a16:creationId xmlns:a16="http://schemas.microsoft.com/office/drawing/2014/main" id="{F7A2E18E-98BB-4D72-9F42-8F6BD0130220}"/>
-              </a:ext>
-            </a:extLst>
-          </p:cNvPr>
-          <p:cNvSpPr txBox="1"/>
-          <p:nvPr/>
-        </p:nvSpPr>
-        <p:spPr>
-          <a:xfrm>
-            <a:off x="5036993" y="3438095"/>
-            <a:ext cx="1805174" cy="369332"/>
-          </a:xfrm>
-          <a:prstGeom prst="rect">
-            <a:avLst/>
-          </a:prstGeom>
-          <a:noFill/>
-        </p:spPr>
-        <p:txBody>
-          <a:bodyPr wrap="none" rtlCol="0">
-            <a:spAutoFit/>
-          </a:bodyPr>
-          <a:lstStyle/>
-          <a:p>
-            <a:r>
-              <a:rPr lang="en-US" altLang="ko-KR" dirty="0"/>
-              <a:t>&lt;</a:t>
-            </a:r>
-            <a:r>
-              <a:rPr lang="ko-KR" altLang="en-US" dirty="0" err="1"/>
-              <a:t>잔차의</a:t>
-            </a:r>
-            <a:r>
-              <a:rPr lang="ko-KR" altLang="en-US" dirty="0"/>
-              <a:t> </a:t>
-            </a:r>
-            <a:r>
-              <a:rPr lang="en-US" altLang="ko-KR" dirty="0"/>
-              <a:t>PACF&gt;</a:t>
-            </a:r>
-            <a:endParaRPr lang="ko-KR" altLang="en-US" dirty="0"/>
-          </a:p>
-        </p:txBody>
-      </p:sp>
-      <p:sp>
-        <p:nvSpPr>
-          <p:cNvPr id="11" name="TextBox 10">
-            <a:extLst>
-              <a:ext uri="{FF2B5EF4-FFF2-40B4-BE49-F238E27FC236}">
-                <a16:creationId xmlns:a16="http://schemas.microsoft.com/office/drawing/2014/main" id="{5F805F0F-0E26-47FD-AD57-E858D53BAD75}"/>
-              </a:ext>
-            </a:extLst>
-          </p:cNvPr>
-          <p:cNvSpPr txBox="1"/>
-          <p:nvPr/>
-        </p:nvSpPr>
-        <p:spPr>
-          <a:xfrm>
-            <a:off x="8638903" y="3429000"/>
-            <a:ext cx="2919132" cy="369332"/>
-          </a:xfrm>
-          <a:prstGeom prst="rect">
-            <a:avLst/>
-          </a:prstGeom>
-          <a:noFill/>
-        </p:spPr>
-        <p:txBody>
-          <a:bodyPr wrap="none" rtlCol="0">
-            <a:spAutoFit/>
-          </a:bodyPr>
-          <a:lstStyle/>
-          <a:p>
-            <a:r>
-              <a:rPr lang="en-US" altLang="ko-KR" dirty="0"/>
-              <a:t>&lt;</a:t>
-            </a:r>
-            <a:r>
-              <a:rPr lang="ko-KR" altLang="en-US" dirty="0"/>
-              <a:t>투입계열과 </a:t>
-            </a:r>
-            <a:r>
-              <a:rPr lang="ko-KR" altLang="en-US" dirty="0" err="1"/>
-              <a:t>잔차의</a:t>
-            </a:r>
-            <a:r>
-              <a:rPr lang="ko-KR" altLang="en-US" dirty="0"/>
-              <a:t> </a:t>
-            </a:r>
-            <a:r>
-              <a:rPr lang="en-US" altLang="ko-KR" dirty="0"/>
-              <a:t>CCF&gt;</a:t>
-            </a:r>
-            <a:endParaRPr lang="ko-KR" altLang="en-US" dirty="0"/>
-          </a:p>
-        </p:txBody>
-      </p:sp>
-      <p:sp>
-        <p:nvSpPr>
-          <p:cNvPr id="12" name="TextBox 11">
-            <a:extLst>
-              <a:ext uri="{FF2B5EF4-FFF2-40B4-BE49-F238E27FC236}">
-                <a16:creationId xmlns:a16="http://schemas.microsoft.com/office/drawing/2014/main" id="{D6FD671D-C0EE-47BD-A05C-C828777F6ED1}"/>
-              </a:ext>
-            </a:extLst>
-          </p:cNvPr>
-          <p:cNvSpPr txBox="1"/>
-          <p:nvPr/>
-        </p:nvSpPr>
-        <p:spPr>
-          <a:xfrm>
-            <a:off x="2429691" y="6364148"/>
-            <a:ext cx="7733207" cy="369332"/>
-          </a:xfrm>
-          <a:prstGeom prst="rect">
-            <a:avLst/>
-          </a:prstGeom>
-          <a:noFill/>
-        </p:spPr>
-        <p:txBody>
-          <a:bodyPr wrap="none" rtlCol="0">
-            <a:spAutoFit/>
-          </a:bodyPr>
-          <a:lstStyle/>
-          <a:p>
-            <a:r>
-              <a:rPr lang="en-US" altLang="ko-KR" dirty="0"/>
-              <a:t>BOX-test </a:t>
-            </a:r>
-            <a:r>
-              <a:rPr lang="ko-KR" altLang="en-US" dirty="0"/>
-              <a:t>결과 </a:t>
-            </a:r>
-            <a:r>
-              <a:rPr lang="ko-KR" altLang="en-US" dirty="0" err="1"/>
-              <a:t>잔차의</a:t>
-            </a:r>
-            <a:r>
-              <a:rPr lang="ko-KR" altLang="en-US" dirty="0"/>
-              <a:t> 시계열성은 제거되었고</a:t>
-            </a:r>
-            <a:r>
-              <a:rPr lang="en-US" altLang="ko-KR" dirty="0"/>
-              <a:t>, </a:t>
-            </a:r>
-            <a:r>
-              <a:rPr lang="ko-KR" altLang="en-US" dirty="0"/>
-              <a:t>완전한 백색잡음이 되었다</a:t>
-            </a:r>
-            <a:r>
-              <a:rPr lang="en-US" altLang="ko-KR" dirty="0"/>
-              <a:t>.</a:t>
-            </a:r>
-            <a:endParaRPr lang="ko-KR" altLang="en-US" dirty="0"/>
-          </a:p>
-        </p:txBody>
-      </p:sp>
     </p:spTree>
     <p:extLst>
       <p:ext uri="{BB962C8B-B14F-4D97-AF65-F5344CB8AC3E}">
-        <p14:creationId xmlns:p14="http://schemas.microsoft.com/office/powerpoint/2010/main" val="3565299466"/>
+        <p14:creationId xmlns:p14="http://schemas.microsoft.com/office/powerpoint/2010/main" val="423416693"/>
       </p:ext>
     </p:extLst>
   </p:cSld>
@@ -5710,7 +5867,7 @@
           <p:cNvPr id="2" name="제목 1">
             <a:extLst>
               <a:ext uri="{FF2B5EF4-FFF2-40B4-BE49-F238E27FC236}">
-                <a16:creationId xmlns:a16="http://schemas.microsoft.com/office/drawing/2014/main" id="{F1233A13-6565-4614-A84B-CEADDAE36908}"/>
+                <a16:creationId xmlns:a16="http://schemas.microsoft.com/office/drawing/2014/main" id="{BF7A7565-0EB6-4FE5-8047-DFD2846C38C6}"/>
               </a:ext>
             </a:extLst>
           </p:cNvPr>
@@ -5728,7 +5885,7 @@
           <a:p>
             <a:r>
               <a:rPr lang="ko-KR" altLang="en-US" dirty="0"/>
-              <a:t>모형 테스트</a:t>
+              <a:t>모형 적합</a:t>
             </a:r>
           </a:p>
         </p:txBody>
@@ -5738,7 +5895,7 @@
           <p:cNvPr id="3" name="내용 개체 틀 2">
             <a:extLst>
               <a:ext uri="{FF2B5EF4-FFF2-40B4-BE49-F238E27FC236}">
-                <a16:creationId xmlns:a16="http://schemas.microsoft.com/office/drawing/2014/main" id="{1B6EE8A2-6AE4-4C7E-83D9-5B758BBA9EF1}"/>
+                <a16:creationId xmlns:a16="http://schemas.microsoft.com/office/drawing/2014/main" id="{3B5EC270-EBB6-4DA2-B243-BDFA55387820}"/>
               </a:ext>
             </a:extLst>
           </p:cNvPr>
@@ -5755,103 +5912,360 @@
           <a:lstStyle/>
           <a:p>
             <a:r>
+              <a:rPr lang="en-US" altLang="ko-KR" dirty="0"/>
+              <a:t>Box – test </a:t>
+            </a:r>
+            <a:r>
+              <a:rPr lang="ko-KR" altLang="en-US" dirty="0"/>
+              <a:t>및 </a:t>
+            </a:r>
+            <a:r>
               <a:rPr lang="ko-KR" altLang="en-US" dirty="0" err="1"/>
-              <a:t>예측값</a:t>
-            </a:r>
-            <a:r>
-              <a:rPr lang="ko-KR" altLang="en-US" dirty="0"/>
-              <a:t> 생성</a:t>
-            </a:r>
-            <a:endParaRPr lang="en-US" altLang="ko-KR" dirty="0"/>
-          </a:p>
-          <a:p>
-            <a:endParaRPr lang="en-US" altLang="ko-KR" dirty="0"/>
-          </a:p>
-          <a:p>
-            <a:pPr marL="0" indent="0">
-              <a:buNone/>
-            </a:pPr>
-            <a:r>
-              <a:rPr lang="en-US" altLang="ko-KR" dirty="0"/>
-              <a:t>- </a:t>
-            </a:r>
-            <a:r>
-              <a:rPr lang="ko-KR" altLang="en-US" sz="2600" dirty="0"/>
-              <a:t>예측을 위해 투입계열인 </a:t>
-            </a:r>
-            <a:r>
-              <a:rPr lang="en-US" altLang="ko-KR" sz="2600" dirty="0"/>
-              <a:t>temp</a:t>
-            </a:r>
-            <a:r>
-              <a:rPr lang="ko-KR" altLang="en-US" sz="2600" dirty="0"/>
-              <a:t>에 대한 </a:t>
-            </a:r>
-            <a:r>
-              <a:rPr lang="en-US" altLang="ko-KR" sz="2600" dirty="0"/>
-              <a:t>5</a:t>
-            </a:r>
-            <a:r>
-              <a:rPr lang="ko-KR" altLang="en-US" sz="2600" dirty="0"/>
-              <a:t>차시 </a:t>
-            </a:r>
-            <a:r>
-              <a:rPr lang="ko-KR" altLang="en-US" sz="2600" dirty="0" err="1"/>
-              <a:t>예측값을</a:t>
-            </a:r>
-            <a:r>
-              <a:rPr lang="ko-KR" altLang="en-US" sz="2600" dirty="0"/>
-              <a:t> 생성한다</a:t>
-            </a:r>
-            <a:r>
-              <a:rPr lang="en-US" altLang="ko-KR" sz="2600" dirty="0"/>
+              <a:t>잔차</a:t>
+            </a:r>
+            <a:r>
+              <a:rPr lang="ko-KR" altLang="en-US" dirty="0"/>
+              <a:t> 검정</a:t>
+            </a:r>
+          </a:p>
+        </p:txBody>
+      </p:sp>
+      <p:sp>
+        <p:nvSpPr>
+          <p:cNvPr id="9" name="TextBox 8">
+            <a:extLst>
+              <a:ext uri="{FF2B5EF4-FFF2-40B4-BE49-F238E27FC236}">
+                <a16:creationId xmlns:a16="http://schemas.microsoft.com/office/drawing/2014/main" id="{1397887E-7C60-48E8-936B-145483E45E45}"/>
+              </a:ext>
+            </a:extLst>
+          </p:cNvPr>
+          <p:cNvSpPr txBox="1"/>
+          <p:nvPr/>
+        </p:nvSpPr>
+        <p:spPr>
+          <a:xfrm>
+            <a:off x="1313633" y="3388365"/>
+            <a:ext cx="1585690" cy="369332"/>
+          </a:xfrm>
+          <a:prstGeom prst="rect">
+            <a:avLst/>
+          </a:prstGeom>
+          <a:noFill/>
+        </p:spPr>
+        <p:txBody>
+          <a:bodyPr wrap="none" rtlCol="0">
+            <a:spAutoFit/>
+          </a:bodyPr>
+          <a:lstStyle/>
+          <a:p>
+            <a:r>
+              <a:rPr lang="en-US" altLang="ko-KR" dirty="0"/>
+              <a:t>&lt;</a:t>
+            </a:r>
+            <a:r>
+              <a:rPr lang="ko-KR" altLang="en-US" dirty="0" err="1"/>
+              <a:t>잔차의</a:t>
+            </a:r>
+            <a:r>
+              <a:rPr lang="ko-KR" altLang="en-US" dirty="0"/>
+              <a:t> </a:t>
+            </a:r>
+            <a:r>
+              <a:rPr lang="en-US" altLang="ko-KR" dirty="0" err="1"/>
+              <a:t>acf</a:t>
+            </a:r>
+            <a:r>
+              <a:rPr lang="en-US" altLang="ko-KR" dirty="0"/>
+              <a:t>&gt;</a:t>
+            </a:r>
+            <a:endParaRPr lang="ko-KR" altLang="en-US" dirty="0"/>
+          </a:p>
+        </p:txBody>
+      </p:sp>
+      <p:sp>
+        <p:nvSpPr>
+          <p:cNvPr id="10" name="TextBox 9">
+            <a:extLst>
+              <a:ext uri="{FF2B5EF4-FFF2-40B4-BE49-F238E27FC236}">
+                <a16:creationId xmlns:a16="http://schemas.microsoft.com/office/drawing/2014/main" id="{F7A2E18E-98BB-4D72-9F42-8F6BD0130220}"/>
+              </a:ext>
+            </a:extLst>
+          </p:cNvPr>
+          <p:cNvSpPr txBox="1"/>
+          <p:nvPr/>
+        </p:nvSpPr>
+        <p:spPr>
+          <a:xfrm>
+            <a:off x="5036993" y="3438095"/>
+            <a:ext cx="1805174" cy="369332"/>
+          </a:xfrm>
+          <a:prstGeom prst="rect">
+            <a:avLst/>
+          </a:prstGeom>
+          <a:noFill/>
+        </p:spPr>
+        <p:txBody>
+          <a:bodyPr wrap="none" rtlCol="0">
+            <a:spAutoFit/>
+          </a:bodyPr>
+          <a:lstStyle/>
+          <a:p>
+            <a:r>
+              <a:rPr lang="en-US" altLang="ko-KR" dirty="0"/>
+              <a:t>&lt;</a:t>
+            </a:r>
+            <a:r>
+              <a:rPr lang="ko-KR" altLang="en-US" dirty="0" err="1"/>
+              <a:t>잔차의</a:t>
+            </a:r>
+            <a:r>
+              <a:rPr lang="ko-KR" altLang="en-US" dirty="0"/>
+              <a:t> </a:t>
+            </a:r>
+            <a:r>
+              <a:rPr lang="en-US" altLang="ko-KR" dirty="0"/>
+              <a:t>PACF&gt;</a:t>
+            </a:r>
+            <a:endParaRPr lang="ko-KR" altLang="en-US" dirty="0"/>
+          </a:p>
+        </p:txBody>
+      </p:sp>
+      <p:sp>
+        <p:nvSpPr>
+          <p:cNvPr id="11" name="TextBox 10">
+            <a:extLst>
+              <a:ext uri="{FF2B5EF4-FFF2-40B4-BE49-F238E27FC236}">
+                <a16:creationId xmlns:a16="http://schemas.microsoft.com/office/drawing/2014/main" id="{5F805F0F-0E26-47FD-AD57-E858D53BAD75}"/>
+              </a:ext>
+            </a:extLst>
+          </p:cNvPr>
+          <p:cNvSpPr txBox="1"/>
+          <p:nvPr/>
+        </p:nvSpPr>
+        <p:spPr>
+          <a:xfrm>
+            <a:off x="8638903" y="3429000"/>
+            <a:ext cx="2919132" cy="369332"/>
+          </a:xfrm>
+          <a:prstGeom prst="rect">
+            <a:avLst/>
+          </a:prstGeom>
+          <a:noFill/>
+        </p:spPr>
+        <p:txBody>
+          <a:bodyPr wrap="none" rtlCol="0">
+            <a:spAutoFit/>
+          </a:bodyPr>
+          <a:lstStyle/>
+          <a:p>
+            <a:r>
+              <a:rPr lang="en-US" altLang="ko-KR" dirty="0"/>
+              <a:t>&lt;</a:t>
+            </a:r>
+            <a:r>
+              <a:rPr lang="ko-KR" altLang="en-US" dirty="0"/>
+              <a:t>투입계열과 </a:t>
+            </a:r>
+            <a:r>
+              <a:rPr lang="ko-KR" altLang="en-US" dirty="0" err="1"/>
+              <a:t>잔차의</a:t>
+            </a:r>
+            <a:r>
+              <a:rPr lang="ko-KR" altLang="en-US" dirty="0"/>
+              <a:t> </a:t>
+            </a:r>
+            <a:r>
+              <a:rPr lang="en-US" altLang="ko-KR" dirty="0"/>
+              <a:t>CCF&gt;</a:t>
+            </a:r>
+            <a:endParaRPr lang="ko-KR" altLang="en-US" dirty="0"/>
+          </a:p>
+        </p:txBody>
+      </p:sp>
+      <p:sp>
+        <p:nvSpPr>
+          <p:cNvPr id="12" name="TextBox 11">
+            <a:extLst>
+              <a:ext uri="{FF2B5EF4-FFF2-40B4-BE49-F238E27FC236}">
+                <a16:creationId xmlns:a16="http://schemas.microsoft.com/office/drawing/2014/main" id="{D6FD671D-C0EE-47BD-A05C-C828777F6ED1}"/>
+              </a:ext>
+            </a:extLst>
+          </p:cNvPr>
+          <p:cNvSpPr txBox="1"/>
+          <p:nvPr/>
+        </p:nvSpPr>
+        <p:spPr>
+          <a:xfrm>
+            <a:off x="2429691" y="6364148"/>
+            <a:ext cx="7733207" cy="369332"/>
+          </a:xfrm>
+          <a:prstGeom prst="rect">
+            <a:avLst/>
+          </a:prstGeom>
+          <a:noFill/>
+        </p:spPr>
+        <p:txBody>
+          <a:bodyPr wrap="none" rtlCol="0">
+            <a:spAutoFit/>
+          </a:bodyPr>
+          <a:lstStyle/>
+          <a:p>
+            <a:r>
+              <a:rPr lang="en-US" altLang="ko-KR" dirty="0"/>
+              <a:t>BOX-test </a:t>
+            </a:r>
+            <a:r>
+              <a:rPr lang="ko-KR" altLang="en-US" dirty="0"/>
+              <a:t>결과 </a:t>
+            </a:r>
+            <a:r>
+              <a:rPr lang="ko-KR" altLang="en-US" dirty="0" err="1"/>
+              <a:t>잔차의</a:t>
+            </a:r>
+            <a:r>
+              <a:rPr lang="ko-KR" altLang="en-US" dirty="0"/>
+              <a:t> 시계열성은 제거되었고</a:t>
+            </a:r>
+            <a:r>
+              <a:rPr lang="en-US" altLang="ko-KR" dirty="0"/>
+              <a:t>, </a:t>
+            </a:r>
+            <a:r>
+              <a:rPr lang="ko-KR" altLang="en-US" dirty="0"/>
+              <a:t>완전한 백색잡음이 되었다</a:t>
+            </a:r>
+            <a:r>
+              <a:rPr lang="en-US" altLang="ko-KR" dirty="0"/>
               <a:t>.</a:t>
             </a:r>
-          </a:p>
-          <a:p>
-            <a:pPr marL="0" indent="0">
-              <a:buNone/>
-            </a:pPr>
-            <a:r>
-              <a:rPr lang="en-US" altLang="ko-KR" sz="2600" dirty="0"/>
-              <a:t>- </a:t>
-            </a:r>
-            <a:r>
-              <a:rPr lang="ko-KR" altLang="en-US" sz="2600" dirty="0"/>
-              <a:t>이를 미리 </a:t>
-            </a:r>
-            <a:r>
-              <a:rPr lang="ko-KR" altLang="en-US" sz="2600" dirty="0" err="1"/>
-              <a:t>빼둔</a:t>
-            </a:r>
-            <a:r>
-              <a:rPr lang="ko-KR" altLang="en-US" sz="2600" dirty="0"/>
-              <a:t> </a:t>
-            </a:r>
-            <a:r>
-              <a:rPr lang="en-US" altLang="ko-KR" sz="2600" dirty="0"/>
-              <a:t>26 ~ 30</a:t>
-            </a:r>
-            <a:r>
-              <a:rPr lang="ko-KR" altLang="en-US" sz="2600" dirty="0" err="1"/>
-              <a:t>차시의</a:t>
-            </a:r>
-            <a:r>
-              <a:rPr lang="ko-KR" altLang="en-US" sz="2600" dirty="0"/>
-              <a:t> 원래 데이터와 비교하여 오차율을 본다</a:t>
-            </a:r>
-            <a:r>
-              <a:rPr lang="en-US" altLang="ko-KR" sz="2600" dirty="0"/>
-              <a:t>.</a:t>
-            </a:r>
-            <a:endParaRPr lang="ko-KR" altLang="en-US" sz="2600" dirty="0"/>
-          </a:p>
-        </p:txBody>
-      </p:sp>
+            <a:endParaRPr lang="ko-KR" altLang="en-US" dirty="0"/>
+          </a:p>
+        </p:txBody>
+      </p:sp>
+      <p:pic>
+        <p:nvPicPr>
+          <p:cNvPr id="4" name="그림 3">
+            <a:extLst>
+              <a:ext uri="{FF2B5EF4-FFF2-40B4-BE49-F238E27FC236}">
+                <a16:creationId xmlns:a16="http://schemas.microsoft.com/office/drawing/2014/main" id="{A127657D-5753-4256-9E32-03E2E6431AA0}"/>
+              </a:ext>
+            </a:extLst>
+          </p:cNvPr>
+          <p:cNvPicPr>
+            <a:picLocks noChangeAspect="1"/>
+          </p:cNvPicPr>
+          <p:nvPr/>
+        </p:nvPicPr>
+        <p:blipFill>
+          <a:blip r:embed="rId2"/>
+          <a:stretch>
+            <a:fillRect/>
+          </a:stretch>
+        </p:blipFill>
+        <p:spPr>
+          <a:xfrm>
+            <a:off x="4191000" y="2503981"/>
+            <a:ext cx="3810000" cy="742950"/>
+          </a:xfrm>
+          <a:prstGeom prst="rect">
+            <a:avLst/>
+          </a:prstGeom>
+        </p:spPr>
+      </p:pic>
+      <p:pic>
+        <p:nvPicPr>
+          <p:cNvPr id="13" name="그림 12">
+            <a:extLst>
+              <a:ext uri="{FF2B5EF4-FFF2-40B4-BE49-F238E27FC236}">
+                <a16:creationId xmlns:a16="http://schemas.microsoft.com/office/drawing/2014/main" id="{73DCBA5D-1EA2-496E-8F0D-B5AE44D24608}"/>
+              </a:ext>
+            </a:extLst>
+          </p:cNvPr>
+          <p:cNvPicPr>
+            <a:picLocks noChangeAspect="1"/>
+          </p:cNvPicPr>
+          <p:nvPr/>
+        </p:nvPicPr>
+        <p:blipFill>
+          <a:blip r:embed="rId3"/>
+          <a:stretch>
+            <a:fillRect/>
+          </a:stretch>
+        </p:blipFill>
+        <p:spPr>
+          <a:xfrm>
+            <a:off x="8648625" y="3807427"/>
+            <a:ext cx="2705175" cy="2419266"/>
+          </a:xfrm>
+          <a:prstGeom prst="rect">
+            <a:avLst/>
+          </a:prstGeom>
+        </p:spPr>
+      </p:pic>
+      <p:pic>
+        <p:nvPicPr>
+          <p:cNvPr id="14" name="그림 13">
+            <a:extLst>
+              <a:ext uri="{FF2B5EF4-FFF2-40B4-BE49-F238E27FC236}">
+                <a16:creationId xmlns:a16="http://schemas.microsoft.com/office/drawing/2014/main" id="{CD986311-A140-4B1E-BB1D-5F19500D6453}"/>
+              </a:ext>
+            </a:extLst>
+          </p:cNvPr>
+          <p:cNvPicPr>
+            <a:picLocks noChangeAspect="1"/>
+          </p:cNvPicPr>
+          <p:nvPr/>
+        </p:nvPicPr>
+        <p:blipFill>
+          <a:blip r:embed="rId4"/>
+          <a:stretch>
+            <a:fillRect/>
+          </a:stretch>
+        </p:blipFill>
+        <p:spPr>
+          <a:xfrm>
+            <a:off x="628347" y="3757697"/>
+            <a:ext cx="3194218" cy="2419266"/>
+          </a:xfrm>
+          <a:prstGeom prst="rect">
+            <a:avLst/>
+          </a:prstGeom>
+        </p:spPr>
+      </p:pic>
+      <p:pic>
+        <p:nvPicPr>
+          <p:cNvPr id="15" name="그림 14">
+            <a:extLst>
+              <a:ext uri="{FF2B5EF4-FFF2-40B4-BE49-F238E27FC236}">
+                <a16:creationId xmlns:a16="http://schemas.microsoft.com/office/drawing/2014/main" id="{4E4092B1-D7EB-418D-8071-0A65262FAB5E}"/>
+              </a:ext>
+            </a:extLst>
+          </p:cNvPr>
+          <p:cNvPicPr>
+            <a:picLocks noChangeAspect="1"/>
+          </p:cNvPicPr>
+          <p:nvPr/>
+        </p:nvPicPr>
+        <p:blipFill>
+          <a:blip r:embed="rId5"/>
+          <a:stretch>
+            <a:fillRect/>
+          </a:stretch>
+        </p:blipFill>
+        <p:spPr>
+          <a:xfrm>
+            <a:off x="4599806" y="3757697"/>
+            <a:ext cx="3194218" cy="2419266"/>
+          </a:xfrm>
+          <a:prstGeom prst="rect">
+            <a:avLst/>
+          </a:prstGeom>
+        </p:spPr>
+      </p:pic>
     </p:spTree>
     <p:extLst>
       <p:ext uri="{BB962C8B-B14F-4D97-AF65-F5344CB8AC3E}">
-        <p14:creationId xmlns:p14="http://schemas.microsoft.com/office/powerpoint/2010/main" val="970383759"/>
+        <p14:creationId xmlns:p14="http://schemas.microsoft.com/office/powerpoint/2010/main" val="3565299466"/>
       </p:ext>
     </p:extLst>
   </p:cSld>
@@ -5883,6 +6297,179 @@
           <p:cNvPr id="2" name="제목 1">
             <a:extLst>
               <a:ext uri="{FF2B5EF4-FFF2-40B4-BE49-F238E27FC236}">
+                <a16:creationId xmlns:a16="http://schemas.microsoft.com/office/drawing/2014/main" id="{F1233A13-6565-4614-A84B-CEADDAE36908}"/>
+              </a:ext>
+            </a:extLst>
+          </p:cNvPr>
+          <p:cNvSpPr>
+            <a:spLocks noGrp="1"/>
+          </p:cNvSpPr>
+          <p:nvPr>
+            <p:ph type="title"/>
+          </p:nvPr>
+        </p:nvSpPr>
+        <p:spPr/>
+        <p:txBody>
+          <a:bodyPr/>
+          <a:lstStyle/>
+          <a:p>
+            <a:r>
+              <a:rPr lang="ko-KR" altLang="en-US" dirty="0"/>
+              <a:t>모형 테스트</a:t>
+            </a:r>
+          </a:p>
+        </p:txBody>
+      </p:sp>
+      <p:sp>
+        <p:nvSpPr>
+          <p:cNvPr id="3" name="내용 개체 틀 2">
+            <a:extLst>
+              <a:ext uri="{FF2B5EF4-FFF2-40B4-BE49-F238E27FC236}">
+                <a16:creationId xmlns:a16="http://schemas.microsoft.com/office/drawing/2014/main" id="{1B6EE8A2-6AE4-4C7E-83D9-5B758BBA9EF1}"/>
+              </a:ext>
+            </a:extLst>
+          </p:cNvPr>
+          <p:cNvSpPr>
+            <a:spLocks noGrp="1"/>
+          </p:cNvSpPr>
+          <p:nvPr>
+            <p:ph idx="1"/>
+          </p:nvPr>
+        </p:nvSpPr>
+        <p:spPr/>
+        <p:txBody>
+          <a:bodyPr/>
+          <a:lstStyle/>
+          <a:p>
+            <a:r>
+              <a:rPr lang="ko-KR" altLang="en-US" dirty="0" err="1"/>
+              <a:t>예측값</a:t>
+            </a:r>
+            <a:r>
+              <a:rPr lang="ko-KR" altLang="en-US" dirty="0"/>
+              <a:t> 생성</a:t>
+            </a:r>
+            <a:endParaRPr lang="en-US" altLang="ko-KR" dirty="0"/>
+          </a:p>
+          <a:p>
+            <a:endParaRPr lang="en-US" altLang="ko-KR" dirty="0"/>
+          </a:p>
+          <a:p>
+            <a:pPr marL="0" indent="0">
+              <a:buNone/>
+            </a:pPr>
+            <a:r>
+              <a:rPr lang="en-US" altLang="ko-KR" dirty="0"/>
+              <a:t>- </a:t>
+            </a:r>
+            <a:r>
+              <a:rPr lang="ko-KR" altLang="en-US" sz="2600" dirty="0"/>
+              <a:t>예측을 위해 투입계열인 </a:t>
+            </a:r>
+            <a:r>
+              <a:rPr lang="en-US" altLang="ko-KR" sz="2600" dirty="0"/>
+              <a:t>temp</a:t>
+            </a:r>
+            <a:r>
+              <a:rPr lang="ko-KR" altLang="en-US" sz="2600" dirty="0"/>
+              <a:t>에 대한 </a:t>
+            </a:r>
+            <a:r>
+              <a:rPr lang="en-US" altLang="ko-KR" sz="2600" dirty="0"/>
+              <a:t>5</a:t>
+            </a:r>
+            <a:r>
+              <a:rPr lang="ko-KR" altLang="en-US" sz="2600" dirty="0"/>
+              <a:t>차시 </a:t>
+            </a:r>
+            <a:r>
+              <a:rPr lang="ko-KR" altLang="en-US" sz="2600" dirty="0" err="1"/>
+              <a:t>예측값을</a:t>
+            </a:r>
+            <a:r>
+              <a:rPr lang="ko-KR" altLang="en-US" sz="2600" dirty="0"/>
+              <a:t> 생성한다</a:t>
+            </a:r>
+            <a:r>
+              <a:rPr lang="en-US" altLang="ko-KR" sz="2600" dirty="0"/>
+              <a:t>.</a:t>
+            </a:r>
+          </a:p>
+          <a:p>
+            <a:pPr marL="0" indent="0">
+              <a:buNone/>
+            </a:pPr>
+            <a:r>
+              <a:rPr lang="en-US" altLang="ko-KR" sz="2600" dirty="0"/>
+              <a:t>- </a:t>
+            </a:r>
+            <a:r>
+              <a:rPr lang="ko-KR" altLang="en-US" sz="2600" dirty="0"/>
+              <a:t>이를 미리 </a:t>
+            </a:r>
+            <a:r>
+              <a:rPr lang="ko-KR" altLang="en-US" sz="2600" dirty="0" err="1"/>
+              <a:t>빼둔</a:t>
+            </a:r>
+            <a:r>
+              <a:rPr lang="ko-KR" altLang="en-US" sz="2600" dirty="0"/>
+              <a:t> </a:t>
+            </a:r>
+            <a:r>
+              <a:rPr lang="en-US" altLang="ko-KR" sz="2600" dirty="0"/>
+              <a:t>26 ~ 30</a:t>
+            </a:r>
+            <a:r>
+              <a:rPr lang="ko-KR" altLang="en-US" sz="2600" dirty="0" err="1"/>
+              <a:t>차시의</a:t>
+            </a:r>
+            <a:r>
+              <a:rPr lang="ko-KR" altLang="en-US" sz="2600" dirty="0"/>
+              <a:t> 원래 데이터와 비교하여 오차율을 본다</a:t>
+            </a:r>
+            <a:r>
+              <a:rPr lang="en-US" altLang="ko-KR" sz="2600" dirty="0"/>
+              <a:t>.</a:t>
+            </a:r>
+            <a:endParaRPr lang="ko-KR" altLang="en-US" sz="2600" dirty="0"/>
+          </a:p>
+        </p:txBody>
+      </p:sp>
+    </p:spTree>
+    <p:extLst>
+      <p:ext uri="{BB962C8B-B14F-4D97-AF65-F5344CB8AC3E}">
+        <p14:creationId xmlns:p14="http://schemas.microsoft.com/office/powerpoint/2010/main" val="970383759"/>
+      </p:ext>
+    </p:extLst>
+  </p:cSld>
+  <p:clrMapOvr>
+    <a:masterClrMapping/>
+  </p:clrMapOvr>
+</p:sld>
+</file>
+
+<file path=ppt/slides/slide18.xml><?xml version="1.0" encoding="utf-8"?>
+<p:sld xmlns:a="http://schemas.openxmlformats.org/drawingml/2006/main" xmlns:r="http://schemas.openxmlformats.org/officeDocument/2006/relationships" xmlns:p="http://schemas.openxmlformats.org/presentationml/2006/main">
+  <p:cSld>
+    <p:spTree>
+      <p:nvGrpSpPr>
+        <p:cNvPr id="1" name=""/>
+        <p:cNvGrpSpPr/>
+        <p:nvPr/>
+      </p:nvGrpSpPr>
+      <p:grpSpPr>
+        <a:xfrm>
+          <a:off x="0" y="0"/>
+          <a:ext cx="0" cy="0"/>
+          <a:chOff x="0" y="0"/>
+          <a:chExt cx="0" cy="0"/>
+        </a:xfrm>
+      </p:grpSpPr>
+      <p:sp>
+        <p:nvSpPr>
+          <p:cNvPr id="2" name="제목 1">
+            <a:extLst>
+              <a:ext uri="{FF2B5EF4-FFF2-40B4-BE49-F238E27FC236}">
                 <a16:creationId xmlns:a16="http://schemas.microsoft.com/office/drawing/2014/main" id="{63B79904-7A5E-4C53-BED7-5B634ADC4038}"/>
               </a:ext>
             </a:extLst>
@@ -6127,7 +6714,7 @@
 </p:sld>
 </file>
 
-<file path=ppt/slides/slide18.xml><?xml version="1.0" encoding="utf-8"?>
+<file path=ppt/slides/slide19.xml><?xml version="1.0" encoding="utf-8"?>
 <p:sld xmlns:a="http://schemas.openxmlformats.org/drawingml/2006/main" xmlns:r="http://schemas.openxmlformats.org/officeDocument/2006/relationships" xmlns:p="http://schemas.openxmlformats.org/presentationml/2006/main">
   <p:cSld>
     <p:spTree>
@@ -6444,271 +7031,6 @@
     <p:extLst>
       <p:ext uri="{BB962C8B-B14F-4D97-AF65-F5344CB8AC3E}">
         <p14:creationId xmlns:p14="http://schemas.microsoft.com/office/powerpoint/2010/main" val="2394367262"/>
-      </p:ext>
-    </p:extLst>
-  </p:cSld>
-  <p:clrMapOvr>
-    <a:masterClrMapping/>
-  </p:clrMapOvr>
-</p:sld>
-</file>
-
-<file path=ppt/slides/slide19.xml><?xml version="1.0" encoding="utf-8"?>
-<p:sld xmlns:a="http://schemas.openxmlformats.org/drawingml/2006/main" xmlns:r="http://schemas.openxmlformats.org/officeDocument/2006/relationships" xmlns:p="http://schemas.openxmlformats.org/presentationml/2006/main">
-  <p:cSld>
-    <p:spTree>
-      <p:nvGrpSpPr>
-        <p:cNvPr id="1" name=""/>
-        <p:cNvGrpSpPr/>
-        <p:nvPr/>
-      </p:nvGrpSpPr>
-      <p:grpSpPr>
-        <a:xfrm>
-          <a:off x="0" y="0"/>
-          <a:ext cx="0" cy="0"/>
-          <a:chOff x="0" y="0"/>
-          <a:chExt cx="0" cy="0"/>
-        </a:xfrm>
-      </p:grpSpPr>
-      <p:sp>
-        <p:nvSpPr>
-          <p:cNvPr id="2" name="제목 1">
-            <a:extLst>
-              <a:ext uri="{FF2B5EF4-FFF2-40B4-BE49-F238E27FC236}">
-                <a16:creationId xmlns:a16="http://schemas.microsoft.com/office/drawing/2014/main" id="{55045214-DC9F-42C1-8A8B-08E2FF188B3A}"/>
-              </a:ext>
-            </a:extLst>
-          </p:cNvPr>
-          <p:cNvSpPr>
-            <a:spLocks noGrp="1"/>
-          </p:cNvSpPr>
-          <p:nvPr>
-            <p:ph type="title"/>
-          </p:nvPr>
-        </p:nvSpPr>
-        <p:spPr/>
-        <p:txBody>
-          <a:bodyPr/>
-          <a:lstStyle/>
-          <a:p>
-            <a:r>
-              <a:rPr lang="ko-KR" altLang="en-US" dirty="0"/>
-              <a:t>모형 테스트</a:t>
-            </a:r>
-          </a:p>
-        </p:txBody>
-      </p:sp>
-      <p:pic>
-        <p:nvPicPr>
-          <p:cNvPr id="4" name="그림 3">
-            <a:extLst>
-              <a:ext uri="{FF2B5EF4-FFF2-40B4-BE49-F238E27FC236}">
-                <a16:creationId xmlns:a16="http://schemas.microsoft.com/office/drawing/2014/main" id="{FA08ABA0-0913-4FCD-A3C0-AA0C0289E08C}"/>
-              </a:ext>
-            </a:extLst>
-          </p:cNvPr>
-          <p:cNvPicPr>
-            <a:picLocks noChangeAspect="1"/>
-          </p:cNvPicPr>
-          <p:nvPr/>
-        </p:nvPicPr>
-        <p:blipFill>
-          <a:blip r:embed="rId2"/>
-          <a:stretch>
-            <a:fillRect/>
-          </a:stretch>
-        </p:blipFill>
-        <p:spPr>
-          <a:xfrm>
-            <a:off x="1517469" y="3262006"/>
-            <a:ext cx="4242880" cy="2712995"/>
-          </a:xfrm>
-          <a:prstGeom prst="rect">
-            <a:avLst/>
-          </a:prstGeom>
-        </p:spPr>
-      </p:pic>
-      <p:pic>
-        <p:nvPicPr>
-          <p:cNvPr id="5" name="그림 4">
-            <a:extLst>
-              <a:ext uri="{FF2B5EF4-FFF2-40B4-BE49-F238E27FC236}">
-                <a16:creationId xmlns:a16="http://schemas.microsoft.com/office/drawing/2014/main" id="{70951A3A-85D6-46F5-89BC-A9CBBC794259}"/>
-              </a:ext>
-            </a:extLst>
-          </p:cNvPr>
-          <p:cNvPicPr>
-            <a:picLocks noChangeAspect="1"/>
-          </p:cNvPicPr>
-          <p:nvPr/>
-        </p:nvPicPr>
-        <p:blipFill>
-          <a:blip r:embed="rId3"/>
-          <a:stretch>
-            <a:fillRect/>
-          </a:stretch>
-        </p:blipFill>
-        <p:spPr>
-          <a:xfrm>
-            <a:off x="6703794" y="3166212"/>
-            <a:ext cx="4242881" cy="2712996"/>
-          </a:xfrm>
-          <a:prstGeom prst="rect">
-            <a:avLst/>
-          </a:prstGeom>
-        </p:spPr>
-      </p:pic>
-      <p:pic>
-        <p:nvPicPr>
-          <p:cNvPr id="6" name="그림 5">
-            <a:extLst>
-              <a:ext uri="{FF2B5EF4-FFF2-40B4-BE49-F238E27FC236}">
-                <a16:creationId xmlns:a16="http://schemas.microsoft.com/office/drawing/2014/main" id="{76685475-F3FF-48EA-A53E-B8C4464DF115}"/>
-              </a:ext>
-            </a:extLst>
-          </p:cNvPr>
-          <p:cNvPicPr>
-            <a:picLocks noChangeAspect="1"/>
-          </p:cNvPicPr>
-          <p:nvPr/>
-        </p:nvPicPr>
-        <p:blipFill>
-          <a:blip r:embed="rId4"/>
-          <a:stretch>
-            <a:fillRect/>
-          </a:stretch>
-        </p:blipFill>
-        <p:spPr>
-          <a:xfrm>
-            <a:off x="4148137" y="2233306"/>
-            <a:ext cx="3895725" cy="1028700"/>
-          </a:xfrm>
-          <a:prstGeom prst="rect">
-            <a:avLst/>
-          </a:prstGeom>
-        </p:spPr>
-      </p:pic>
-      <p:sp>
-        <p:nvSpPr>
-          <p:cNvPr id="7" name="TextBox 6">
-            <a:extLst>
-              <a:ext uri="{FF2B5EF4-FFF2-40B4-BE49-F238E27FC236}">
-                <a16:creationId xmlns:a16="http://schemas.microsoft.com/office/drawing/2014/main" id="{7013E408-ECFE-40CB-AF6F-026CD62DB153}"/>
-              </a:ext>
-            </a:extLst>
-          </p:cNvPr>
-          <p:cNvSpPr txBox="1"/>
-          <p:nvPr/>
-        </p:nvSpPr>
-        <p:spPr>
-          <a:xfrm>
-            <a:off x="2429692" y="5992297"/>
-            <a:ext cx="7502375" cy="369332"/>
-          </a:xfrm>
-          <a:prstGeom prst="rect">
-            <a:avLst/>
-          </a:prstGeom>
-          <a:noFill/>
-        </p:spPr>
-        <p:txBody>
-          <a:bodyPr wrap="none" rtlCol="0">
-            <a:spAutoFit/>
-          </a:bodyPr>
-          <a:lstStyle/>
-          <a:p>
-            <a:r>
-              <a:rPr lang="ko-KR" altLang="en-US" dirty="0" err="1"/>
-              <a:t>적합된</a:t>
-            </a:r>
-            <a:r>
-              <a:rPr lang="ko-KR" altLang="en-US" dirty="0"/>
-              <a:t> 모형의 잔차에서 시계열성은 완전히 제거되었고</a:t>
-            </a:r>
-            <a:r>
-              <a:rPr lang="en-US" altLang="ko-KR" dirty="0"/>
-              <a:t>, </a:t>
-            </a:r>
-            <a:r>
-              <a:rPr lang="ko-KR" altLang="en-US" dirty="0"/>
-              <a:t>잘 </a:t>
-            </a:r>
-            <a:r>
-              <a:rPr lang="ko-KR" altLang="en-US" dirty="0" err="1"/>
-              <a:t>적합되었다</a:t>
-            </a:r>
-            <a:r>
-              <a:rPr lang="en-US" altLang="ko-KR" dirty="0"/>
-              <a:t>.</a:t>
-            </a:r>
-            <a:endParaRPr lang="ko-KR" altLang="en-US" dirty="0"/>
-          </a:p>
-        </p:txBody>
-      </p:sp>
-      <p:sp>
-        <p:nvSpPr>
-          <p:cNvPr id="8" name="TextBox 7">
-            <a:extLst>
-              <a:ext uri="{FF2B5EF4-FFF2-40B4-BE49-F238E27FC236}">
-                <a16:creationId xmlns:a16="http://schemas.microsoft.com/office/drawing/2014/main" id="{EA70CC9F-CA2F-4FA6-A38E-C5253C1AE11A}"/>
-              </a:ext>
-            </a:extLst>
-          </p:cNvPr>
-          <p:cNvSpPr txBox="1"/>
-          <p:nvPr/>
-        </p:nvSpPr>
-        <p:spPr>
-          <a:xfrm>
-            <a:off x="1308847" y="1757082"/>
-            <a:ext cx="3278462" cy="1231106"/>
-          </a:xfrm>
-          <a:prstGeom prst="rect">
-            <a:avLst/>
-          </a:prstGeom>
-          <a:noFill/>
-        </p:spPr>
-        <p:txBody>
-          <a:bodyPr wrap="none" rtlCol="0">
-            <a:spAutoFit/>
-          </a:bodyPr>
-          <a:lstStyle/>
-          <a:p>
-            <a:pPr marL="285750" indent="-285750">
-              <a:buFont typeface="Arial" panose="020B0604020202020204" pitchFamily="34" charset="0"/>
-              <a:buChar char="•"/>
-            </a:pPr>
-            <a:r>
-              <a:rPr lang="en-US" altLang="ko-KR" sz="2800" dirty="0"/>
-              <a:t>ARIMA </a:t>
-            </a:r>
-            <a:r>
-              <a:rPr lang="ko-KR" altLang="en-US" sz="2800" dirty="0"/>
-              <a:t>모형 적합</a:t>
-            </a:r>
-            <a:endParaRPr lang="en-US" altLang="ko-KR" sz="2800" dirty="0"/>
-          </a:p>
-          <a:p>
-            <a:r>
-              <a:rPr lang="en-US" altLang="ko-KR" sz="2800" dirty="0"/>
-              <a:t>- </a:t>
-            </a:r>
-            <a:r>
-              <a:rPr lang="ko-KR" altLang="en-US" sz="2800" dirty="0"/>
-              <a:t>온도</a:t>
-            </a:r>
-            <a:r>
-              <a:rPr lang="en-US" altLang="ko-KR" sz="2800" dirty="0"/>
-              <a:t>(temp)</a:t>
-            </a:r>
-          </a:p>
-          <a:p>
-            <a:endParaRPr lang="ko-KR" altLang="en-US" dirty="0"/>
-          </a:p>
-        </p:txBody>
-      </p:sp>
-    </p:spTree>
-    <p:extLst>
-      <p:ext uri="{BB962C8B-B14F-4D97-AF65-F5344CB8AC3E}">
-        <p14:creationId xmlns:p14="http://schemas.microsoft.com/office/powerpoint/2010/main" val="3055916052"/>
       </p:ext>
     </p:extLst>
   </p:cSld>
@@ -7177,7 +7499,7 @@
           <p:cNvPr id="2" name="제목 1">
             <a:extLst>
               <a:ext uri="{FF2B5EF4-FFF2-40B4-BE49-F238E27FC236}">
-                <a16:creationId xmlns:a16="http://schemas.microsoft.com/office/drawing/2014/main" id="{D7BE5A0F-F59D-47CB-9553-DB012B6A87BD}"/>
+                <a16:creationId xmlns:a16="http://schemas.microsoft.com/office/drawing/2014/main" id="{55045214-DC9F-42C1-8A8B-08E2FF188B3A}"/>
               </a:ext>
             </a:extLst>
           </p:cNvPr>
@@ -7200,6 +7522,271 @@
           </a:p>
         </p:txBody>
       </p:sp>
+      <p:pic>
+        <p:nvPicPr>
+          <p:cNvPr id="4" name="그림 3">
+            <a:extLst>
+              <a:ext uri="{FF2B5EF4-FFF2-40B4-BE49-F238E27FC236}">
+                <a16:creationId xmlns:a16="http://schemas.microsoft.com/office/drawing/2014/main" id="{FA08ABA0-0913-4FCD-A3C0-AA0C0289E08C}"/>
+              </a:ext>
+            </a:extLst>
+          </p:cNvPr>
+          <p:cNvPicPr>
+            <a:picLocks noChangeAspect="1"/>
+          </p:cNvPicPr>
+          <p:nvPr/>
+        </p:nvPicPr>
+        <p:blipFill>
+          <a:blip r:embed="rId2"/>
+          <a:stretch>
+            <a:fillRect/>
+          </a:stretch>
+        </p:blipFill>
+        <p:spPr>
+          <a:xfrm>
+            <a:off x="1517469" y="3262006"/>
+            <a:ext cx="4242880" cy="2712995"/>
+          </a:xfrm>
+          <a:prstGeom prst="rect">
+            <a:avLst/>
+          </a:prstGeom>
+        </p:spPr>
+      </p:pic>
+      <p:pic>
+        <p:nvPicPr>
+          <p:cNvPr id="5" name="그림 4">
+            <a:extLst>
+              <a:ext uri="{FF2B5EF4-FFF2-40B4-BE49-F238E27FC236}">
+                <a16:creationId xmlns:a16="http://schemas.microsoft.com/office/drawing/2014/main" id="{70951A3A-85D6-46F5-89BC-A9CBBC794259}"/>
+              </a:ext>
+            </a:extLst>
+          </p:cNvPr>
+          <p:cNvPicPr>
+            <a:picLocks noChangeAspect="1"/>
+          </p:cNvPicPr>
+          <p:nvPr/>
+        </p:nvPicPr>
+        <p:blipFill>
+          <a:blip r:embed="rId3"/>
+          <a:stretch>
+            <a:fillRect/>
+          </a:stretch>
+        </p:blipFill>
+        <p:spPr>
+          <a:xfrm>
+            <a:off x="6703794" y="3166212"/>
+            <a:ext cx="4242881" cy="2712996"/>
+          </a:xfrm>
+          <a:prstGeom prst="rect">
+            <a:avLst/>
+          </a:prstGeom>
+        </p:spPr>
+      </p:pic>
+      <p:pic>
+        <p:nvPicPr>
+          <p:cNvPr id="6" name="그림 5">
+            <a:extLst>
+              <a:ext uri="{FF2B5EF4-FFF2-40B4-BE49-F238E27FC236}">
+                <a16:creationId xmlns:a16="http://schemas.microsoft.com/office/drawing/2014/main" id="{76685475-F3FF-48EA-A53E-B8C4464DF115}"/>
+              </a:ext>
+            </a:extLst>
+          </p:cNvPr>
+          <p:cNvPicPr>
+            <a:picLocks noChangeAspect="1"/>
+          </p:cNvPicPr>
+          <p:nvPr/>
+        </p:nvPicPr>
+        <p:blipFill>
+          <a:blip r:embed="rId4"/>
+          <a:stretch>
+            <a:fillRect/>
+          </a:stretch>
+        </p:blipFill>
+        <p:spPr>
+          <a:xfrm>
+            <a:off x="4148137" y="2233306"/>
+            <a:ext cx="3895725" cy="1028700"/>
+          </a:xfrm>
+          <a:prstGeom prst="rect">
+            <a:avLst/>
+          </a:prstGeom>
+        </p:spPr>
+      </p:pic>
+      <p:sp>
+        <p:nvSpPr>
+          <p:cNvPr id="7" name="TextBox 6">
+            <a:extLst>
+              <a:ext uri="{FF2B5EF4-FFF2-40B4-BE49-F238E27FC236}">
+                <a16:creationId xmlns:a16="http://schemas.microsoft.com/office/drawing/2014/main" id="{7013E408-ECFE-40CB-AF6F-026CD62DB153}"/>
+              </a:ext>
+            </a:extLst>
+          </p:cNvPr>
+          <p:cNvSpPr txBox="1"/>
+          <p:nvPr/>
+        </p:nvSpPr>
+        <p:spPr>
+          <a:xfrm>
+            <a:off x="2429692" y="5992297"/>
+            <a:ext cx="7502375" cy="369332"/>
+          </a:xfrm>
+          <a:prstGeom prst="rect">
+            <a:avLst/>
+          </a:prstGeom>
+          <a:noFill/>
+        </p:spPr>
+        <p:txBody>
+          <a:bodyPr wrap="none" rtlCol="0">
+            <a:spAutoFit/>
+          </a:bodyPr>
+          <a:lstStyle/>
+          <a:p>
+            <a:r>
+              <a:rPr lang="ko-KR" altLang="en-US" dirty="0" err="1"/>
+              <a:t>적합된</a:t>
+            </a:r>
+            <a:r>
+              <a:rPr lang="ko-KR" altLang="en-US" dirty="0"/>
+              <a:t> 모형의 잔차에서 시계열성은 완전히 제거되었고</a:t>
+            </a:r>
+            <a:r>
+              <a:rPr lang="en-US" altLang="ko-KR" dirty="0"/>
+              <a:t>, </a:t>
+            </a:r>
+            <a:r>
+              <a:rPr lang="ko-KR" altLang="en-US" dirty="0"/>
+              <a:t>잘 </a:t>
+            </a:r>
+            <a:r>
+              <a:rPr lang="ko-KR" altLang="en-US" dirty="0" err="1"/>
+              <a:t>적합되었다</a:t>
+            </a:r>
+            <a:r>
+              <a:rPr lang="en-US" altLang="ko-KR" dirty="0"/>
+              <a:t>.</a:t>
+            </a:r>
+            <a:endParaRPr lang="ko-KR" altLang="en-US" dirty="0"/>
+          </a:p>
+        </p:txBody>
+      </p:sp>
+      <p:sp>
+        <p:nvSpPr>
+          <p:cNvPr id="8" name="TextBox 7">
+            <a:extLst>
+              <a:ext uri="{FF2B5EF4-FFF2-40B4-BE49-F238E27FC236}">
+                <a16:creationId xmlns:a16="http://schemas.microsoft.com/office/drawing/2014/main" id="{EA70CC9F-CA2F-4FA6-A38E-C5253C1AE11A}"/>
+              </a:ext>
+            </a:extLst>
+          </p:cNvPr>
+          <p:cNvSpPr txBox="1"/>
+          <p:nvPr/>
+        </p:nvSpPr>
+        <p:spPr>
+          <a:xfrm>
+            <a:off x="1308847" y="1757082"/>
+            <a:ext cx="3278462" cy="1231106"/>
+          </a:xfrm>
+          <a:prstGeom prst="rect">
+            <a:avLst/>
+          </a:prstGeom>
+          <a:noFill/>
+        </p:spPr>
+        <p:txBody>
+          <a:bodyPr wrap="none" rtlCol="0">
+            <a:spAutoFit/>
+          </a:bodyPr>
+          <a:lstStyle/>
+          <a:p>
+            <a:pPr marL="285750" indent="-285750">
+              <a:buFont typeface="Arial" panose="020B0604020202020204" pitchFamily="34" charset="0"/>
+              <a:buChar char="•"/>
+            </a:pPr>
+            <a:r>
+              <a:rPr lang="en-US" altLang="ko-KR" sz="2800" dirty="0"/>
+              <a:t>ARIMA </a:t>
+            </a:r>
+            <a:r>
+              <a:rPr lang="ko-KR" altLang="en-US" sz="2800" dirty="0"/>
+              <a:t>모형 적합</a:t>
+            </a:r>
+            <a:endParaRPr lang="en-US" altLang="ko-KR" sz="2800" dirty="0"/>
+          </a:p>
+          <a:p>
+            <a:r>
+              <a:rPr lang="en-US" altLang="ko-KR" sz="2800" dirty="0"/>
+              <a:t>- </a:t>
+            </a:r>
+            <a:r>
+              <a:rPr lang="ko-KR" altLang="en-US" sz="2800" dirty="0"/>
+              <a:t>온도</a:t>
+            </a:r>
+            <a:r>
+              <a:rPr lang="en-US" altLang="ko-KR" sz="2800" dirty="0"/>
+              <a:t>(temp)</a:t>
+            </a:r>
+          </a:p>
+          <a:p>
+            <a:endParaRPr lang="ko-KR" altLang="en-US" dirty="0"/>
+          </a:p>
+        </p:txBody>
+      </p:sp>
+    </p:spTree>
+    <p:extLst>
+      <p:ext uri="{BB962C8B-B14F-4D97-AF65-F5344CB8AC3E}">
+        <p14:creationId xmlns:p14="http://schemas.microsoft.com/office/powerpoint/2010/main" val="3055916052"/>
+      </p:ext>
+    </p:extLst>
+  </p:cSld>
+  <p:clrMapOvr>
+    <a:masterClrMapping/>
+  </p:clrMapOvr>
+</p:sld>
+</file>
+
+<file path=ppt/slides/slide21.xml><?xml version="1.0" encoding="utf-8"?>
+<p:sld xmlns:a="http://schemas.openxmlformats.org/drawingml/2006/main" xmlns:r="http://schemas.openxmlformats.org/officeDocument/2006/relationships" xmlns:p="http://schemas.openxmlformats.org/presentationml/2006/main">
+  <p:cSld>
+    <p:spTree>
+      <p:nvGrpSpPr>
+        <p:cNvPr id="1" name=""/>
+        <p:cNvGrpSpPr/>
+        <p:nvPr/>
+      </p:nvGrpSpPr>
+      <p:grpSpPr>
+        <a:xfrm>
+          <a:off x="0" y="0"/>
+          <a:ext cx="0" cy="0"/>
+          <a:chOff x="0" y="0"/>
+          <a:chExt cx="0" cy="0"/>
+        </a:xfrm>
+      </p:grpSpPr>
+      <p:sp>
+        <p:nvSpPr>
+          <p:cNvPr id="2" name="제목 1">
+            <a:extLst>
+              <a:ext uri="{FF2B5EF4-FFF2-40B4-BE49-F238E27FC236}">
+                <a16:creationId xmlns:a16="http://schemas.microsoft.com/office/drawing/2014/main" id="{D7BE5A0F-F59D-47CB-9553-DB012B6A87BD}"/>
+              </a:ext>
+            </a:extLst>
+          </p:cNvPr>
+          <p:cNvSpPr>
+            <a:spLocks noGrp="1"/>
+          </p:cNvSpPr>
+          <p:nvPr>
+            <p:ph type="title"/>
+          </p:nvPr>
+        </p:nvSpPr>
+        <p:spPr/>
+        <p:txBody>
+          <a:bodyPr/>
+          <a:lstStyle/>
+          <a:p>
+            <a:r>
+              <a:rPr lang="ko-KR" altLang="en-US" dirty="0"/>
+              <a:t>모형 테스트</a:t>
+            </a:r>
+          </a:p>
+        </p:txBody>
+      </p:sp>
       <p:sp>
         <p:nvSpPr>
           <p:cNvPr id="3" name="내용 개체 틀 2">
@@ -7260,7 +7847,7 @@
           <p:nvPr>
             <p:extLst>
               <p:ext uri="{D42A27DB-BD31-4B8C-83A1-F6EECF244321}">
-                <p14:modId xmlns:p14="http://schemas.microsoft.com/office/powerpoint/2010/main" val="508134462"/>
+                <p14:modId xmlns:p14="http://schemas.microsoft.com/office/powerpoint/2010/main" val="3585835423"/>
               </p:ext>
             </p:extLst>
           </p:nvPr>
@@ -7547,7 +8134,7 @@
                       <a:pPr latinLnBrk="1"/>
                       <a:r>
                         <a:rPr lang="en-US" altLang="ko-KR" dirty="0"/>
-                        <a:t>0.326</a:t>
+                        <a:t>0.308</a:t>
                       </a:r>
                       <a:endParaRPr lang="ko-KR" altLang="en-US" dirty="0"/>
                     </a:p>
@@ -7562,7 +8149,7 @@
                       <a:pPr latinLnBrk="1"/>
                       <a:r>
                         <a:rPr lang="en-US" altLang="ko-KR" dirty="0"/>
-                        <a:t>0.395</a:t>
+                        <a:t>0.357</a:t>
                       </a:r>
                       <a:endParaRPr lang="ko-KR" altLang="en-US" dirty="0"/>
                     </a:p>
@@ -7577,7 +8164,7 @@
                       <a:pPr latinLnBrk="1"/>
                       <a:r>
                         <a:rPr lang="en-US" altLang="ko-KR" dirty="0"/>
-                        <a:t>0.397</a:t>
+                        <a:t>0.373</a:t>
                       </a:r>
                       <a:endParaRPr lang="ko-KR" altLang="en-US" dirty="0"/>
                     </a:p>
@@ -7592,7 +8179,7 @@
                       <a:pPr latinLnBrk="1"/>
                       <a:r>
                         <a:rPr lang="en-US" altLang="ko-KR" dirty="0"/>
-                        <a:t>0.487</a:t>
+                        <a:t>0.422</a:t>
                       </a:r>
                       <a:endParaRPr lang="ko-KR" altLang="en-US" dirty="0"/>
                     </a:p>
@@ -7607,7 +8194,7 @@
                       <a:pPr latinLnBrk="1"/>
                       <a:r>
                         <a:rPr lang="en-US" altLang="ko-KR" dirty="0"/>
-                        <a:t>0.460</a:t>
+                        <a:t>0.433</a:t>
                       </a:r>
                       <a:endParaRPr lang="ko-KR" altLang="en-US" dirty="0"/>
                     </a:p>
@@ -7643,7 +8230,7 @@
                       <a:pPr latinLnBrk="1"/>
                       <a:r>
                         <a:rPr lang="en-US" altLang="ko-KR" dirty="0"/>
-                        <a:t>9.23%</a:t>
+                        <a:t>14.04%</a:t>
                       </a:r>
                       <a:endParaRPr lang="ko-KR" altLang="en-US" dirty="0"/>
                     </a:p>
@@ -7658,7 +8245,7 @@
                       <a:pPr latinLnBrk="1"/>
                       <a:r>
                         <a:rPr lang="en-US" altLang="ko-KR" dirty="0"/>
-                        <a:t>5.29%</a:t>
+                        <a:t>4.91%</a:t>
                       </a:r>
                       <a:endParaRPr lang="ko-KR" altLang="en-US" dirty="0"/>
                     </a:p>
@@ -7673,7 +8260,7 @@
                       <a:pPr latinLnBrk="1"/>
                       <a:r>
                         <a:rPr lang="en-US" altLang="ko-KR" dirty="0"/>
-                        <a:t>4.4%</a:t>
+                        <a:t>10%</a:t>
                       </a:r>
                       <a:endParaRPr lang="ko-KR" altLang="en-US" dirty="0"/>
                     </a:p>
@@ -7688,7 +8275,7 @@
                       <a:pPr latinLnBrk="1"/>
                       <a:r>
                         <a:rPr lang="en-US" altLang="ko-KR" dirty="0"/>
-                        <a:t>11%</a:t>
+                        <a:t>3.2%</a:t>
                       </a:r>
                       <a:endParaRPr lang="ko-KR" altLang="en-US" dirty="0"/>
                     </a:p>
@@ -7703,7 +8290,7 @@
                       <a:pPr latinLnBrk="1"/>
                       <a:r>
                         <a:rPr lang="en-US" altLang="ko-KR" dirty="0"/>
-                        <a:t>16%</a:t>
+                        <a:t>20%</a:t>
                       </a:r>
                       <a:endParaRPr lang="ko-KR" altLang="en-US" dirty="0"/>
                     </a:p>
@@ -7735,7 +8322,7 @@
         <p:spPr>
           <a:xfrm>
             <a:off x="7262948" y="4136231"/>
-            <a:ext cx="1681871" cy="369332"/>
+            <a:ext cx="1935145" cy="369332"/>
           </a:xfrm>
           <a:prstGeom prst="rect">
             <a:avLst/>
@@ -7750,7 +8337,7 @@
           <a:p>
             <a:r>
               <a:rPr lang="en-US" altLang="ko-KR" dirty="0"/>
-              <a:t>MAPE = 9.184</a:t>
+              <a:t>MAPE = 10.6763</a:t>
             </a:r>
             <a:endParaRPr lang="ko-KR" altLang="en-US" dirty="0"/>
           </a:p>
@@ -7899,7 +8486,7 @@
 </p:sld>
 </file>
 
-<file path=ppt/slides/slide21.xml><?xml version="1.0" encoding="utf-8"?>
+<file path=ppt/slides/slide22.xml><?xml version="1.0" encoding="utf-8"?>
 <p:sld xmlns:a="http://schemas.openxmlformats.org/drawingml/2006/main" xmlns:r="http://schemas.openxmlformats.org/officeDocument/2006/relationships" xmlns:p="http://schemas.openxmlformats.org/presentationml/2006/main">
   <p:cSld>
     <p:spTree>
@@ -8000,7 +8587,7 @@
 </p:sld>
 </file>
 
-<file path=ppt/slides/slide22.xml><?xml version="1.0" encoding="utf-8"?>
+<file path=ppt/slides/slide23.xml><?xml version="1.0" encoding="utf-8"?>
 <p:sld xmlns:a="http://schemas.openxmlformats.org/drawingml/2006/main" xmlns:r="http://schemas.openxmlformats.org/officeDocument/2006/relationships" xmlns:p="http://schemas.openxmlformats.org/presentationml/2006/main">
   <p:cSld>
     <p:spTree>
